--- a/input/images-source/4513.pptx
+++ b/input/images-source/4513.pptx
@@ -2,18 +2,18 @@
 <file path=ppt/presentation.xml><?xml version="1.0" encoding="utf-8"?>
 <p:presentation xmlns:a="http://schemas.openxmlformats.org/drawingml/2006/main" xmlns:r="http://schemas.openxmlformats.org/officeDocument/2006/relationships" xmlns:p="http://schemas.openxmlformats.org/presentationml/2006/main" saveSubsetFonts="1" bookmarkIdSeed="2">
   <p:sldMasterIdLst>
-    <p:sldMasterId id="2147483648" r:id="rId1"/>
+    <p:sldMasterId id="2147483660" r:id="rId1"/>
   </p:sldMasterIdLst>
   <p:sldIdLst>
     <p:sldId id="256" r:id="rId2"/>
   </p:sldIdLst>
-  <p:sldSz cx="12192000" cy="6858000"/>
+  <p:sldSz cx="9144000" cy="6858000" type="screen4x3"/>
   <p:notesSz cx="6858000" cy="9144000"/>
   <p:defaultTextStyle>
     <a:defPPr>
       <a:defRPr lang="en-US"/>
     </a:defPPr>
-    <a:lvl1pPr marL="0" algn="l" defTabSz="914400" rtl="0" eaLnBrk="1" latinLnBrk="0" hangingPunct="1">
+    <a:lvl1pPr marL="0" algn="l" defTabSz="457200" rtl="0" eaLnBrk="1" latinLnBrk="0" hangingPunct="1">
       <a:defRPr sz="1800" kern="1200">
         <a:solidFill>
           <a:schemeClr val="tx1"/>
@@ -23,7 +23,7 @@
         <a:cs typeface="+mn-cs"/>
       </a:defRPr>
     </a:lvl1pPr>
-    <a:lvl2pPr marL="457200" algn="l" defTabSz="914400" rtl="0" eaLnBrk="1" latinLnBrk="0" hangingPunct="1">
+    <a:lvl2pPr marL="457200" algn="l" defTabSz="457200" rtl="0" eaLnBrk="1" latinLnBrk="0" hangingPunct="1">
       <a:defRPr sz="1800" kern="1200">
         <a:solidFill>
           <a:schemeClr val="tx1"/>
@@ -33,7 +33,7 @@
         <a:cs typeface="+mn-cs"/>
       </a:defRPr>
     </a:lvl2pPr>
-    <a:lvl3pPr marL="914400" algn="l" defTabSz="914400" rtl="0" eaLnBrk="1" latinLnBrk="0" hangingPunct="1">
+    <a:lvl3pPr marL="914400" algn="l" defTabSz="457200" rtl="0" eaLnBrk="1" latinLnBrk="0" hangingPunct="1">
       <a:defRPr sz="1800" kern="1200">
         <a:solidFill>
           <a:schemeClr val="tx1"/>
@@ -43,7 +43,7 @@
         <a:cs typeface="+mn-cs"/>
       </a:defRPr>
     </a:lvl3pPr>
-    <a:lvl4pPr marL="1371600" algn="l" defTabSz="914400" rtl="0" eaLnBrk="1" latinLnBrk="0" hangingPunct="1">
+    <a:lvl4pPr marL="1371600" algn="l" defTabSz="457200" rtl="0" eaLnBrk="1" latinLnBrk="0" hangingPunct="1">
       <a:defRPr sz="1800" kern="1200">
         <a:solidFill>
           <a:schemeClr val="tx1"/>
@@ -53,7 +53,7 @@
         <a:cs typeface="+mn-cs"/>
       </a:defRPr>
     </a:lvl4pPr>
-    <a:lvl5pPr marL="1828800" algn="l" defTabSz="914400" rtl="0" eaLnBrk="1" latinLnBrk="0" hangingPunct="1">
+    <a:lvl5pPr marL="1828800" algn="l" defTabSz="457200" rtl="0" eaLnBrk="1" latinLnBrk="0" hangingPunct="1">
       <a:defRPr sz="1800" kern="1200">
         <a:solidFill>
           <a:schemeClr val="tx1"/>
@@ -63,7 +63,7 @@
         <a:cs typeface="+mn-cs"/>
       </a:defRPr>
     </a:lvl5pPr>
-    <a:lvl6pPr marL="2286000" algn="l" defTabSz="914400" rtl="0" eaLnBrk="1" latinLnBrk="0" hangingPunct="1">
+    <a:lvl6pPr marL="2286000" algn="l" defTabSz="457200" rtl="0" eaLnBrk="1" latinLnBrk="0" hangingPunct="1">
       <a:defRPr sz="1800" kern="1200">
         <a:solidFill>
           <a:schemeClr val="tx1"/>
@@ -73,7 +73,7 @@
         <a:cs typeface="+mn-cs"/>
       </a:defRPr>
     </a:lvl6pPr>
-    <a:lvl7pPr marL="2743200" algn="l" defTabSz="914400" rtl="0" eaLnBrk="1" latinLnBrk="0" hangingPunct="1">
+    <a:lvl7pPr marL="2743200" algn="l" defTabSz="457200" rtl="0" eaLnBrk="1" latinLnBrk="0" hangingPunct="1">
       <a:defRPr sz="1800" kern="1200">
         <a:solidFill>
           <a:schemeClr val="tx1"/>
@@ -83,7 +83,7 @@
         <a:cs typeface="+mn-cs"/>
       </a:defRPr>
     </a:lvl7pPr>
-    <a:lvl8pPr marL="3200400" algn="l" defTabSz="914400" rtl="0" eaLnBrk="1" latinLnBrk="0" hangingPunct="1">
+    <a:lvl8pPr marL="3200400" algn="l" defTabSz="457200" rtl="0" eaLnBrk="1" latinLnBrk="0" hangingPunct="1">
       <a:defRPr sz="1800" kern="1200">
         <a:solidFill>
           <a:schemeClr val="tx1"/>
@@ -93,7 +93,7 @@
         <a:cs typeface="+mn-cs"/>
       </a:defRPr>
     </a:lvl8pPr>
-    <a:lvl9pPr marL="3657600" algn="l" defTabSz="914400" rtl="0" eaLnBrk="1" latinLnBrk="0" hangingPunct="1">
+    <a:lvl9pPr marL="3657600" algn="l" defTabSz="457200" rtl="0" eaLnBrk="1" latinLnBrk="0" hangingPunct="1">
       <a:defRPr sz="1800" kern="1200">
         <a:solidFill>
           <a:schemeClr val="tx1"/>
@@ -104,6 +104,11 @@
       </a:defRPr>
     </a:lvl9pPr>
   </p:defaultTextStyle>
+  <p:extLst>
+    <p:ext uri="{EFAFB233-063F-42B5-8137-9DF3F51BA10A}">
+      <p15:sldGuideLst xmlns:p15="http://schemas.microsoft.com/office/powerpoint/2012/main"/>
+    </p:ext>
+  </p:extLst>
 </p:presentation>
 </file>
 
@@ -126,13 +131,7 @@
       </p:grpSpPr>
       <p:sp>
         <p:nvSpPr>
-          <p:cNvPr id="2" name="Title 1">
-            <a:extLst>
-              <a:ext uri="{FF2B5EF4-FFF2-40B4-BE49-F238E27FC236}">
-                <a16:creationId xmlns:a16="http://schemas.microsoft.com/office/drawing/2014/main" id="{BE441289-0160-4161-FC2F-1B9241F63330}"/>
-              </a:ext>
-            </a:extLst>
-          </p:cNvPr>
+          <p:cNvPr id="2" name="Title 1"/>
           <p:cNvSpPr>
             <a:spLocks noGrp="1"/>
           </p:cNvSpPr>
@@ -142,8 +141,8 @@
         </p:nvSpPr>
         <p:spPr>
           <a:xfrm>
-            <a:off x="1524000" y="1122363"/>
-            <a:ext cx="9144000" cy="2387600"/>
+            <a:off x="685800" y="1122363"/>
+            <a:ext cx="7772400" cy="2387600"/>
           </a:xfrm>
         </p:spPr>
         <p:txBody>
@@ -158,18 +157,13 @@
               <a:rPr lang="en-US"/>
               <a:t>Click to edit Master title style</a:t>
             </a:r>
-          </a:p>
-        </p:txBody>
-      </p:sp>
-      <p:sp>
-        <p:nvSpPr>
-          <p:cNvPr id="3" name="Subtitle 2">
-            <a:extLst>
-              <a:ext uri="{FF2B5EF4-FFF2-40B4-BE49-F238E27FC236}">
-                <a16:creationId xmlns:a16="http://schemas.microsoft.com/office/drawing/2014/main" id="{BDF0C8D9-E2F4-2A69-517A-9A6A706968F5}"/>
-              </a:ext>
-            </a:extLst>
-          </p:cNvPr>
+            <a:endParaRPr lang="en-US" dirty="0"/>
+          </a:p>
+        </p:txBody>
+      </p:sp>
+      <p:sp>
+        <p:nvSpPr>
+          <p:cNvPr id="3" name="Subtitle 2"/>
           <p:cNvSpPr>
             <a:spLocks noGrp="1"/>
           </p:cNvSpPr>
@@ -179,8 +173,8 @@
         </p:nvSpPr>
         <p:spPr>
           <a:xfrm>
-            <a:off x="1524000" y="3602038"/>
-            <a:ext cx="9144000" cy="1655762"/>
+            <a:off x="1143000" y="3602038"/>
+            <a:ext cx="6858000" cy="1655762"/>
           </a:xfrm>
         </p:spPr>
         <p:txBody>
@@ -228,18 +222,13 @@
               <a:rPr lang="en-US"/>
               <a:t>Click to edit Master subtitle style</a:t>
             </a:r>
-          </a:p>
-        </p:txBody>
-      </p:sp>
-      <p:sp>
-        <p:nvSpPr>
-          <p:cNvPr id="4" name="Date Placeholder 3">
-            <a:extLst>
-              <a:ext uri="{FF2B5EF4-FFF2-40B4-BE49-F238E27FC236}">
-                <a16:creationId xmlns:a16="http://schemas.microsoft.com/office/drawing/2014/main" id="{77195B5D-33BC-65A4-8724-5F01BEFADDA0}"/>
-              </a:ext>
-            </a:extLst>
-          </p:cNvPr>
+            <a:endParaRPr lang="en-US" dirty="0"/>
+          </a:p>
+        </p:txBody>
+      </p:sp>
+      <p:sp>
+        <p:nvSpPr>
+          <p:cNvPr id="4" name="Date Placeholder 3"/>
           <p:cNvSpPr>
             <a:spLocks noGrp="1"/>
           </p:cNvSpPr>
@@ -254,7 +243,7 @@
           <a:p>
             <a:fld id="{C7537972-2882-43D8-BDDD-0E01CB5FD203}" type="datetimeFigureOut">
               <a:rPr lang="en-US" smtClean="0"/>
-              <a:t>1/6/2023</a:t>
+              <a:t>1/12/2023</a:t>
             </a:fld>
             <a:endParaRPr lang="en-US"/>
           </a:p>
@@ -262,13 +251,7 @@
       </p:sp>
       <p:sp>
         <p:nvSpPr>
-          <p:cNvPr id="5" name="Footer Placeholder 4">
-            <a:extLst>
-              <a:ext uri="{FF2B5EF4-FFF2-40B4-BE49-F238E27FC236}">
-                <a16:creationId xmlns:a16="http://schemas.microsoft.com/office/drawing/2014/main" id="{AC432545-9680-BCAC-06CD-289F7D31C1B9}"/>
-              </a:ext>
-            </a:extLst>
-          </p:cNvPr>
+          <p:cNvPr id="5" name="Footer Placeholder 4"/>
           <p:cNvSpPr>
             <a:spLocks noGrp="1"/>
           </p:cNvSpPr>
@@ -287,13 +270,7 @@
       </p:sp>
       <p:sp>
         <p:nvSpPr>
-          <p:cNvPr id="6" name="Slide Number Placeholder 5">
-            <a:extLst>
-              <a:ext uri="{FF2B5EF4-FFF2-40B4-BE49-F238E27FC236}">
-                <a16:creationId xmlns:a16="http://schemas.microsoft.com/office/drawing/2014/main" id="{50B75E83-1CE6-116B-8D3D-494B37F99159}"/>
-              </a:ext>
-            </a:extLst>
-          </p:cNvPr>
+          <p:cNvPr id="6" name="Slide Number Placeholder 5"/>
           <p:cNvSpPr>
             <a:spLocks noGrp="1"/>
           </p:cNvSpPr>
@@ -317,7 +294,7 @@
     </p:spTree>
     <p:extLst>
       <p:ext uri="{BB962C8B-B14F-4D97-AF65-F5344CB8AC3E}">
-        <p14:creationId xmlns:p14="http://schemas.microsoft.com/office/powerpoint/2010/main" val="2373138776"/>
+        <p14:creationId xmlns:p14="http://schemas.microsoft.com/office/powerpoint/2010/main" val="632466889"/>
       </p:ext>
     </p:extLst>
   </p:cSld>
@@ -346,13 +323,7 @@
       </p:grpSpPr>
       <p:sp>
         <p:nvSpPr>
-          <p:cNvPr id="2" name="Title 1">
-            <a:extLst>
-              <a:ext uri="{FF2B5EF4-FFF2-40B4-BE49-F238E27FC236}">
-                <a16:creationId xmlns:a16="http://schemas.microsoft.com/office/drawing/2014/main" id="{F2CB4E60-1D9E-F78F-8176-A2FF17E06144}"/>
-              </a:ext>
-            </a:extLst>
-          </p:cNvPr>
+          <p:cNvPr id="2" name="Title 1"/>
           <p:cNvSpPr>
             <a:spLocks noGrp="1"/>
           </p:cNvSpPr>
@@ -369,18 +340,13 @@
               <a:rPr lang="en-US"/>
               <a:t>Click to edit Master title style</a:t>
             </a:r>
-          </a:p>
-        </p:txBody>
-      </p:sp>
-      <p:sp>
-        <p:nvSpPr>
-          <p:cNvPr id="3" name="Vertical Text Placeholder 2">
-            <a:extLst>
-              <a:ext uri="{FF2B5EF4-FFF2-40B4-BE49-F238E27FC236}">
-                <a16:creationId xmlns:a16="http://schemas.microsoft.com/office/drawing/2014/main" id="{33B2CCBC-A662-1201-B683-4C5C149AD5FB}"/>
-              </a:ext>
-            </a:extLst>
-          </p:cNvPr>
+            <a:endParaRPr lang="en-US" dirty="0"/>
+          </a:p>
+        </p:txBody>
+      </p:sp>
+      <p:sp>
+        <p:nvSpPr>
+          <p:cNvPr id="3" name="Vertical Text Placeholder 2"/>
           <p:cNvSpPr>
             <a:spLocks noGrp="1"/>
           </p:cNvSpPr>
@@ -426,18 +392,13 @@
               <a:rPr lang="en-US"/>
               <a:t>Fifth level</a:t>
             </a:r>
-          </a:p>
-        </p:txBody>
-      </p:sp>
-      <p:sp>
-        <p:nvSpPr>
-          <p:cNvPr id="4" name="Date Placeholder 3">
-            <a:extLst>
-              <a:ext uri="{FF2B5EF4-FFF2-40B4-BE49-F238E27FC236}">
-                <a16:creationId xmlns:a16="http://schemas.microsoft.com/office/drawing/2014/main" id="{B4E21FA1-6869-0DF5-651C-BDB3AF94EB2F}"/>
-              </a:ext>
-            </a:extLst>
-          </p:cNvPr>
+            <a:endParaRPr lang="en-US" dirty="0"/>
+          </a:p>
+        </p:txBody>
+      </p:sp>
+      <p:sp>
+        <p:nvSpPr>
+          <p:cNvPr id="4" name="Date Placeholder 3"/>
           <p:cNvSpPr>
             <a:spLocks noGrp="1"/>
           </p:cNvSpPr>
@@ -452,7 +413,7 @@
           <a:p>
             <a:fld id="{C7537972-2882-43D8-BDDD-0E01CB5FD203}" type="datetimeFigureOut">
               <a:rPr lang="en-US" smtClean="0"/>
-              <a:t>1/6/2023</a:t>
+              <a:t>1/12/2023</a:t>
             </a:fld>
             <a:endParaRPr lang="en-US"/>
           </a:p>
@@ -460,13 +421,7 @@
       </p:sp>
       <p:sp>
         <p:nvSpPr>
-          <p:cNvPr id="5" name="Footer Placeholder 4">
-            <a:extLst>
-              <a:ext uri="{FF2B5EF4-FFF2-40B4-BE49-F238E27FC236}">
-                <a16:creationId xmlns:a16="http://schemas.microsoft.com/office/drawing/2014/main" id="{96686D83-8E24-4C3E-33ED-782F01BACB8F}"/>
-              </a:ext>
-            </a:extLst>
-          </p:cNvPr>
+          <p:cNvPr id="5" name="Footer Placeholder 4"/>
           <p:cNvSpPr>
             <a:spLocks noGrp="1"/>
           </p:cNvSpPr>
@@ -485,13 +440,7 @@
       </p:sp>
       <p:sp>
         <p:nvSpPr>
-          <p:cNvPr id="6" name="Slide Number Placeholder 5">
-            <a:extLst>
-              <a:ext uri="{FF2B5EF4-FFF2-40B4-BE49-F238E27FC236}">
-                <a16:creationId xmlns:a16="http://schemas.microsoft.com/office/drawing/2014/main" id="{6C4C257B-6B2E-D92E-EE60-06E022A6A98F}"/>
-              </a:ext>
-            </a:extLst>
-          </p:cNvPr>
+          <p:cNvPr id="6" name="Slide Number Placeholder 5"/>
           <p:cNvSpPr>
             <a:spLocks noGrp="1"/>
           </p:cNvSpPr>
@@ -515,7 +464,7 @@
     </p:spTree>
     <p:extLst>
       <p:ext uri="{BB962C8B-B14F-4D97-AF65-F5344CB8AC3E}">
-        <p14:creationId xmlns:p14="http://schemas.microsoft.com/office/powerpoint/2010/main" val="1453634394"/>
+        <p14:creationId xmlns:p14="http://schemas.microsoft.com/office/powerpoint/2010/main" val="1684312904"/>
       </p:ext>
     </p:extLst>
   </p:cSld>
@@ -544,13 +493,7 @@
       </p:grpSpPr>
       <p:sp>
         <p:nvSpPr>
-          <p:cNvPr id="2" name="Vertical Title 1">
-            <a:extLst>
-              <a:ext uri="{FF2B5EF4-FFF2-40B4-BE49-F238E27FC236}">
-                <a16:creationId xmlns:a16="http://schemas.microsoft.com/office/drawing/2014/main" id="{EB7CE648-FC7A-5431-F9B9-B6BE77DED710}"/>
-              </a:ext>
-            </a:extLst>
-          </p:cNvPr>
+          <p:cNvPr id="2" name="Vertical Title 1"/>
           <p:cNvSpPr>
             <a:spLocks noGrp="1"/>
           </p:cNvSpPr>
@@ -560,8 +503,8 @@
         </p:nvSpPr>
         <p:spPr>
           <a:xfrm>
-            <a:off x="8724900" y="365125"/>
-            <a:ext cx="2628900" cy="5811838"/>
+            <a:off x="6543675" y="365125"/>
+            <a:ext cx="1971675" cy="5811838"/>
           </a:xfrm>
         </p:spPr>
         <p:txBody>
@@ -572,18 +515,13 @@
               <a:rPr lang="en-US"/>
               <a:t>Click to edit Master title style</a:t>
             </a:r>
-          </a:p>
-        </p:txBody>
-      </p:sp>
-      <p:sp>
-        <p:nvSpPr>
-          <p:cNvPr id="3" name="Vertical Text Placeholder 2">
-            <a:extLst>
-              <a:ext uri="{FF2B5EF4-FFF2-40B4-BE49-F238E27FC236}">
-                <a16:creationId xmlns:a16="http://schemas.microsoft.com/office/drawing/2014/main" id="{10706892-DD7C-5DCF-D03B-426A2D5B744D}"/>
-              </a:ext>
-            </a:extLst>
-          </p:cNvPr>
+            <a:endParaRPr lang="en-US" dirty="0"/>
+          </a:p>
+        </p:txBody>
+      </p:sp>
+      <p:sp>
+        <p:nvSpPr>
+          <p:cNvPr id="3" name="Vertical Text Placeholder 2"/>
           <p:cNvSpPr>
             <a:spLocks noGrp="1"/>
           </p:cNvSpPr>
@@ -593,8 +531,8 @@
         </p:nvSpPr>
         <p:spPr>
           <a:xfrm>
-            <a:off x="838200" y="365125"/>
-            <a:ext cx="7734300" cy="5811838"/>
+            <a:off x="628650" y="365125"/>
+            <a:ext cx="5800725" cy="5811838"/>
           </a:xfrm>
         </p:spPr>
         <p:txBody>
@@ -634,18 +572,13 @@
               <a:rPr lang="en-US"/>
               <a:t>Fifth level</a:t>
             </a:r>
-          </a:p>
-        </p:txBody>
-      </p:sp>
-      <p:sp>
-        <p:nvSpPr>
-          <p:cNvPr id="4" name="Date Placeholder 3">
-            <a:extLst>
-              <a:ext uri="{FF2B5EF4-FFF2-40B4-BE49-F238E27FC236}">
-                <a16:creationId xmlns:a16="http://schemas.microsoft.com/office/drawing/2014/main" id="{D13D6BA6-A841-5BF5-FF37-82CAFD49D335}"/>
-              </a:ext>
-            </a:extLst>
-          </p:cNvPr>
+            <a:endParaRPr lang="en-US" dirty="0"/>
+          </a:p>
+        </p:txBody>
+      </p:sp>
+      <p:sp>
+        <p:nvSpPr>
+          <p:cNvPr id="4" name="Date Placeholder 3"/>
           <p:cNvSpPr>
             <a:spLocks noGrp="1"/>
           </p:cNvSpPr>
@@ -660,7 +593,7 @@
           <a:p>
             <a:fld id="{C7537972-2882-43D8-BDDD-0E01CB5FD203}" type="datetimeFigureOut">
               <a:rPr lang="en-US" smtClean="0"/>
-              <a:t>1/6/2023</a:t>
+              <a:t>1/12/2023</a:t>
             </a:fld>
             <a:endParaRPr lang="en-US"/>
           </a:p>
@@ -668,13 +601,7 @@
       </p:sp>
       <p:sp>
         <p:nvSpPr>
-          <p:cNvPr id="5" name="Footer Placeholder 4">
-            <a:extLst>
-              <a:ext uri="{FF2B5EF4-FFF2-40B4-BE49-F238E27FC236}">
-                <a16:creationId xmlns:a16="http://schemas.microsoft.com/office/drawing/2014/main" id="{0BAFFA8A-7C84-A017-E085-50A94C9555A6}"/>
-              </a:ext>
-            </a:extLst>
-          </p:cNvPr>
+          <p:cNvPr id="5" name="Footer Placeholder 4"/>
           <p:cNvSpPr>
             <a:spLocks noGrp="1"/>
           </p:cNvSpPr>
@@ -693,13 +620,7 @@
       </p:sp>
       <p:sp>
         <p:nvSpPr>
-          <p:cNvPr id="6" name="Slide Number Placeholder 5">
-            <a:extLst>
-              <a:ext uri="{FF2B5EF4-FFF2-40B4-BE49-F238E27FC236}">
-                <a16:creationId xmlns:a16="http://schemas.microsoft.com/office/drawing/2014/main" id="{9B785193-0D0C-1FB6-C3A5-719B6F61AFC4}"/>
-              </a:ext>
-            </a:extLst>
-          </p:cNvPr>
+          <p:cNvPr id="6" name="Slide Number Placeholder 5"/>
           <p:cNvSpPr>
             <a:spLocks noGrp="1"/>
           </p:cNvSpPr>
@@ -723,7 +644,7 @@
     </p:spTree>
     <p:extLst>
       <p:ext uri="{BB962C8B-B14F-4D97-AF65-F5344CB8AC3E}">
-        <p14:creationId xmlns:p14="http://schemas.microsoft.com/office/powerpoint/2010/main" val="829945497"/>
+        <p14:creationId xmlns:p14="http://schemas.microsoft.com/office/powerpoint/2010/main" val="2481364112"/>
       </p:ext>
     </p:extLst>
   </p:cSld>
@@ -752,13 +673,7 @@
       </p:grpSpPr>
       <p:sp>
         <p:nvSpPr>
-          <p:cNvPr id="2" name="Title 1">
-            <a:extLst>
-              <a:ext uri="{FF2B5EF4-FFF2-40B4-BE49-F238E27FC236}">
-                <a16:creationId xmlns:a16="http://schemas.microsoft.com/office/drawing/2014/main" id="{A7848948-F29C-5B6D-11DD-DAD40BF7DEED}"/>
-              </a:ext>
-            </a:extLst>
-          </p:cNvPr>
+          <p:cNvPr id="2" name="Title 1"/>
           <p:cNvSpPr>
             <a:spLocks noGrp="1"/>
           </p:cNvSpPr>
@@ -775,18 +690,13 @@
               <a:rPr lang="en-US"/>
               <a:t>Click to edit Master title style</a:t>
             </a:r>
-          </a:p>
-        </p:txBody>
-      </p:sp>
-      <p:sp>
-        <p:nvSpPr>
-          <p:cNvPr id="3" name="Content Placeholder 2">
-            <a:extLst>
-              <a:ext uri="{FF2B5EF4-FFF2-40B4-BE49-F238E27FC236}">
-                <a16:creationId xmlns:a16="http://schemas.microsoft.com/office/drawing/2014/main" id="{450A6906-767A-E01F-7A52-9899348127DD}"/>
-              </a:ext>
-            </a:extLst>
-          </p:cNvPr>
+            <a:endParaRPr lang="en-US" dirty="0"/>
+          </a:p>
+        </p:txBody>
+      </p:sp>
+      <p:sp>
+        <p:nvSpPr>
+          <p:cNvPr id="3" name="Content Placeholder 2"/>
           <p:cNvSpPr>
             <a:spLocks noGrp="1"/>
           </p:cNvSpPr>
@@ -832,18 +742,13 @@
               <a:rPr lang="en-US"/>
               <a:t>Fifth level</a:t>
             </a:r>
-          </a:p>
-        </p:txBody>
-      </p:sp>
-      <p:sp>
-        <p:nvSpPr>
-          <p:cNvPr id="4" name="Date Placeholder 3">
-            <a:extLst>
-              <a:ext uri="{FF2B5EF4-FFF2-40B4-BE49-F238E27FC236}">
-                <a16:creationId xmlns:a16="http://schemas.microsoft.com/office/drawing/2014/main" id="{324944EC-AF57-0271-DAC7-02A6756BB0CD}"/>
-              </a:ext>
-            </a:extLst>
-          </p:cNvPr>
+            <a:endParaRPr lang="en-US" dirty="0"/>
+          </a:p>
+        </p:txBody>
+      </p:sp>
+      <p:sp>
+        <p:nvSpPr>
+          <p:cNvPr id="4" name="Date Placeholder 3"/>
           <p:cNvSpPr>
             <a:spLocks noGrp="1"/>
           </p:cNvSpPr>
@@ -858,7 +763,7 @@
           <a:p>
             <a:fld id="{C7537972-2882-43D8-BDDD-0E01CB5FD203}" type="datetimeFigureOut">
               <a:rPr lang="en-US" smtClean="0"/>
-              <a:t>1/6/2023</a:t>
+              <a:t>1/12/2023</a:t>
             </a:fld>
             <a:endParaRPr lang="en-US"/>
           </a:p>
@@ -866,13 +771,7 @@
       </p:sp>
       <p:sp>
         <p:nvSpPr>
-          <p:cNvPr id="5" name="Footer Placeholder 4">
-            <a:extLst>
-              <a:ext uri="{FF2B5EF4-FFF2-40B4-BE49-F238E27FC236}">
-                <a16:creationId xmlns:a16="http://schemas.microsoft.com/office/drawing/2014/main" id="{20305C04-C630-706A-4729-34C5A4B82D89}"/>
-              </a:ext>
-            </a:extLst>
-          </p:cNvPr>
+          <p:cNvPr id="5" name="Footer Placeholder 4"/>
           <p:cNvSpPr>
             <a:spLocks noGrp="1"/>
           </p:cNvSpPr>
@@ -891,13 +790,7 @@
       </p:sp>
       <p:sp>
         <p:nvSpPr>
-          <p:cNvPr id="6" name="Slide Number Placeholder 5">
-            <a:extLst>
-              <a:ext uri="{FF2B5EF4-FFF2-40B4-BE49-F238E27FC236}">
-                <a16:creationId xmlns:a16="http://schemas.microsoft.com/office/drawing/2014/main" id="{446C655A-BDC9-42C2-0DCB-A4B1C6B12FBD}"/>
-              </a:ext>
-            </a:extLst>
-          </p:cNvPr>
+          <p:cNvPr id="6" name="Slide Number Placeholder 5"/>
           <p:cNvSpPr>
             <a:spLocks noGrp="1"/>
           </p:cNvSpPr>
@@ -921,7 +814,7 @@
     </p:spTree>
     <p:extLst>
       <p:ext uri="{BB962C8B-B14F-4D97-AF65-F5344CB8AC3E}">
-        <p14:creationId xmlns:p14="http://schemas.microsoft.com/office/powerpoint/2010/main" val="3377489802"/>
+        <p14:creationId xmlns:p14="http://schemas.microsoft.com/office/powerpoint/2010/main" val="3073330589"/>
       </p:ext>
     </p:extLst>
   </p:cSld>
@@ -950,13 +843,7 @@
       </p:grpSpPr>
       <p:sp>
         <p:nvSpPr>
-          <p:cNvPr id="2" name="Title 1">
-            <a:extLst>
-              <a:ext uri="{FF2B5EF4-FFF2-40B4-BE49-F238E27FC236}">
-                <a16:creationId xmlns:a16="http://schemas.microsoft.com/office/drawing/2014/main" id="{13DEF2B0-2738-97E1-495D-84D7B0C263A1}"/>
-              </a:ext>
-            </a:extLst>
-          </p:cNvPr>
+          <p:cNvPr id="2" name="Title 1"/>
           <p:cNvSpPr>
             <a:spLocks noGrp="1"/>
           </p:cNvSpPr>
@@ -966,8 +853,8 @@
         </p:nvSpPr>
         <p:spPr>
           <a:xfrm>
-            <a:off x="831850" y="1709738"/>
-            <a:ext cx="10515600" cy="2852737"/>
+            <a:off x="623888" y="1709739"/>
+            <a:ext cx="7886700" cy="2852737"/>
           </a:xfrm>
         </p:spPr>
         <p:txBody>
@@ -982,18 +869,13 @@
               <a:rPr lang="en-US"/>
               <a:t>Click to edit Master title style</a:t>
             </a:r>
-          </a:p>
-        </p:txBody>
-      </p:sp>
-      <p:sp>
-        <p:nvSpPr>
-          <p:cNvPr id="3" name="Text Placeholder 2">
-            <a:extLst>
-              <a:ext uri="{FF2B5EF4-FFF2-40B4-BE49-F238E27FC236}">
-                <a16:creationId xmlns:a16="http://schemas.microsoft.com/office/drawing/2014/main" id="{2B775833-29F3-5624-4A9B-E79A2EE6C6A5}"/>
-              </a:ext>
-            </a:extLst>
-          </p:cNvPr>
+            <a:endParaRPr lang="en-US" dirty="0"/>
+          </a:p>
+        </p:txBody>
+      </p:sp>
+      <p:sp>
+        <p:nvSpPr>
+          <p:cNvPr id="3" name="Text Placeholder 2"/>
           <p:cNvSpPr>
             <a:spLocks noGrp="1"/>
           </p:cNvSpPr>
@@ -1003,8 +885,8 @@
         </p:nvSpPr>
         <p:spPr>
           <a:xfrm>
-            <a:off x="831850" y="4589463"/>
-            <a:ext cx="10515600" cy="1500187"/>
+            <a:off x="623888" y="4589464"/>
+            <a:ext cx="7886700" cy="1500187"/>
           </a:xfrm>
         </p:spPr>
         <p:txBody>
@@ -1014,9 +896,7 @@
               <a:buNone/>
               <a:defRPr sz="2400">
                 <a:solidFill>
-                  <a:schemeClr val="tx1">
-                    <a:tint val="75000"/>
-                  </a:schemeClr>
+                  <a:schemeClr val="tx1"/>
                 </a:solidFill>
               </a:defRPr>
             </a:lvl1pPr>
@@ -1112,13 +992,7 @@
       </p:sp>
       <p:sp>
         <p:nvSpPr>
-          <p:cNvPr id="4" name="Date Placeholder 3">
-            <a:extLst>
-              <a:ext uri="{FF2B5EF4-FFF2-40B4-BE49-F238E27FC236}">
-                <a16:creationId xmlns:a16="http://schemas.microsoft.com/office/drawing/2014/main" id="{5C5A123F-A7D3-38C7-3FBB-66FD8AEB084B}"/>
-              </a:ext>
-            </a:extLst>
-          </p:cNvPr>
+          <p:cNvPr id="4" name="Date Placeholder 3"/>
           <p:cNvSpPr>
             <a:spLocks noGrp="1"/>
           </p:cNvSpPr>
@@ -1133,7 +1007,7 @@
           <a:p>
             <a:fld id="{C7537972-2882-43D8-BDDD-0E01CB5FD203}" type="datetimeFigureOut">
               <a:rPr lang="en-US" smtClean="0"/>
-              <a:t>1/6/2023</a:t>
+              <a:t>1/12/2023</a:t>
             </a:fld>
             <a:endParaRPr lang="en-US"/>
           </a:p>
@@ -1141,13 +1015,7 @@
       </p:sp>
       <p:sp>
         <p:nvSpPr>
-          <p:cNvPr id="5" name="Footer Placeholder 4">
-            <a:extLst>
-              <a:ext uri="{FF2B5EF4-FFF2-40B4-BE49-F238E27FC236}">
-                <a16:creationId xmlns:a16="http://schemas.microsoft.com/office/drawing/2014/main" id="{B4112143-0B3F-0BB2-03A9-8EDA81B5B72C}"/>
-              </a:ext>
-            </a:extLst>
-          </p:cNvPr>
+          <p:cNvPr id="5" name="Footer Placeholder 4"/>
           <p:cNvSpPr>
             <a:spLocks noGrp="1"/>
           </p:cNvSpPr>
@@ -1166,13 +1034,7 @@
       </p:sp>
       <p:sp>
         <p:nvSpPr>
-          <p:cNvPr id="6" name="Slide Number Placeholder 5">
-            <a:extLst>
-              <a:ext uri="{FF2B5EF4-FFF2-40B4-BE49-F238E27FC236}">
-                <a16:creationId xmlns:a16="http://schemas.microsoft.com/office/drawing/2014/main" id="{17F43B77-EB1E-A6E2-A902-A22BAB13D3FE}"/>
-              </a:ext>
-            </a:extLst>
-          </p:cNvPr>
+          <p:cNvPr id="6" name="Slide Number Placeholder 5"/>
           <p:cNvSpPr>
             <a:spLocks noGrp="1"/>
           </p:cNvSpPr>
@@ -1196,7 +1058,7 @@
     </p:spTree>
     <p:extLst>
       <p:ext uri="{BB962C8B-B14F-4D97-AF65-F5344CB8AC3E}">
-        <p14:creationId xmlns:p14="http://schemas.microsoft.com/office/powerpoint/2010/main" val="3334684824"/>
+        <p14:creationId xmlns:p14="http://schemas.microsoft.com/office/powerpoint/2010/main" val="2195640080"/>
       </p:ext>
     </p:extLst>
   </p:cSld>
@@ -1225,13 +1087,7 @@
       </p:grpSpPr>
       <p:sp>
         <p:nvSpPr>
-          <p:cNvPr id="2" name="Title 1">
-            <a:extLst>
-              <a:ext uri="{FF2B5EF4-FFF2-40B4-BE49-F238E27FC236}">
-                <a16:creationId xmlns:a16="http://schemas.microsoft.com/office/drawing/2014/main" id="{9D7DA56E-E28C-13E6-1343-34F889D0B6B8}"/>
-              </a:ext>
-            </a:extLst>
-          </p:cNvPr>
+          <p:cNvPr id="2" name="Title 1"/>
           <p:cNvSpPr>
             <a:spLocks noGrp="1"/>
           </p:cNvSpPr>
@@ -1248,18 +1104,13 @@
               <a:rPr lang="en-US"/>
               <a:t>Click to edit Master title style</a:t>
             </a:r>
-          </a:p>
-        </p:txBody>
-      </p:sp>
-      <p:sp>
-        <p:nvSpPr>
-          <p:cNvPr id="3" name="Content Placeholder 2">
-            <a:extLst>
-              <a:ext uri="{FF2B5EF4-FFF2-40B4-BE49-F238E27FC236}">
-                <a16:creationId xmlns:a16="http://schemas.microsoft.com/office/drawing/2014/main" id="{51C80250-A991-49F5-26EE-413E6281427F}"/>
-              </a:ext>
-            </a:extLst>
-          </p:cNvPr>
+            <a:endParaRPr lang="en-US" dirty="0"/>
+          </a:p>
+        </p:txBody>
+      </p:sp>
+      <p:sp>
+        <p:nvSpPr>
+          <p:cNvPr id="3" name="Content Placeholder 2"/>
           <p:cNvSpPr>
             <a:spLocks noGrp="1"/>
           </p:cNvSpPr>
@@ -1269,8 +1120,8 @@
         </p:nvSpPr>
         <p:spPr>
           <a:xfrm>
-            <a:off x="838200" y="1825625"/>
-            <a:ext cx="5181600" cy="4351338"/>
+            <a:off x="628650" y="1825625"/>
+            <a:ext cx="3886200" cy="4351338"/>
           </a:xfrm>
         </p:spPr>
         <p:txBody>
@@ -1310,18 +1161,13 @@
               <a:rPr lang="en-US"/>
               <a:t>Fifth level</a:t>
             </a:r>
-          </a:p>
-        </p:txBody>
-      </p:sp>
-      <p:sp>
-        <p:nvSpPr>
-          <p:cNvPr id="4" name="Content Placeholder 3">
-            <a:extLst>
-              <a:ext uri="{FF2B5EF4-FFF2-40B4-BE49-F238E27FC236}">
-                <a16:creationId xmlns:a16="http://schemas.microsoft.com/office/drawing/2014/main" id="{89D82FC9-B667-E2D5-A3FA-280D55F7398A}"/>
-              </a:ext>
-            </a:extLst>
-          </p:cNvPr>
+            <a:endParaRPr lang="en-US" dirty="0"/>
+          </a:p>
+        </p:txBody>
+      </p:sp>
+      <p:sp>
+        <p:nvSpPr>
+          <p:cNvPr id="4" name="Content Placeholder 3"/>
           <p:cNvSpPr>
             <a:spLocks noGrp="1"/>
           </p:cNvSpPr>
@@ -1331,8 +1177,8 @@
         </p:nvSpPr>
         <p:spPr>
           <a:xfrm>
-            <a:off x="6172200" y="1825625"/>
-            <a:ext cx="5181600" cy="4351338"/>
+            <a:off x="4629150" y="1825625"/>
+            <a:ext cx="3886200" cy="4351338"/>
           </a:xfrm>
         </p:spPr>
         <p:txBody>
@@ -1372,18 +1218,13 @@
               <a:rPr lang="en-US"/>
               <a:t>Fifth level</a:t>
             </a:r>
-          </a:p>
-        </p:txBody>
-      </p:sp>
-      <p:sp>
-        <p:nvSpPr>
-          <p:cNvPr id="5" name="Date Placeholder 4">
-            <a:extLst>
-              <a:ext uri="{FF2B5EF4-FFF2-40B4-BE49-F238E27FC236}">
-                <a16:creationId xmlns:a16="http://schemas.microsoft.com/office/drawing/2014/main" id="{D1DA4879-78E7-B30D-91C6-A044D93477BC}"/>
-              </a:ext>
-            </a:extLst>
-          </p:cNvPr>
+            <a:endParaRPr lang="en-US" dirty="0"/>
+          </a:p>
+        </p:txBody>
+      </p:sp>
+      <p:sp>
+        <p:nvSpPr>
+          <p:cNvPr id="5" name="Date Placeholder 4"/>
           <p:cNvSpPr>
             <a:spLocks noGrp="1"/>
           </p:cNvSpPr>
@@ -1398,7 +1239,7 @@
           <a:p>
             <a:fld id="{C7537972-2882-43D8-BDDD-0E01CB5FD203}" type="datetimeFigureOut">
               <a:rPr lang="en-US" smtClean="0"/>
-              <a:t>1/6/2023</a:t>
+              <a:t>1/12/2023</a:t>
             </a:fld>
             <a:endParaRPr lang="en-US"/>
           </a:p>
@@ -1406,13 +1247,7 @@
       </p:sp>
       <p:sp>
         <p:nvSpPr>
-          <p:cNvPr id="6" name="Footer Placeholder 5">
-            <a:extLst>
-              <a:ext uri="{FF2B5EF4-FFF2-40B4-BE49-F238E27FC236}">
-                <a16:creationId xmlns:a16="http://schemas.microsoft.com/office/drawing/2014/main" id="{D3BF42E5-B2E2-3250-FF51-87C54A9311D0}"/>
-              </a:ext>
-            </a:extLst>
-          </p:cNvPr>
+          <p:cNvPr id="6" name="Footer Placeholder 5"/>
           <p:cNvSpPr>
             <a:spLocks noGrp="1"/>
           </p:cNvSpPr>
@@ -1431,13 +1266,7 @@
       </p:sp>
       <p:sp>
         <p:nvSpPr>
-          <p:cNvPr id="7" name="Slide Number Placeholder 6">
-            <a:extLst>
-              <a:ext uri="{FF2B5EF4-FFF2-40B4-BE49-F238E27FC236}">
-                <a16:creationId xmlns:a16="http://schemas.microsoft.com/office/drawing/2014/main" id="{4839C3D4-2C8E-0F58-D168-B38E4D18A927}"/>
-              </a:ext>
-            </a:extLst>
-          </p:cNvPr>
+          <p:cNvPr id="7" name="Slide Number Placeholder 6"/>
           <p:cNvSpPr>
             <a:spLocks noGrp="1"/>
           </p:cNvSpPr>
@@ -1461,7 +1290,7 @@
     </p:spTree>
     <p:extLst>
       <p:ext uri="{BB962C8B-B14F-4D97-AF65-F5344CB8AC3E}">
-        <p14:creationId xmlns:p14="http://schemas.microsoft.com/office/powerpoint/2010/main" val="4086303745"/>
+        <p14:creationId xmlns:p14="http://schemas.microsoft.com/office/powerpoint/2010/main" val="3978887423"/>
       </p:ext>
     </p:extLst>
   </p:cSld>
@@ -1490,13 +1319,7 @@
       </p:grpSpPr>
       <p:sp>
         <p:nvSpPr>
-          <p:cNvPr id="2" name="Title 1">
-            <a:extLst>
-              <a:ext uri="{FF2B5EF4-FFF2-40B4-BE49-F238E27FC236}">
-                <a16:creationId xmlns:a16="http://schemas.microsoft.com/office/drawing/2014/main" id="{EDA4EB20-2CA2-4604-28C3-D19D9806BE96}"/>
-              </a:ext>
-            </a:extLst>
-          </p:cNvPr>
+          <p:cNvPr id="2" name="Title 1"/>
           <p:cNvSpPr>
             <a:spLocks noGrp="1"/>
           </p:cNvSpPr>
@@ -1506,8 +1329,8 @@
         </p:nvSpPr>
         <p:spPr>
           <a:xfrm>
-            <a:off x="839788" y="365125"/>
-            <a:ext cx="10515600" cy="1325563"/>
+            <a:off x="629841" y="365126"/>
+            <a:ext cx="7886700" cy="1325563"/>
           </a:xfrm>
         </p:spPr>
         <p:txBody>
@@ -1518,18 +1341,13 @@
               <a:rPr lang="en-US"/>
               <a:t>Click to edit Master title style</a:t>
             </a:r>
-          </a:p>
-        </p:txBody>
-      </p:sp>
-      <p:sp>
-        <p:nvSpPr>
-          <p:cNvPr id="3" name="Text Placeholder 2">
-            <a:extLst>
-              <a:ext uri="{FF2B5EF4-FFF2-40B4-BE49-F238E27FC236}">
-                <a16:creationId xmlns:a16="http://schemas.microsoft.com/office/drawing/2014/main" id="{8844142F-66B4-2F38-1456-1D742E2B879C}"/>
-              </a:ext>
-            </a:extLst>
-          </p:cNvPr>
+            <a:endParaRPr lang="en-US" dirty="0"/>
+          </a:p>
+        </p:txBody>
+      </p:sp>
+      <p:sp>
+        <p:nvSpPr>
+          <p:cNvPr id="3" name="Text Placeholder 2"/>
           <p:cNvSpPr>
             <a:spLocks noGrp="1"/>
           </p:cNvSpPr>
@@ -1539,8 +1357,8 @@
         </p:nvSpPr>
         <p:spPr>
           <a:xfrm>
-            <a:off x="839788" y="1681163"/>
-            <a:ext cx="5157787" cy="823912"/>
+            <a:off x="629842" y="1681163"/>
+            <a:ext cx="3868340" cy="823912"/>
           </a:xfrm>
         </p:spPr>
         <p:txBody>
@@ -1594,13 +1412,7 @@
       </p:sp>
       <p:sp>
         <p:nvSpPr>
-          <p:cNvPr id="4" name="Content Placeholder 3">
-            <a:extLst>
-              <a:ext uri="{FF2B5EF4-FFF2-40B4-BE49-F238E27FC236}">
-                <a16:creationId xmlns:a16="http://schemas.microsoft.com/office/drawing/2014/main" id="{914654E9-1F3D-4EBE-C169-91E9D2BDAAA1}"/>
-              </a:ext>
-            </a:extLst>
-          </p:cNvPr>
+          <p:cNvPr id="4" name="Content Placeholder 3"/>
           <p:cNvSpPr>
             <a:spLocks noGrp="1"/>
           </p:cNvSpPr>
@@ -1610,8 +1422,8 @@
         </p:nvSpPr>
         <p:spPr>
           <a:xfrm>
-            <a:off x="839788" y="2505075"/>
-            <a:ext cx="5157787" cy="3684588"/>
+            <a:off x="629842" y="2505075"/>
+            <a:ext cx="3868340" cy="3684588"/>
           </a:xfrm>
         </p:spPr>
         <p:txBody>
@@ -1651,18 +1463,13 @@
               <a:rPr lang="en-US"/>
               <a:t>Fifth level</a:t>
             </a:r>
-          </a:p>
-        </p:txBody>
-      </p:sp>
-      <p:sp>
-        <p:nvSpPr>
-          <p:cNvPr id="5" name="Text Placeholder 4">
-            <a:extLst>
-              <a:ext uri="{FF2B5EF4-FFF2-40B4-BE49-F238E27FC236}">
-                <a16:creationId xmlns:a16="http://schemas.microsoft.com/office/drawing/2014/main" id="{FC0AA9B4-FCD5-9E9E-32C1-3DDBB4279CA1}"/>
-              </a:ext>
-            </a:extLst>
-          </p:cNvPr>
+            <a:endParaRPr lang="en-US" dirty="0"/>
+          </a:p>
+        </p:txBody>
+      </p:sp>
+      <p:sp>
+        <p:nvSpPr>
+          <p:cNvPr id="5" name="Text Placeholder 4"/>
           <p:cNvSpPr>
             <a:spLocks noGrp="1"/>
           </p:cNvSpPr>
@@ -1672,8 +1479,8 @@
         </p:nvSpPr>
         <p:spPr>
           <a:xfrm>
-            <a:off x="6172200" y="1681163"/>
-            <a:ext cx="5183188" cy="823912"/>
+            <a:off x="4629150" y="1681163"/>
+            <a:ext cx="3887391" cy="823912"/>
           </a:xfrm>
         </p:spPr>
         <p:txBody>
@@ -1727,13 +1534,7 @@
       </p:sp>
       <p:sp>
         <p:nvSpPr>
-          <p:cNvPr id="6" name="Content Placeholder 5">
-            <a:extLst>
-              <a:ext uri="{FF2B5EF4-FFF2-40B4-BE49-F238E27FC236}">
-                <a16:creationId xmlns:a16="http://schemas.microsoft.com/office/drawing/2014/main" id="{54010B82-B64D-E244-4B4A-BC4260DB3114}"/>
-              </a:ext>
-            </a:extLst>
-          </p:cNvPr>
+          <p:cNvPr id="6" name="Content Placeholder 5"/>
           <p:cNvSpPr>
             <a:spLocks noGrp="1"/>
           </p:cNvSpPr>
@@ -1743,8 +1544,8 @@
         </p:nvSpPr>
         <p:spPr>
           <a:xfrm>
-            <a:off x="6172200" y="2505075"/>
-            <a:ext cx="5183188" cy="3684588"/>
+            <a:off x="4629150" y="2505075"/>
+            <a:ext cx="3887391" cy="3684588"/>
           </a:xfrm>
         </p:spPr>
         <p:txBody>
@@ -1784,18 +1585,13 @@
               <a:rPr lang="en-US"/>
               <a:t>Fifth level</a:t>
             </a:r>
-          </a:p>
-        </p:txBody>
-      </p:sp>
-      <p:sp>
-        <p:nvSpPr>
-          <p:cNvPr id="7" name="Date Placeholder 6">
-            <a:extLst>
-              <a:ext uri="{FF2B5EF4-FFF2-40B4-BE49-F238E27FC236}">
-                <a16:creationId xmlns:a16="http://schemas.microsoft.com/office/drawing/2014/main" id="{565DAFCC-7310-1702-C3EE-96925F341C21}"/>
-              </a:ext>
-            </a:extLst>
-          </p:cNvPr>
+            <a:endParaRPr lang="en-US" dirty="0"/>
+          </a:p>
+        </p:txBody>
+      </p:sp>
+      <p:sp>
+        <p:nvSpPr>
+          <p:cNvPr id="7" name="Date Placeholder 6"/>
           <p:cNvSpPr>
             <a:spLocks noGrp="1"/>
           </p:cNvSpPr>
@@ -1810,7 +1606,7 @@
           <a:p>
             <a:fld id="{C7537972-2882-43D8-BDDD-0E01CB5FD203}" type="datetimeFigureOut">
               <a:rPr lang="en-US" smtClean="0"/>
-              <a:t>1/6/2023</a:t>
+              <a:t>1/12/2023</a:t>
             </a:fld>
             <a:endParaRPr lang="en-US"/>
           </a:p>
@@ -1818,13 +1614,7 @@
       </p:sp>
       <p:sp>
         <p:nvSpPr>
-          <p:cNvPr id="8" name="Footer Placeholder 7">
-            <a:extLst>
-              <a:ext uri="{FF2B5EF4-FFF2-40B4-BE49-F238E27FC236}">
-                <a16:creationId xmlns:a16="http://schemas.microsoft.com/office/drawing/2014/main" id="{257D1CE0-5BDD-652E-8725-7B5DA6EB8D39}"/>
-              </a:ext>
-            </a:extLst>
-          </p:cNvPr>
+          <p:cNvPr id="8" name="Footer Placeholder 7"/>
           <p:cNvSpPr>
             <a:spLocks noGrp="1"/>
           </p:cNvSpPr>
@@ -1843,13 +1633,7 @@
       </p:sp>
       <p:sp>
         <p:nvSpPr>
-          <p:cNvPr id="9" name="Slide Number Placeholder 8">
-            <a:extLst>
-              <a:ext uri="{FF2B5EF4-FFF2-40B4-BE49-F238E27FC236}">
-                <a16:creationId xmlns:a16="http://schemas.microsoft.com/office/drawing/2014/main" id="{D220293C-CB46-E308-ACA9-2A94F8AB6E3B}"/>
-              </a:ext>
-            </a:extLst>
-          </p:cNvPr>
+          <p:cNvPr id="9" name="Slide Number Placeholder 8"/>
           <p:cNvSpPr>
             <a:spLocks noGrp="1"/>
           </p:cNvSpPr>
@@ -1873,7 +1657,7 @@
     </p:spTree>
     <p:extLst>
       <p:ext uri="{BB962C8B-B14F-4D97-AF65-F5344CB8AC3E}">
-        <p14:creationId xmlns:p14="http://schemas.microsoft.com/office/powerpoint/2010/main" val="2264680912"/>
+        <p14:creationId xmlns:p14="http://schemas.microsoft.com/office/powerpoint/2010/main" val="4214654071"/>
       </p:ext>
     </p:extLst>
   </p:cSld>
@@ -1902,13 +1686,7 @@
       </p:grpSpPr>
       <p:sp>
         <p:nvSpPr>
-          <p:cNvPr id="2" name="Title 1">
-            <a:extLst>
-              <a:ext uri="{FF2B5EF4-FFF2-40B4-BE49-F238E27FC236}">
-                <a16:creationId xmlns:a16="http://schemas.microsoft.com/office/drawing/2014/main" id="{477BF612-B218-82C5-C9DC-3704C6B66FEF}"/>
-              </a:ext>
-            </a:extLst>
-          </p:cNvPr>
+          <p:cNvPr id="2" name="Title 1"/>
           <p:cNvSpPr>
             <a:spLocks noGrp="1"/>
           </p:cNvSpPr>
@@ -1925,18 +1703,13 @@
               <a:rPr lang="en-US"/>
               <a:t>Click to edit Master title style</a:t>
             </a:r>
-          </a:p>
-        </p:txBody>
-      </p:sp>
-      <p:sp>
-        <p:nvSpPr>
-          <p:cNvPr id="3" name="Date Placeholder 2">
-            <a:extLst>
-              <a:ext uri="{FF2B5EF4-FFF2-40B4-BE49-F238E27FC236}">
-                <a16:creationId xmlns:a16="http://schemas.microsoft.com/office/drawing/2014/main" id="{B2FE4035-027A-C712-F44F-0BFFA2DA6E15}"/>
-              </a:ext>
-            </a:extLst>
-          </p:cNvPr>
+            <a:endParaRPr lang="en-US" dirty="0"/>
+          </a:p>
+        </p:txBody>
+      </p:sp>
+      <p:sp>
+        <p:nvSpPr>
+          <p:cNvPr id="3" name="Date Placeholder 2"/>
           <p:cNvSpPr>
             <a:spLocks noGrp="1"/>
           </p:cNvSpPr>
@@ -1951,7 +1724,7 @@
           <a:p>
             <a:fld id="{C7537972-2882-43D8-BDDD-0E01CB5FD203}" type="datetimeFigureOut">
               <a:rPr lang="en-US" smtClean="0"/>
-              <a:t>1/6/2023</a:t>
+              <a:t>1/12/2023</a:t>
             </a:fld>
             <a:endParaRPr lang="en-US"/>
           </a:p>
@@ -1959,13 +1732,7 @@
       </p:sp>
       <p:sp>
         <p:nvSpPr>
-          <p:cNvPr id="4" name="Footer Placeholder 3">
-            <a:extLst>
-              <a:ext uri="{FF2B5EF4-FFF2-40B4-BE49-F238E27FC236}">
-                <a16:creationId xmlns:a16="http://schemas.microsoft.com/office/drawing/2014/main" id="{1DE3D21E-4A22-64EA-61A8-67A737B4934A}"/>
-              </a:ext>
-            </a:extLst>
-          </p:cNvPr>
+          <p:cNvPr id="4" name="Footer Placeholder 3"/>
           <p:cNvSpPr>
             <a:spLocks noGrp="1"/>
           </p:cNvSpPr>
@@ -1984,13 +1751,7 @@
       </p:sp>
       <p:sp>
         <p:nvSpPr>
-          <p:cNvPr id="5" name="Slide Number Placeholder 4">
-            <a:extLst>
-              <a:ext uri="{FF2B5EF4-FFF2-40B4-BE49-F238E27FC236}">
-                <a16:creationId xmlns:a16="http://schemas.microsoft.com/office/drawing/2014/main" id="{978EE875-7282-F684-E7B2-F4B1E2DABD47}"/>
-              </a:ext>
-            </a:extLst>
-          </p:cNvPr>
+          <p:cNvPr id="5" name="Slide Number Placeholder 4"/>
           <p:cNvSpPr>
             <a:spLocks noGrp="1"/>
           </p:cNvSpPr>
@@ -2014,7 +1775,7 @@
     </p:spTree>
     <p:extLst>
       <p:ext uri="{BB962C8B-B14F-4D97-AF65-F5344CB8AC3E}">
-        <p14:creationId xmlns:p14="http://schemas.microsoft.com/office/powerpoint/2010/main" val="2536859162"/>
+        <p14:creationId xmlns:p14="http://schemas.microsoft.com/office/powerpoint/2010/main" val="3429649564"/>
       </p:ext>
     </p:extLst>
   </p:cSld>
@@ -2043,13 +1804,7 @@
       </p:grpSpPr>
       <p:sp>
         <p:nvSpPr>
-          <p:cNvPr id="2" name="Date Placeholder 1">
-            <a:extLst>
-              <a:ext uri="{FF2B5EF4-FFF2-40B4-BE49-F238E27FC236}">
-                <a16:creationId xmlns:a16="http://schemas.microsoft.com/office/drawing/2014/main" id="{2F8FE7F1-3BC3-5B0F-D154-E77E3012105D}"/>
-              </a:ext>
-            </a:extLst>
-          </p:cNvPr>
+          <p:cNvPr id="2" name="Date Placeholder 1"/>
           <p:cNvSpPr>
             <a:spLocks noGrp="1"/>
           </p:cNvSpPr>
@@ -2064,7 +1819,7 @@
           <a:p>
             <a:fld id="{C7537972-2882-43D8-BDDD-0E01CB5FD203}" type="datetimeFigureOut">
               <a:rPr lang="en-US" smtClean="0"/>
-              <a:t>1/6/2023</a:t>
+              <a:t>1/12/2023</a:t>
             </a:fld>
             <a:endParaRPr lang="en-US"/>
           </a:p>
@@ -2072,13 +1827,7 @@
       </p:sp>
       <p:sp>
         <p:nvSpPr>
-          <p:cNvPr id="3" name="Footer Placeholder 2">
-            <a:extLst>
-              <a:ext uri="{FF2B5EF4-FFF2-40B4-BE49-F238E27FC236}">
-                <a16:creationId xmlns:a16="http://schemas.microsoft.com/office/drawing/2014/main" id="{9C00F95A-7CFA-0847-FCEB-E4BC3B95D253}"/>
-              </a:ext>
-            </a:extLst>
-          </p:cNvPr>
+          <p:cNvPr id="3" name="Footer Placeholder 2"/>
           <p:cNvSpPr>
             <a:spLocks noGrp="1"/>
           </p:cNvSpPr>
@@ -2097,13 +1846,7 @@
       </p:sp>
       <p:sp>
         <p:nvSpPr>
-          <p:cNvPr id="4" name="Slide Number Placeholder 3">
-            <a:extLst>
-              <a:ext uri="{FF2B5EF4-FFF2-40B4-BE49-F238E27FC236}">
-                <a16:creationId xmlns:a16="http://schemas.microsoft.com/office/drawing/2014/main" id="{11746178-DC0A-AC95-036B-B0129AE32DD4}"/>
-              </a:ext>
-            </a:extLst>
-          </p:cNvPr>
+          <p:cNvPr id="4" name="Slide Number Placeholder 3"/>
           <p:cNvSpPr>
             <a:spLocks noGrp="1"/>
           </p:cNvSpPr>
@@ -2127,7 +1870,7 @@
     </p:spTree>
     <p:extLst>
       <p:ext uri="{BB962C8B-B14F-4D97-AF65-F5344CB8AC3E}">
-        <p14:creationId xmlns:p14="http://schemas.microsoft.com/office/powerpoint/2010/main" val="3519939806"/>
+        <p14:creationId xmlns:p14="http://schemas.microsoft.com/office/powerpoint/2010/main" val="3226470583"/>
       </p:ext>
     </p:extLst>
   </p:cSld>
@@ -2156,13 +1899,7 @@
       </p:grpSpPr>
       <p:sp>
         <p:nvSpPr>
-          <p:cNvPr id="2" name="Title 1">
-            <a:extLst>
-              <a:ext uri="{FF2B5EF4-FFF2-40B4-BE49-F238E27FC236}">
-                <a16:creationId xmlns:a16="http://schemas.microsoft.com/office/drawing/2014/main" id="{7FE527C1-CDD4-4BB9-F8FD-B0A54BF30EA4}"/>
-              </a:ext>
-            </a:extLst>
-          </p:cNvPr>
+          <p:cNvPr id="2" name="Title 1"/>
           <p:cNvSpPr>
             <a:spLocks noGrp="1"/>
           </p:cNvSpPr>
@@ -2172,8 +1909,8 @@
         </p:nvSpPr>
         <p:spPr>
           <a:xfrm>
-            <a:off x="839788" y="457200"/>
-            <a:ext cx="3932237" cy="1600200"/>
+            <a:off x="629841" y="457200"/>
+            <a:ext cx="2949178" cy="1600200"/>
           </a:xfrm>
         </p:spPr>
         <p:txBody>
@@ -2188,18 +1925,13 @@
               <a:rPr lang="en-US"/>
               <a:t>Click to edit Master title style</a:t>
             </a:r>
-          </a:p>
-        </p:txBody>
-      </p:sp>
-      <p:sp>
-        <p:nvSpPr>
-          <p:cNvPr id="3" name="Content Placeholder 2">
-            <a:extLst>
-              <a:ext uri="{FF2B5EF4-FFF2-40B4-BE49-F238E27FC236}">
-                <a16:creationId xmlns:a16="http://schemas.microsoft.com/office/drawing/2014/main" id="{782BCB2C-6C83-27E4-D547-C99F18B88881}"/>
-              </a:ext>
-            </a:extLst>
-          </p:cNvPr>
+            <a:endParaRPr lang="en-US" dirty="0"/>
+          </a:p>
+        </p:txBody>
+      </p:sp>
+      <p:sp>
+        <p:nvSpPr>
+          <p:cNvPr id="3" name="Content Placeholder 2"/>
           <p:cNvSpPr>
             <a:spLocks noGrp="1"/>
           </p:cNvSpPr>
@@ -2209,8 +1941,8 @@
         </p:nvSpPr>
         <p:spPr>
           <a:xfrm>
-            <a:off x="5183188" y="987425"/>
-            <a:ext cx="6172200" cy="4873625"/>
+            <a:off x="3887391" y="987426"/>
+            <a:ext cx="4629150" cy="4873625"/>
           </a:xfrm>
         </p:spPr>
         <p:txBody>
@@ -2278,18 +2010,13 @@
               <a:rPr lang="en-US"/>
               <a:t>Fifth level</a:t>
             </a:r>
-          </a:p>
-        </p:txBody>
-      </p:sp>
-      <p:sp>
-        <p:nvSpPr>
-          <p:cNvPr id="4" name="Text Placeholder 3">
-            <a:extLst>
-              <a:ext uri="{FF2B5EF4-FFF2-40B4-BE49-F238E27FC236}">
-                <a16:creationId xmlns:a16="http://schemas.microsoft.com/office/drawing/2014/main" id="{2EBC9010-2754-DCC1-BECD-CADAC92F6516}"/>
-              </a:ext>
-            </a:extLst>
-          </p:cNvPr>
+            <a:endParaRPr lang="en-US" dirty="0"/>
+          </a:p>
+        </p:txBody>
+      </p:sp>
+      <p:sp>
+        <p:nvSpPr>
+          <p:cNvPr id="4" name="Text Placeholder 3"/>
           <p:cNvSpPr>
             <a:spLocks noGrp="1"/>
           </p:cNvSpPr>
@@ -2299,8 +2026,8 @@
         </p:nvSpPr>
         <p:spPr>
           <a:xfrm>
-            <a:off x="839788" y="2057400"/>
-            <a:ext cx="3932237" cy="3811588"/>
+            <a:off x="629841" y="2057400"/>
+            <a:ext cx="2949178" cy="3811588"/>
           </a:xfrm>
         </p:spPr>
         <p:txBody>
@@ -2354,13 +2081,7 @@
       </p:sp>
       <p:sp>
         <p:nvSpPr>
-          <p:cNvPr id="5" name="Date Placeholder 4">
-            <a:extLst>
-              <a:ext uri="{FF2B5EF4-FFF2-40B4-BE49-F238E27FC236}">
-                <a16:creationId xmlns:a16="http://schemas.microsoft.com/office/drawing/2014/main" id="{CE7A3157-6A77-A1CE-9DA0-F4AE102C93A7}"/>
-              </a:ext>
-            </a:extLst>
-          </p:cNvPr>
+          <p:cNvPr id="5" name="Date Placeholder 4"/>
           <p:cNvSpPr>
             <a:spLocks noGrp="1"/>
           </p:cNvSpPr>
@@ -2375,7 +2096,7 @@
           <a:p>
             <a:fld id="{C7537972-2882-43D8-BDDD-0E01CB5FD203}" type="datetimeFigureOut">
               <a:rPr lang="en-US" smtClean="0"/>
-              <a:t>1/6/2023</a:t>
+              <a:t>1/12/2023</a:t>
             </a:fld>
             <a:endParaRPr lang="en-US"/>
           </a:p>
@@ -2383,13 +2104,7 @@
       </p:sp>
       <p:sp>
         <p:nvSpPr>
-          <p:cNvPr id="6" name="Footer Placeholder 5">
-            <a:extLst>
-              <a:ext uri="{FF2B5EF4-FFF2-40B4-BE49-F238E27FC236}">
-                <a16:creationId xmlns:a16="http://schemas.microsoft.com/office/drawing/2014/main" id="{4F79519A-5C1A-B83B-D845-528776C309FB}"/>
-              </a:ext>
-            </a:extLst>
-          </p:cNvPr>
+          <p:cNvPr id="6" name="Footer Placeholder 5"/>
           <p:cNvSpPr>
             <a:spLocks noGrp="1"/>
           </p:cNvSpPr>
@@ -2408,13 +2123,7 @@
       </p:sp>
       <p:sp>
         <p:nvSpPr>
-          <p:cNvPr id="7" name="Slide Number Placeholder 6">
-            <a:extLst>
-              <a:ext uri="{FF2B5EF4-FFF2-40B4-BE49-F238E27FC236}">
-                <a16:creationId xmlns:a16="http://schemas.microsoft.com/office/drawing/2014/main" id="{48DEBB8E-F584-167A-666A-47E51540916F}"/>
-              </a:ext>
-            </a:extLst>
-          </p:cNvPr>
+          <p:cNvPr id="7" name="Slide Number Placeholder 6"/>
           <p:cNvSpPr>
             <a:spLocks noGrp="1"/>
           </p:cNvSpPr>
@@ -2438,7 +2147,7 @@
     </p:spTree>
     <p:extLst>
       <p:ext uri="{BB962C8B-B14F-4D97-AF65-F5344CB8AC3E}">
-        <p14:creationId xmlns:p14="http://schemas.microsoft.com/office/powerpoint/2010/main" val="313803026"/>
+        <p14:creationId xmlns:p14="http://schemas.microsoft.com/office/powerpoint/2010/main" val="61011104"/>
       </p:ext>
     </p:extLst>
   </p:cSld>
@@ -2467,13 +2176,7 @@
       </p:grpSpPr>
       <p:sp>
         <p:nvSpPr>
-          <p:cNvPr id="2" name="Title 1">
-            <a:extLst>
-              <a:ext uri="{FF2B5EF4-FFF2-40B4-BE49-F238E27FC236}">
-                <a16:creationId xmlns:a16="http://schemas.microsoft.com/office/drawing/2014/main" id="{D84B547B-7650-A1F0-C2BD-588D86FE96E6}"/>
-              </a:ext>
-            </a:extLst>
-          </p:cNvPr>
+          <p:cNvPr id="2" name="Title 1"/>
           <p:cNvSpPr>
             <a:spLocks noGrp="1"/>
           </p:cNvSpPr>
@@ -2483,8 +2186,8 @@
         </p:nvSpPr>
         <p:spPr>
           <a:xfrm>
-            <a:off x="839788" y="457200"/>
-            <a:ext cx="3932237" cy="1600200"/>
+            <a:off x="629841" y="457200"/>
+            <a:ext cx="2949178" cy="1600200"/>
           </a:xfrm>
         </p:spPr>
         <p:txBody>
@@ -2499,20 +2202,15 @@
               <a:rPr lang="en-US"/>
               <a:t>Click to edit Master title style</a:t>
             </a:r>
-          </a:p>
-        </p:txBody>
-      </p:sp>
-      <p:sp>
-        <p:nvSpPr>
-          <p:cNvPr id="3" name="Picture Placeholder 2">
-            <a:extLst>
-              <a:ext uri="{FF2B5EF4-FFF2-40B4-BE49-F238E27FC236}">
-                <a16:creationId xmlns:a16="http://schemas.microsoft.com/office/drawing/2014/main" id="{8164CC8F-BBFD-5E09-2CF5-C93D4C8BD801}"/>
-              </a:ext>
-            </a:extLst>
-          </p:cNvPr>
-          <p:cNvSpPr>
-            <a:spLocks noGrp="1"/>
+            <a:endParaRPr lang="en-US" dirty="0"/>
+          </a:p>
+        </p:txBody>
+      </p:sp>
+      <p:sp>
+        <p:nvSpPr>
+          <p:cNvPr id="3" name="Picture Placeholder 2"/>
+          <p:cNvSpPr>
+            <a:spLocks noGrp="1" noChangeAspect="1"/>
           </p:cNvSpPr>
           <p:nvPr>
             <p:ph type="pic" idx="1"/>
@@ -2520,8 +2218,73 @@
         </p:nvSpPr>
         <p:spPr>
           <a:xfrm>
-            <a:off x="5183188" y="987425"/>
-            <a:ext cx="6172200" cy="4873625"/>
+            <a:off x="3887391" y="987426"/>
+            <a:ext cx="4629150" cy="4873625"/>
+          </a:xfrm>
+        </p:spPr>
+        <p:txBody>
+          <a:bodyPr anchor="t"/>
+          <a:lstStyle>
+            <a:lvl1pPr marL="0" indent="0">
+              <a:buNone/>
+              <a:defRPr sz="3200"/>
+            </a:lvl1pPr>
+            <a:lvl2pPr marL="457200" indent="0">
+              <a:buNone/>
+              <a:defRPr sz="2800"/>
+            </a:lvl2pPr>
+            <a:lvl3pPr marL="914400" indent="0">
+              <a:buNone/>
+              <a:defRPr sz="2400"/>
+            </a:lvl3pPr>
+            <a:lvl4pPr marL="1371600" indent="0">
+              <a:buNone/>
+              <a:defRPr sz="2000"/>
+            </a:lvl4pPr>
+            <a:lvl5pPr marL="1828800" indent="0">
+              <a:buNone/>
+              <a:defRPr sz="2000"/>
+            </a:lvl5pPr>
+            <a:lvl6pPr marL="2286000" indent="0">
+              <a:buNone/>
+              <a:defRPr sz="2000"/>
+            </a:lvl6pPr>
+            <a:lvl7pPr marL="2743200" indent="0">
+              <a:buNone/>
+              <a:defRPr sz="2000"/>
+            </a:lvl7pPr>
+            <a:lvl8pPr marL="3200400" indent="0">
+              <a:buNone/>
+              <a:defRPr sz="2000"/>
+            </a:lvl8pPr>
+            <a:lvl9pPr marL="3657600" indent="0">
+              <a:buNone/>
+              <a:defRPr sz="2000"/>
+            </a:lvl9pPr>
+          </a:lstStyle>
+          <a:p>
+            <a:r>
+              <a:rPr lang="en-US"/>
+              <a:t>Click icon to add picture</a:t>
+            </a:r>
+            <a:endParaRPr lang="en-US" dirty="0"/>
+          </a:p>
+        </p:txBody>
+      </p:sp>
+      <p:sp>
+        <p:nvSpPr>
+          <p:cNvPr id="4" name="Text Placeholder 3"/>
+          <p:cNvSpPr>
+            <a:spLocks noGrp="1"/>
+          </p:cNvSpPr>
+          <p:nvPr>
+            <p:ph type="body" sz="half" idx="2"/>
+          </p:nvPr>
+        </p:nvSpPr>
+        <p:spPr>
+          <a:xfrm>
+            <a:off x="629841" y="2057400"/>
+            <a:ext cx="2949178" cy="3811588"/>
           </a:xfrm>
         </p:spPr>
         <p:txBody>
@@ -2529,73 +2292,6 @@
           <a:lstStyle>
             <a:lvl1pPr marL="0" indent="0">
               <a:buNone/>
-              <a:defRPr sz="3200"/>
-            </a:lvl1pPr>
-            <a:lvl2pPr marL="457200" indent="0">
-              <a:buNone/>
-              <a:defRPr sz="2800"/>
-            </a:lvl2pPr>
-            <a:lvl3pPr marL="914400" indent="0">
-              <a:buNone/>
-              <a:defRPr sz="2400"/>
-            </a:lvl3pPr>
-            <a:lvl4pPr marL="1371600" indent="0">
-              <a:buNone/>
-              <a:defRPr sz="2000"/>
-            </a:lvl4pPr>
-            <a:lvl5pPr marL="1828800" indent="0">
-              <a:buNone/>
-              <a:defRPr sz="2000"/>
-            </a:lvl5pPr>
-            <a:lvl6pPr marL="2286000" indent="0">
-              <a:buNone/>
-              <a:defRPr sz="2000"/>
-            </a:lvl6pPr>
-            <a:lvl7pPr marL="2743200" indent="0">
-              <a:buNone/>
-              <a:defRPr sz="2000"/>
-            </a:lvl7pPr>
-            <a:lvl8pPr marL="3200400" indent="0">
-              <a:buNone/>
-              <a:defRPr sz="2000"/>
-            </a:lvl8pPr>
-            <a:lvl9pPr marL="3657600" indent="0">
-              <a:buNone/>
-              <a:defRPr sz="2000"/>
-            </a:lvl9pPr>
-          </a:lstStyle>
-          <a:p>
-            <a:endParaRPr lang="en-US"/>
-          </a:p>
-        </p:txBody>
-      </p:sp>
-      <p:sp>
-        <p:nvSpPr>
-          <p:cNvPr id="4" name="Text Placeholder 3">
-            <a:extLst>
-              <a:ext uri="{FF2B5EF4-FFF2-40B4-BE49-F238E27FC236}">
-                <a16:creationId xmlns:a16="http://schemas.microsoft.com/office/drawing/2014/main" id="{D1A7905F-AC2D-F9CB-41AD-CD49DB3BA188}"/>
-              </a:ext>
-            </a:extLst>
-          </p:cNvPr>
-          <p:cNvSpPr>
-            <a:spLocks noGrp="1"/>
-          </p:cNvSpPr>
-          <p:nvPr>
-            <p:ph type="body" sz="half" idx="2"/>
-          </p:nvPr>
-        </p:nvSpPr>
-        <p:spPr>
-          <a:xfrm>
-            <a:off x="839788" y="2057400"/>
-            <a:ext cx="3932237" cy="3811588"/>
-          </a:xfrm>
-        </p:spPr>
-        <p:txBody>
-          <a:bodyPr/>
-          <a:lstStyle>
-            <a:lvl1pPr marL="0" indent="0">
-              <a:buNone/>
               <a:defRPr sz="1600"/>
             </a:lvl1pPr>
             <a:lvl2pPr marL="457200" indent="0">
@@ -2642,13 +2338,7 @@
       </p:sp>
       <p:sp>
         <p:nvSpPr>
-          <p:cNvPr id="5" name="Date Placeholder 4">
-            <a:extLst>
-              <a:ext uri="{FF2B5EF4-FFF2-40B4-BE49-F238E27FC236}">
-                <a16:creationId xmlns:a16="http://schemas.microsoft.com/office/drawing/2014/main" id="{098C9B0B-025F-2CE8-9944-9369FC8C7B46}"/>
-              </a:ext>
-            </a:extLst>
-          </p:cNvPr>
+          <p:cNvPr id="5" name="Date Placeholder 4"/>
           <p:cNvSpPr>
             <a:spLocks noGrp="1"/>
           </p:cNvSpPr>
@@ -2663,7 +2353,7 @@
           <a:p>
             <a:fld id="{C7537972-2882-43D8-BDDD-0E01CB5FD203}" type="datetimeFigureOut">
               <a:rPr lang="en-US" smtClean="0"/>
-              <a:t>1/6/2023</a:t>
+              <a:t>1/12/2023</a:t>
             </a:fld>
             <a:endParaRPr lang="en-US"/>
           </a:p>
@@ -2671,13 +2361,7 @@
       </p:sp>
       <p:sp>
         <p:nvSpPr>
-          <p:cNvPr id="6" name="Footer Placeholder 5">
-            <a:extLst>
-              <a:ext uri="{FF2B5EF4-FFF2-40B4-BE49-F238E27FC236}">
-                <a16:creationId xmlns:a16="http://schemas.microsoft.com/office/drawing/2014/main" id="{C0DE0938-A977-0CCD-6D3B-AD8B6AE1AFE9}"/>
-              </a:ext>
-            </a:extLst>
-          </p:cNvPr>
+          <p:cNvPr id="6" name="Footer Placeholder 5"/>
           <p:cNvSpPr>
             <a:spLocks noGrp="1"/>
           </p:cNvSpPr>
@@ -2696,13 +2380,7 @@
       </p:sp>
       <p:sp>
         <p:nvSpPr>
-          <p:cNvPr id="7" name="Slide Number Placeholder 6">
-            <a:extLst>
-              <a:ext uri="{FF2B5EF4-FFF2-40B4-BE49-F238E27FC236}">
-                <a16:creationId xmlns:a16="http://schemas.microsoft.com/office/drawing/2014/main" id="{11CC66E4-BFC9-6252-DFF9-1EE66F972B91}"/>
-              </a:ext>
-            </a:extLst>
-          </p:cNvPr>
+          <p:cNvPr id="7" name="Slide Number Placeholder 6"/>
           <p:cNvSpPr>
             <a:spLocks noGrp="1"/>
           </p:cNvSpPr>
@@ -2726,7 +2404,7 @@
     </p:spTree>
     <p:extLst>
       <p:ext uri="{BB962C8B-B14F-4D97-AF65-F5344CB8AC3E}">
-        <p14:creationId xmlns:p14="http://schemas.microsoft.com/office/powerpoint/2010/main" val="1393111809"/>
+        <p14:creationId xmlns:p14="http://schemas.microsoft.com/office/powerpoint/2010/main" val="1592420324"/>
       </p:ext>
     </p:extLst>
   </p:cSld>
@@ -2760,13 +2438,7 @@
       </p:grpSpPr>
       <p:sp>
         <p:nvSpPr>
-          <p:cNvPr id="2" name="Title Placeholder 1">
-            <a:extLst>
-              <a:ext uri="{FF2B5EF4-FFF2-40B4-BE49-F238E27FC236}">
-                <a16:creationId xmlns:a16="http://schemas.microsoft.com/office/drawing/2014/main" id="{15204AAA-CC7C-707C-5FC3-BDC9C1655A31}"/>
-              </a:ext>
-            </a:extLst>
-          </p:cNvPr>
+          <p:cNvPr id="2" name="Title Placeholder 1"/>
           <p:cNvSpPr>
             <a:spLocks noGrp="1"/>
           </p:cNvSpPr>
@@ -2776,8 +2448,8 @@
         </p:nvSpPr>
         <p:spPr>
           <a:xfrm>
-            <a:off x="838200" y="365125"/>
-            <a:ext cx="10515600" cy="1325563"/>
+            <a:off x="628650" y="365126"/>
+            <a:ext cx="7886700" cy="1325563"/>
           </a:xfrm>
           <a:prstGeom prst="rect">
             <a:avLst/>
@@ -2793,18 +2465,13 @@
               <a:rPr lang="en-US"/>
               <a:t>Click to edit Master title style</a:t>
             </a:r>
-          </a:p>
-        </p:txBody>
-      </p:sp>
-      <p:sp>
-        <p:nvSpPr>
-          <p:cNvPr id="3" name="Text Placeholder 2">
-            <a:extLst>
-              <a:ext uri="{FF2B5EF4-FFF2-40B4-BE49-F238E27FC236}">
-                <a16:creationId xmlns:a16="http://schemas.microsoft.com/office/drawing/2014/main" id="{B8DF56FE-17B1-493A-C09E-A5E977AC0BAD}"/>
-              </a:ext>
-            </a:extLst>
-          </p:cNvPr>
+            <a:endParaRPr lang="en-US" dirty="0"/>
+          </a:p>
+        </p:txBody>
+      </p:sp>
+      <p:sp>
+        <p:nvSpPr>
+          <p:cNvPr id="3" name="Text Placeholder 2"/>
           <p:cNvSpPr>
             <a:spLocks noGrp="1"/>
           </p:cNvSpPr>
@@ -2814,8 +2481,8 @@
         </p:nvSpPr>
         <p:spPr>
           <a:xfrm>
-            <a:off x="838200" y="1825625"/>
-            <a:ext cx="10515600" cy="4351338"/>
+            <a:off x="628650" y="1825625"/>
+            <a:ext cx="7886700" cy="4351338"/>
           </a:xfrm>
           <a:prstGeom prst="rect">
             <a:avLst/>
@@ -2860,18 +2527,13 @@
               <a:rPr lang="en-US"/>
               <a:t>Fifth level</a:t>
             </a:r>
-          </a:p>
-        </p:txBody>
-      </p:sp>
-      <p:sp>
-        <p:nvSpPr>
-          <p:cNvPr id="4" name="Date Placeholder 3">
-            <a:extLst>
-              <a:ext uri="{FF2B5EF4-FFF2-40B4-BE49-F238E27FC236}">
-                <a16:creationId xmlns:a16="http://schemas.microsoft.com/office/drawing/2014/main" id="{FB0CB07E-26CA-4BA7-13E8-E184ED2E8F82}"/>
-              </a:ext>
-            </a:extLst>
-          </p:cNvPr>
+            <a:endParaRPr lang="en-US" dirty="0"/>
+          </a:p>
+        </p:txBody>
+      </p:sp>
+      <p:sp>
+        <p:nvSpPr>
+          <p:cNvPr id="4" name="Date Placeholder 3"/>
           <p:cNvSpPr>
             <a:spLocks noGrp="1"/>
           </p:cNvSpPr>
@@ -2881,8 +2543,8 @@
         </p:nvSpPr>
         <p:spPr>
           <a:xfrm>
-            <a:off x="838200" y="6356350"/>
-            <a:ext cx="2743200" cy="365125"/>
+            <a:off x="628650" y="6356351"/>
+            <a:ext cx="2057400" cy="365125"/>
           </a:xfrm>
           <a:prstGeom prst="rect">
             <a:avLst/>
@@ -2904,7 +2566,7 @@
           <a:p>
             <a:fld id="{C7537972-2882-43D8-BDDD-0E01CB5FD203}" type="datetimeFigureOut">
               <a:rPr lang="en-US" smtClean="0"/>
-              <a:t>1/6/2023</a:t>
+              <a:t>1/12/2023</a:t>
             </a:fld>
             <a:endParaRPr lang="en-US"/>
           </a:p>
@@ -2912,13 +2574,7 @@
       </p:sp>
       <p:sp>
         <p:nvSpPr>
-          <p:cNvPr id="5" name="Footer Placeholder 4">
-            <a:extLst>
-              <a:ext uri="{FF2B5EF4-FFF2-40B4-BE49-F238E27FC236}">
-                <a16:creationId xmlns:a16="http://schemas.microsoft.com/office/drawing/2014/main" id="{9C73F0BF-C89D-1E72-2C29-658DAA6818B8}"/>
-              </a:ext>
-            </a:extLst>
-          </p:cNvPr>
+          <p:cNvPr id="5" name="Footer Placeholder 4"/>
           <p:cNvSpPr>
             <a:spLocks noGrp="1"/>
           </p:cNvSpPr>
@@ -2928,8 +2584,8 @@
         </p:nvSpPr>
         <p:spPr>
           <a:xfrm>
-            <a:off x="4038600" y="6356350"/>
-            <a:ext cx="4114800" cy="365125"/>
+            <a:off x="3028950" y="6356351"/>
+            <a:ext cx="3086100" cy="365125"/>
           </a:xfrm>
           <a:prstGeom prst="rect">
             <a:avLst/>
@@ -2955,13 +2611,7 @@
       </p:sp>
       <p:sp>
         <p:nvSpPr>
-          <p:cNvPr id="6" name="Slide Number Placeholder 5">
-            <a:extLst>
-              <a:ext uri="{FF2B5EF4-FFF2-40B4-BE49-F238E27FC236}">
-                <a16:creationId xmlns:a16="http://schemas.microsoft.com/office/drawing/2014/main" id="{1A4B586A-2967-C4CA-93F3-3AAD73676D2B}"/>
-              </a:ext>
-            </a:extLst>
-          </p:cNvPr>
+          <p:cNvPr id="6" name="Slide Number Placeholder 5"/>
           <p:cNvSpPr>
             <a:spLocks noGrp="1"/>
           </p:cNvSpPr>
@@ -2971,8 +2621,8 @@
         </p:nvSpPr>
         <p:spPr>
           <a:xfrm>
-            <a:off x="8610600" y="6356350"/>
-            <a:ext cx="2743200" cy="365125"/>
+            <a:off x="6457950" y="6356351"/>
+            <a:ext cx="2057400" cy="365125"/>
           </a:xfrm>
           <a:prstGeom prst="rect">
             <a:avLst/>
@@ -3003,23 +2653,23 @@
     </p:spTree>
     <p:extLst>
       <p:ext uri="{BB962C8B-B14F-4D97-AF65-F5344CB8AC3E}">
-        <p14:creationId xmlns:p14="http://schemas.microsoft.com/office/powerpoint/2010/main" val="2776244658"/>
+        <p14:creationId xmlns:p14="http://schemas.microsoft.com/office/powerpoint/2010/main" val="3821654314"/>
       </p:ext>
     </p:extLst>
   </p:cSld>
   <p:clrMap bg1="lt1" tx1="dk1" bg2="lt2" tx2="dk2" accent1="accent1" accent2="accent2" accent3="accent3" accent4="accent4" accent5="accent5" accent6="accent6" hlink="hlink" folHlink="folHlink"/>
   <p:sldLayoutIdLst>
-    <p:sldLayoutId id="2147483649" r:id="rId1"/>
-    <p:sldLayoutId id="2147483650" r:id="rId2"/>
-    <p:sldLayoutId id="2147483651" r:id="rId3"/>
-    <p:sldLayoutId id="2147483652" r:id="rId4"/>
-    <p:sldLayoutId id="2147483653" r:id="rId5"/>
-    <p:sldLayoutId id="2147483654" r:id="rId6"/>
-    <p:sldLayoutId id="2147483655" r:id="rId7"/>
-    <p:sldLayoutId id="2147483656" r:id="rId8"/>
-    <p:sldLayoutId id="2147483657" r:id="rId9"/>
-    <p:sldLayoutId id="2147483658" r:id="rId10"/>
-    <p:sldLayoutId id="2147483659" r:id="rId11"/>
+    <p:sldLayoutId id="2147483661" r:id="rId1"/>
+    <p:sldLayoutId id="2147483662" r:id="rId2"/>
+    <p:sldLayoutId id="2147483663" r:id="rId3"/>
+    <p:sldLayoutId id="2147483664" r:id="rId4"/>
+    <p:sldLayoutId id="2147483665" r:id="rId5"/>
+    <p:sldLayoutId id="2147483666" r:id="rId6"/>
+    <p:sldLayoutId id="2147483667" r:id="rId7"/>
+    <p:sldLayoutId id="2147483668" r:id="rId8"/>
+    <p:sldLayoutId id="2147483669" r:id="rId9"/>
+    <p:sldLayoutId id="2147483670" r:id="rId10"/>
+    <p:sldLayoutId id="2147483671" r:id="rId11"/>
   </p:sldLayoutIdLst>
   <p:txStyles>
     <p:titleStyle>
@@ -3335,7 +2985,7 @@
         </p:nvGrpSpPr>
         <p:grpSpPr>
           <a:xfrm>
-            <a:off x="2785146" y="1690381"/>
+            <a:off x="1261147" y="1690382"/>
             <a:ext cx="5995035" cy="3324225"/>
             <a:chOff x="0" y="0"/>
             <a:chExt cx="5995035" cy="3324225"/>
@@ -3405,7 +3055,7 @@
             </a:ln>
             <a:extLst>
               <a:ext uri="{909E8E84-426E-40dd-AFC4-6F175D3DCCD1}">
-                <a14:hiddenFill xmlns:wpc="http://schemas.microsoft.com/office/word/2010/wordprocessingCanvas" xmlns:mc="http://schemas.openxmlformats.org/markup-compatibility/2006" xmlns:m="http://schemas.openxmlformats.org/officeDocument/2006/math" xmlns:wp14="http://schemas.microsoft.com/office/word/2010/wordprocessingDrawing" xmlns:wp="http://schemas.openxmlformats.org/drawingml/2006/wordprocessingDrawing" xmlns:w14="http://schemas.microsoft.com/office/word/2010/wordml" xmlns:w15="http://schemas.microsoft.com/office/word/2012/wordml" xmlns:wpg="http://schemas.microsoft.com/office/word/2010/wordprocessingGroup" xmlns:wpi="http://schemas.microsoft.com/office/word/2010/wordprocessingInk" xmlns:wne="http://schemas.microsoft.com/office/word/2006/wordml" xmlns:wps="http://schemas.microsoft.com/office/word/2010/wordprocessingShape" xmlns:cx="http://schemas.microsoft.com/office/drawing/2014/chartex" xmlns:cx1="http://schemas.microsoft.com/office/drawing/2015/9/8/chartex" xmlns:cx2="http://schemas.microsoft.com/office/drawing/2015/10/21/chartex" xmlns:cx3="http://schemas.microsoft.com/office/drawing/2016/5/9/chartex" xmlns:cx4="http://schemas.microsoft.com/office/drawing/2016/5/10/chartex" xmlns:cx5="http://schemas.microsoft.com/office/drawing/2016/5/11/chartex" xmlns:cx6="http://schemas.microsoft.com/office/drawing/2016/5/12/chartex" xmlns:cx7="http://schemas.microsoft.com/office/drawing/2016/5/13/chartex" xmlns:cx8="http://schemas.microsoft.com/office/drawing/2016/5/14/chartex" xmlns:aink="http://schemas.microsoft.com/office/drawing/2016/ink" xmlns:am3d="http://schemas.microsoft.com/office/drawing/2017/model3d" xmlns:w16cid="http://schemas.microsoft.com/office/word/2016/wordml/cid" xmlns:w16se="http://schemas.microsoft.com/office/word/2015/wordml/symex" xmlns:a14="http://schemas.microsoft.com/office/drawing/2010/main" xmlns:w="http://schemas.openxmlformats.org/wordprocessingml/2006/main" xmlns:w10="urn:schemas-microsoft-com:office:word" xmlns:v="urn:schemas-microsoft-com:vml" xmlns:o="urn:schemas-microsoft-com:office:office" xmlns:mv="urn:schemas-microsoft-com:mac:vml" xmlns:mo="http://schemas.microsoft.com/office/mac/office/2008/main" xmlns="" xmlns:arto="http://schemas.microsoft.com/office/word/2006/arto" xmlns:lc="http://schemas.openxmlformats.org/drawingml/2006/lockedCanvas">
+                <a14:hiddenFill xmlns:lc="http://schemas.openxmlformats.org/drawingml/2006/lockedCanvas" xmlns:arto="http://schemas.microsoft.com/office/word/2006/arto" xmlns="" xmlns:mo="http://schemas.microsoft.com/office/mac/office/2008/main" xmlns:mv="urn:schemas-microsoft-com:mac:vml" xmlns:o="urn:schemas-microsoft-com:office:office" xmlns:v="urn:schemas-microsoft-com:vml" xmlns:w10="urn:schemas-microsoft-com:office:word" xmlns:w="http://schemas.openxmlformats.org/wordprocessingml/2006/main" xmlns:a14="http://schemas.microsoft.com/office/drawing/2010/main" xmlns:w16se="http://schemas.microsoft.com/office/word/2015/wordml/symex" xmlns:w16cid="http://schemas.microsoft.com/office/word/2016/wordml/cid" xmlns:am3d="http://schemas.microsoft.com/office/drawing/2017/model3d" xmlns:aink="http://schemas.microsoft.com/office/drawing/2016/ink" xmlns:cx8="http://schemas.microsoft.com/office/drawing/2016/5/14/chartex" xmlns:cx7="http://schemas.microsoft.com/office/drawing/2016/5/13/chartex" xmlns:cx6="http://schemas.microsoft.com/office/drawing/2016/5/12/chartex" xmlns:cx5="http://schemas.microsoft.com/office/drawing/2016/5/11/chartex" xmlns:cx4="http://schemas.microsoft.com/office/drawing/2016/5/10/chartex" xmlns:cx3="http://schemas.microsoft.com/office/drawing/2016/5/9/chartex" xmlns:cx2="http://schemas.microsoft.com/office/drawing/2015/10/21/chartex" xmlns:cx1="http://schemas.microsoft.com/office/drawing/2015/9/8/chartex" xmlns:cx="http://schemas.microsoft.com/office/drawing/2014/chartex" xmlns:wps="http://schemas.microsoft.com/office/word/2010/wordprocessingShape" xmlns:wne="http://schemas.microsoft.com/office/word/2006/wordml" xmlns:wpi="http://schemas.microsoft.com/office/word/2010/wordprocessingInk" xmlns:wpg="http://schemas.microsoft.com/office/word/2010/wordprocessingGroup" xmlns:w15="http://schemas.microsoft.com/office/word/2012/wordml" xmlns:w14="http://schemas.microsoft.com/office/word/2010/wordml" xmlns:wp="http://schemas.openxmlformats.org/drawingml/2006/wordprocessingDrawing" xmlns:wp14="http://schemas.microsoft.com/office/word/2010/wordprocessingDrawing" xmlns:m="http://schemas.openxmlformats.org/officeDocument/2006/math" xmlns:mc="http://schemas.openxmlformats.org/markup-compatibility/2006" xmlns:wpc="http://schemas.microsoft.com/office/word/2010/wordprocessingCanvas">
                   <a:noFill/>
                 </a14:hiddenFill>
               </a:ext>
@@ -3446,7 +3096,7 @@
             </a:ln>
             <a:extLst>
               <a:ext uri="{909E8E84-426E-40dd-AFC4-6F175D3DCCD1}">
-                <a14:hiddenFill xmlns:wpc="http://schemas.microsoft.com/office/word/2010/wordprocessingCanvas" xmlns:mc="http://schemas.openxmlformats.org/markup-compatibility/2006" xmlns:m="http://schemas.openxmlformats.org/officeDocument/2006/math" xmlns:wp14="http://schemas.microsoft.com/office/word/2010/wordprocessingDrawing" xmlns:wp="http://schemas.openxmlformats.org/drawingml/2006/wordprocessingDrawing" xmlns:w14="http://schemas.microsoft.com/office/word/2010/wordml" xmlns:w15="http://schemas.microsoft.com/office/word/2012/wordml" xmlns:wpg="http://schemas.microsoft.com/office/word/2010/wordprocessingGroup" xmlns:wpi="http://schemas.microsoft.com/office/word/2010/wordprocessingInk" xmlns:wne="http://schemas.microsoft.com/office/word/2006/wordml" xmlns:wps="http://schemas.microsoft.com/office/word/2010/wordprocessingShape" xmlns:cx="http://schemas.microsoft.com/office/drawing/2014/chartex" xmlns:cx1="http://schemas.microsoft.com/office/drawing/2015/9/8/chartex" xmlns:cx2="http://schemas.microsoft.com/office/drawing/2015/10/21/chartex" xmlns:cx3="http://schemas.microsoft.com/office/drawing/2016/5/9/chartex" xmlns:cx4="http://schemas.microsoft.com/office/drawing/2016/5/10/chartex" xmlns:cx5="http://schemas.microsoft.com/office/drawing/2016/5/11/chartex" xmlns:cx6="http://schemas.microsoft.com/office/drawing/2016/5/12/chartex" xmlns:cx7="http://schemas.microsoft.com/office/drawing/2016/5/13/chartex" xmlns:cx8="http://schemas.microsoft.com/office/drawing/2016/5/14/chartex" xmlns:aink="http://schemas.microsoft.com/office/drawing/2016/ink" xmlns:am3d="http://schemas.microsoft.com/office/drawing/2017/model3d" xmlns:w16cid="http://schemas.microsoft.com/office/word/2016/wordml/cid" xmlns:w16se="http://schemas.microsoft.com/office/word/2015/wordml/symex" xmlns:a14="http://schemas.microsoft.com/office/drawing/2010/main" xmlns:w="http://schemas.openxmlformats.org/wordprocessingml/2006/main" xmlns:w10="urn:schemas-microsoft-com:office:word" xmlns:v="urn:schemas-microsoft-com:vml" xmlns:o="urn:schemas-microsoft-com:office:office" xmlns:mv="urn:schemas-microsoft-com:mac:vml" xmlns:mo="http://schemas.microsoft.com/office/mac/office/2008/main" xmlns="" xmlns:arto="http://schemas.microsoft.com/office/word/2006/arto" xmlns:lc="http://schemas.openxmlformats.org/drawingml/2006/lockedCanvas">
+                <a14:hiddenFill xmlns:lc="http://schemas.openxmlformats.org/drawingml/2006/lockedCanvas" xmlns:arto="http://schemas.microsoft.com/office/word/2006/arto" xmlns="" xmlns:mo="http://schemas.microsoft.com/office/mac/office/2008/main" xmlns:mv="urn:schemas-microsoft-com:mac:vml" xmlns:o="urn:schemas-microsoft-com:office:office" xmlns:v="urn:schemas-microsoft-com:vml" xmlns:w10="urn:schemas-microsoft-com:office:word" xmlns:w="http://schemas.openxmlformats.org/wordprocessingml/2006/main" xmlns:a14="http://schemas.microsoft.com/office/drawing/2010/main" xmlns:w16se="http://schemas.microsoft.com/office/word/2015/wordml/symex" xmlns:w16cid="http://schemas.microsoft.com/office/word/2016/wordml/cid" xmlns:am3d="http://schemas.microsoft.com/office/drawing/2017/model3d" xmlns:aink="http://schemas.microsoft.com/office/drawing/2016/ink" xmlns:cx8="http://schemas.microsoft.com/office/drawing/2016/5/14/chartex" xmlns:cx7="http://schemas.microsoft.com/office/drawing/2016/5/13/chartex" xmlns:cx6="http://schemas.microsoft.com/office/drawing/2016/5/12/chartex" xmlns:cx5="http://schemas.microsoft.com/office/drawing/2016/5/11/chartex" xmlns:cx4="http://schemas.microsoft.com/office/drawing/2016/5/10/chartex" xmlns:cx3="http://schemas.microsoft.com/office/drawing/2016/5/9/chartex" xmlns:cx2="http://schemas.microsoft.com/office/drawing/2015/10/21/chartex" xmlns:cx1="http://schemas.microsoft.com/office/drawing/2015/9/8/chartex" xmlns:cx="http://schemas.microsoft.com/office/drawing/2014/chartex" xmlns:wps="http://schemas.microsoft.com/office/word/2010/wordprocessingShape" xmlns:wne="http://schemas.microsoft.com/office/word/2006/wordml" xmlns:wpi="http://schemas.microsoft.com/office/word/2010/wordprocessingInk" xmlns:wpg="http://schemas.microsoft.com/office/word/2010/wordprocessingGroup" xmlns:w15="http://schemas.microsoft.com/office/word/2012/wordml" xmlns:w14="http://schemas.microsoft.com/office/word/2010/wordml" xmlns:wp="http://schemas.openxmlformats.org/drawingml/2006/wordprocessingDrawing" xmlns:wp14="http://schemas.microsoft.com/office/word/2010/wordprocessingDrawing" xmlns:m="http://schemas.openxmlformats.org/officeDocument/2006/math" xmlns:mc="http://schemas.openxmlformats.org/markup-compatibility/2006" xmlns:wpc="http://schemas.microsoft.com/office/word/2010/wordprocessingCanvas">
                   <a:solidFill>
                     <a:srgbClr val="FFFFFF"/>
                   </a:solidFill>
@@ -3460,17 +3110,9 @@
             </a:bodyPr>
             <a:lstStyle/>
             <a:p>
-              <a:pPr marL="0" marR="0" algn="ctr">
-                <a:spcBef>
-                  <a:spcPts val="0"/>
-                </a:spcBef>
-                <a:spcAft>
-                  <a:spcPts val="0"/>
-                </a:spcAft>
-              </a:pPr>
+              <a:pPr algn="ctr"/>
               <a:r>
                 <a:rPr lang="it-IT" sz="1000" b="1">
-                  <a:effectLst/>
                   <a:latin typeface="Times New Roman" panose="02020603050405020304" pitchFamily="18" charset="0"/>
                   <a:ea typeface="Arial Unicode MS" panose="020B0604020202020204" pitchFamily="34" charset="-128"/>
                 </a:rPr>
@@ -3478,14 +3120,12 @@
               </a:r>
               <a:br>
                 <a:rPr lang="it-IT" sz="1000" b="1">
-                  <a:effectLst/>
                   <a:latin typeface="Times New Roman" panose="02020603050405020304" pitchFamily="18" charset="0"/>
                   <a:ea typeface="Arial Unicode MS" panose="020B0604020202020204" pitchFamily="34" charset="-128"/>
                 </a:rPr>
               </a:br>
               <a:r>
                 <a:rPr lang="it-IT" sz="1000" b="1">
-                  <a:effectLst/>
                   <a:latin typeface="Times New Roman" panose="02020603050405020304" pitchFamily="18" charset="0"/>
                   <a:ea typeface="Arial Unicode MS" panose="020B0604020202020204" pitchFamily="34" charset="-128"/>
                 </a:rPr>
@@ -3493,14 +3133,12 @@
               </a:r>
               <a:r>
                 <a:rPr lang="en-US" sz="1000" b="1">
-                  <a:effectLst/>
                   <a:latin typeface="Times New Roman" panose="02020603050405020304" pitchFamily="18" charset="0"/>
                   <a:ea typeface="Arial Unicode MS" panose="020B0604020202020204" pitchFamily="34" charset="-128"/>
                 </a:rPr>
                 <a:t>Responder</a:t>
               </a:r>
               <a:endParaRPr lang="en-US" sz="1200">
-                <a:effectLst/>
                 <a:latin typeface="Times New Roman" panose="02020603050405020304" pitchFamily="18" charset="0"/>
                 <a:ea typeface="Times New Roman" panose="02020603050405020304" pitchFamily="18" charset="0"/>
               </a:endParaRPr>
@@ -3543,7 +3181,7 @@
             </a:ln>
             <a:extLst>
               <a:ext uri="{909E8E84-426E-40dd-AFC4-6F175D3DCCD1}">
-                <a14:hiddenFill xmlns:wpc="http://schemas.microsoft.com/office/word/2010/wordprocessingCanvas" xmlns:mc="http://schemas.openxmlformats.org/markup-compatibility/2006" xmlns:m="http://schemas.openxmlformats.org/officeDocument/2006/math" xmlns:wp14="http://schemas.microsoft.com/office/word/2010/wordprocessingDrawing" xmlns:wp="http://schemas.openxmlformats.org/drawingml/2006/wordprocessingDrawing" xmlns:w14="http://schemas.microsoft.com/office/word/2010/wordml" xmlns:w15="http://schemas.microsoft.com/office/word/2012/wordml" xmlns:wpg="http://schemas.microsoft.com/office/word/2010/wordprocessingGroup" xmlns:wpi="http://schemas.microsoft.com/office/word/2010/wordprocessingInk" xmlns:wne="http://schemas.microsoft.com/office/word/2006/wordml" xmlns:wps="http://schemas.microsoft.com/office/word/2010/wordprocessingShape" xmlns:cx="http://schemas.microsoft.com/office/drawing/2014/chartex" xmlns:cx1="http://schemas.microsoft.com/office/drawing/2015/9/8/chartex" xmlns:cx2="http://schemas.microsoft.com/office/drawing/2015/10/21/chartex" xmlns:cx3="http://schemas.microsoft.com/office/drawing/2016/5/9/chartex" xmlns:cx4="http://schemas.microsoft.com/office/drawing/2016/5/10/chartex" xmlns:cx5="http://schemas.microsoft.com/office/drawing/2016/5/11/chartex" xmlns:cx6="http://schemas.microsoft.com/office/drawing/2016/5/12/chartex" xmlns:cx7="http://schemas.microsoft.com/office/drawing/2016/5/13/chartex" xmlns:cx8="http://schemas.microsoft.com/office/drawing/2016/5/14/chartex" xmlns:aink="http://schemas.microsoft.com/office/drawing/2016/ink" xmlns:am3d="http://schemas.microsoft.com/office/drawing/2017/model3d" xmlns:w16cid="http://schemas.microsoft.com/office/word/2016/wordml/cid" xmlns:w16se="http://schemas.microsoft.com/office/word/2015/wordml/symex" xmlns:a14="http://schemas.microsoft.com/office/drawing/2010/main" xmlns:w="http://schemas.openxmlformats.org/wordprocessingml/2006/main" xmlns:w10="urn:schemas-microsoft-com:office:word" xmlns:v="urn:schemas-microsoft-com:vml" xmlns:o="urn:schemas-microsoft-com:office:office" xmlns:mv="urn:schemas-microsoft-com:mac:vml" xmlns:mo="http://schemas.microsoft.com/office/mac/office/2008/main" xmlns="" xmlns:arto="http://schemas.microsoft.com/office/word/2006/arto" xmlns:lc="http://schemas.openxmlformats.org/drawingml/2006/lockedCanvas">
+                <a14:hiddenFill xmlns:lc="http://schemas.openxmlformats.org/drawingml/2006/lockedCanvas" xmlns:arto="http://schemas.microsoft.com/office/word/2006/arto" xmlns="" xmlns:mo="http://schemas.microsoft.com/office/mac/office/2008/main" xmlns:mv="urn:schemas-microsoft-com:mac:vml" xmlns:o="urn:schemas-microsoft-com:office:office" xmlns:v="urn:schemas-microsoft-com:vml" xmlns:w10="urn:schemas-microsoft-com:office:word" xmlns:w="http://schemas.openxmlformats.org/wordprocessingml/2006/main" xmlns:a14="http://schemas.microsoft.com/office/drawing/2010/main" xmlns:w16se="http://schemas.microsoft.com/office/word/2015/wordml/symex" xmlns:w16cid="http://schemas.microsoft.com/office/word/2016/wordml/cid" xmlns:am3d="http://schemas.microsoft.com/office/drawing/2017/model3d" xmlns:aink="http://schemas.microsoft.com/office/drawing/2016/ink" xmlns:cx8="http://schemas.microsoft.com/office/drawing/2016/5/14/chartex" xmlns:cx7="http://schemas.microsoft.com/office/drawing/2016/5/13/chartex" xmlns:cx6="http://schemas.microsoft.com/office/drawing/2016/5/12/chartex" xmlns:cx5="http://schemas.microsoft.com/office/drawing/2016/5/11/chartex" xmlns:cx4="http://schemas.microsoft.com/office/drawing/2016/5/10/chartex" xmlns:cx3="http://schemas.microsoft.com/office/drawing/2016/5/9/chartex" xmlns:cx2="http://schemas.microsoft.com/office/drawing/2015/10/21/chartex" xmlns:cx1="http://schemas.microsoft.com/office/drawing/2015/9/8/chartex" xmlns:cx="http://schemas.microsoft.com/office/drawing/2014/chartex" xmlns:wps="http://schemas.microsoft.com/office/word/2010/wordprocessingShape" xmlns:wne="http://schemas.microsoft.com/office/word/2006/wordml" xmlns:wpi="http://schemas.microsoft.com/office/word/2010/wordprocessingInk" xmlns:wpg="http://schemas.microsoft.com/office/word/2010/wordprocessingGroup" xmlns:w15="http://schemas.microsoft.com/office/word/2012/wordml" xmlns:w14="http://schemas.microsoft.com/office/word/2010/wordml" xmlns:wp="http://schemas.openxmlformats.org/drawingml/2006/wordprocessingDrawing" xmlns:wp14="http://schemas.microsoft.com/office/word/2010/wordprocessingDrawing" xmlns:m="http://schemas.openxmlformats.org/officeDocument/2006/math" xmlns:mc="http://schemas.openxmlformats.org/markup-compatibility/2006" xmlns:wpc="http://schemas.microsoft.com/office/word/2010/wordprocessingCanvas">
                   <a:noFill/>
                 </a14:hiddenFill>
               </a:ext>
@@ -3578,14 +3216,14 @@
             </a:ln>
             <a:extLst>
               <a:ext uri="{909E8E84-426E-40dd-AFC4-6F175D3DCCD1}">
-                <a14:hiddenFill xmlns:wpc="http://schemas.microsoft.com/office/word/2010/wordprocessingCanvas" xmlns:mc="http://schemas.openxmlformats.org/markup-compatibility/2006" xmlns:m="http://schemas.openxmlformats.org/officeDocument/2006/math" xmlns:wp14="http://schemas.microsoft.com/office/word/2010/wordprocessingDrawing" xmlns:wp="http://schemas.openxmlformats.org/drawingml/2006/wordprocessingDrawing" xmlns:w14="http://schemas.microsoft.com/office/word/2010/wordml" xmlns:w15="http://schemas.microsoft.com/office/word/2012/wordml" xmlns:wpg="http://schemas.microsoft.com/office/word/2010/wordprocessingGroup" xmlns:wpi="http://schemas.microsoft.com/office/word/2010/wordprocessingInk" xmlns:wne="http://schemas.microsoft.com/office/word/2006/wordml" xmlns:wps="http://schemas.microsoft.com/office/word/2010/wordprocessingShape" xmlns:cx="http://schemas.microsoft.com/office/drawing/2014/chartex" xmlns:cx1="http://schemas.microsoft.com/office/drawing/2015/9/8/chartex" xmlns:cx2="http://schemas.microsoft.com/office/drawing/2015/10/21/chartex" xmlns:cx3="http://schemas.microsoft.com/office/drawing/2016/5/9/chartex" xmlns:cx4="http://schemas.microsoft.com/office/drawing/2016/5/10/chartex" xmlns:cx5="http://schemas.microsoft.com/office/drawing/2016/5/11/chartex" xmlns:cx6="http://schemas.microsoft.com/office/drawing/2016/5/12/chartex" xmlns:cx7="http://schemas.microsoft.com/office/drawing/2016/5/13/chartex" xmlns:cx8="http://schemas.microsoft.com/office/drawing/2016/5/14/chartex" xmlns:aink="http://schemas.microsoft.com/office/drawing/2016/ink" xmlns:am3d="http://schemas.microsoft.com/office/drawing/2017/model3d" xmlns:w16cid="http://schemas.microsoft.com/office/word/2016/wordml/cid" xmlns:w16se="http://schemas.microsoft.com/office/word/2015/wordml/symex" xmlns:a14="http://schemas.microsoft.com/office/drawing/2010/main" xmlns:w="http://schemas.openxmlformats.org/wordprocessingml/2006/main" xmlns:w10="urn:schemas-microsoft-com:office:word" xmlns:v="urn:schemas-microsoft-com:vml" xmlns:o="urn:schemas-microsoft-com:office:office" xmlns:mv="urn:schemas-microsoft-com:mac:vml" xmlns:mo="http://schemas.microsoft.com/office/mac/office/2008/main" xmlns="" xmlns:arto="http://schemas.microsoft.com/office/word/2006/arto" xmlns:lc="http://schemas.openxmlformats.org/drawingml/2006/lockedCanvas">
+                <a14:hiddenFill xmlns:lc="http://schemas.openxmlformats.org/drawingml/2006/lockedCanvas" xmlns:arto="http://schemas.microsoft.com/office/word/2006/arto" xmlns="" xmlns:mo="http://schemas.microsoft.com/office/mac/office/2008/main" xmlns:mv="urn:schemas-microsoft-com:mac:vml" xmlns:o="urn:schemas-microsoft-com:office:office" xmlns:v="urn:schemas-microsoft-com:vml" xmlns:w10="urn:schemas-microsoft-com:office:word" xmlns:w="http://schemas.openxmlformats.org/wordprocessingml/2006/main" xmlns:a14="http://schemas.microsoft.com/office/drawing/2010/main" xmlns:w16se="http://schemas.microsoft.com/office/word/2015/wordml/symex" xmlns:w16cid="http://schemas.microsoft.com/office/word/2016/wordml/cid" xmlns:am3d="http://schemas.microsoft.com/office/drawing/2017/model3d" xmlns:aink="http://schemas.microsoft.com/office/drawing/2016/ink" xmlns:cx8="http://schemas.microsoft.com/office/drawing/2016/5/14/chartex" xmlns:cx7="http://schemas.microsoft.com/office/drawing/2016/5/13/chartex" xmlns:cx6="http://schemas.microsoft.com/office/drawing/2016/5/12/chartex" xmlns:cx5="http://schemas.microsoft.com/office/drawing/2016/5/11/chartex" xmlns:cx4="http://schemas.microsoft.com/office/drawing/2016/5/10/chartex" xmlns:cx3="http://schemas.microsoft.com/office/drawing/2016/5/9/chartex" xmlns:cx2="http://schemas.microsoft.com/office/drawing/2015/10/21/chartex" xmlns:cx1="http://schemas.microsoft.com/office/drawing/2015/9/8/chartex" xmlns:cx="http://schemas.microsoft.com/office/drawing/2014/chartex" xmlns:wps="http://schemas.microsoft.com/office/word/2010/wordprocessingShape" xmlns:wne="http://schemas.microsoft.com/office/word/2006/wordml" xmlns:wpi="http://schemas.microsoft.com/office/word/2010/wordprocessingInk" xmlns:wpg="http://schemas.microsoft.com/office/word/2010/wordprocessingGroup" xmlns:w15="http://schemas.microsoft.com/office/word/2012/wordml" xmlns:w14="http://schemas.microsoft.com/office/word/2010/wordml" xmlns:wp="http://schemas.openxmlformats.org/drawingml/2006/wordprocessingDrawing" xmlns:wp14="http://schemas.microsoft.com/office/word/2010/wordprocessingDrawing" xmlns:m="http://schemas.openxmlformats.org/officeDocument/2006/math" xmlns:mc="http://schemas.openxmlformats.org/markup-compatibility/2006" xmlns:wpc="http://schemas.microsoft.com/office/word/2010/wordprocessingCanvas">
                   <a:solidFill>
                     <a:srgbClr val="FFFFFF"/>
                   </a:solidFill>
                 </a14:hiddenFill>
               </a:ext>
               <a:ext uri="{91240B29-F687-4f45-9708-019B960494DF}">
-                <a14:hiddenLine xmlns:wpc="http://schemas.microsoft.com/office/word/2010/wordprocessingCanvas" xmlns:mc="http://schemas.openxmlformats.org/markup-compatibility/2006" xmlns:m="http://schemas.openxmlformats.org/officeDocument/2006/math" xmlns:wp14="http://schemas.microsoft.com/office/word/2010/wordprocessingDrawing" xmlns:wp="http://schemas.openxmlformats.org/drawingml/2006/wordprocessingDrawing" xmlns:w14="http://schemas.microsoft.com/office/word/2010/wordml" xmlns:w15="http://schemas.microsoft.com/office/word/2012/wordml" xmlns:wpg="http://schemas.microsoft.com/office/word/2010/wordprocessingGroup" xmlns:wpi="http://schemas.microsoft.com/office/word/2010/wordprocessingInk" xmlns:wne="http://schemas.microsoft.com/office/word/2006/wordml" xmlns:wps="http://schemas.microsoft.com/office/word/2010/wordprocessingShape" xmlns:cx="http://schemas.microsoft.com/office/drawing/2014/chartex" xmlns:cx1="http://schemas.microsoft.com/office/drawing/2015/9/8/chartex" xmlns:cx2="http://schemas.microsoft.com/office/drawing/2015/10/21/chartex" xmlns:cx3="http://schemas.microsoft.com/office/drawing/2016/5/9/chartex" xmlns:cx4="http://schemas.microsoft.com/office/drawing/2016/5/10/chartex" xmlns:cx5="http://schemas.microsoft.com/office/drawing/2016/5/11/chartex" xmlns:cx6="http://schemas.microsoft.com/office/drawing/2016/5/12/chartex" xmlns:cx7="http://schemas.microsoft.com/office/drawing/2016/5/13/chartex" xmlns:cx8="http://schemas.microsoft.com/office/drawing/2016/5/14/chartex" xmlns:aink="http://schemas.microsoft.com/office/drawing/2016/ink" xmlns:am3d="http://schemas.microsoft.com/office/drawing/2017/model3d" xmlns:w16cid="http://schemas.microsoft.com/office/word/2016/wordml/cid" xmlns:w16se="http://schemas.microsoft.com/office/word/2015/wordml/symex" xmlns:a14="http://schemas.microsoft.com/office/drawing/2010/main" xmlns:w="http://schemas.openxmlformats.org/wordprocessingml/2006/main" xmlns:w10="urn:schemas-microsoft-com:office:word" xmlns:v="urn:schemas-microsoft-com:vml" xmlns:o="urn:schemas-microsoft-com:office:office" xmlns:mv="urn:schemas-microsoft-com:mac:vml" xmlns:mo="http://schemas.microsoft.com/office/mac/office/2008/main" xmlns="" xmlns:arto="http://schemas.microsoft.com/office/word/2006/arto" xmlns:lc="http://schemas.openxmlformats.org/drawingml/2006/lockedCanvas" w="9525">
+                <a14:hiddenLine xmlns:lc="http://schemas.openxmlformats.org/drawingml/2006/lockedCanvas" xmlns:arto="http://schemas.microsoft.com/office/word/2006/arto" xmlns="" xmlns:mo="http://schemas.microsoft.com/office/mac/office/2008/main" xmlns:mv="urn:schemas-microsoft-com:mac:vml" xmlns:o="urn:schemas-microsoft-com:office:office" xmlns:v="urn:schemas-microsoft-com:vml" xmlns:w10="urn:schemas-microsoft-com:office:word" xmlns:w="http://schemas.openxmlformats.org/wordprocessingml/2006/main" xmlns:a14="http://schemas.microsoft.com/office/drawing/2010/main" xmlns:w16se="http://schemas.microsoft.com/office/word/2015/wordml/symex" xmlns:w16cid="http://schemas.microsoft.com/office/word/2016/wordml/cid" xmlns:am3d="http://schemas.microsoft.com/office/drawing/2017/model3d" xmlns:aink="http://schemas.microsoft.com/office/drawing/2016/ink" xmlns:cx8="http://schemas.microsoft.com/office/drawing/2016/5/14/chartex" xmlns:cx7="http://schemas.microsoft.com/office/drawing/2016/5/13/chartex" xmlns:cx6="http://schemas.microsoft.com/office/drawing/2016/5/12/chartex" xmlns:cx5="http://schemas.microsoft.com/office/drawing/2016/5/11/chartex" xmlns:cx4="http://schemas.microsoft.com/office/drawing/2016/5/10/chartex" xmlns:cx3="http://schemas.microsoft.com/office/drawing/2016/5/9/chartex" xmlns:cx2="http://schemas.microsoft.com/office/drawing/2015/10/21/chartex" xmlns:cx1="http://schemas.microsoft.com/office/drawing/2015/9/8/chartex" xmlns:cx="http://schemas.microsoft.com/office/drawing/2014/chartex" xmlns:wps="http://schemas.microsoft.com/office/word/2010/wordprocessingShape" xmlns:wne="http://schemas.microsoft.com/office/word/2006/wordml" xmlns:wpi="http://schemas.microsoft.com/office/word/2010/wordprocessingInk" xmlns:wpg="http://schemas.microsoft.com/office/word/2010/wordprocessingGroup" xmlns:w15="http://schemas.microsoft.com/office/word/2012/wordml" xmlns:w14="http://schemas.microsoft.com/office/word/2010/wordml" xmlns:wp="http://schemas.openxmlformats.org/drawingml/2006/wordprocessingDrawing" xmlns:wp14="http://schemas.microsoft.com/office/word/2010/wordprocessingDrawing" xmlns:m="http://schemas.openxmlformats.org/officeDocument/2006/math" xmlns:mc="http://schemas.openxmlformats.org/markup-compatibility/2006" xmlns:wpc="http://schemas.microsoft.com/office/word/2010/wordprocessingCanvas" w="9525">
                   <a:solidFill>
                     <a:srgbClr val="000000"/>
                   </a:solidFill>
@@ -3602,17 +3240,8 @@
             </a:bodyPr>
             <a:lstStyle/>
             <a:p>
-              <a:pPr marL="0" marR="0">
-                <a:spcBef>
-                  <a:spcPts val="0"/>
-                </a:spcBef>
-                <a:spcAft>
-                  <a:spcPts val="0"/>
-                </a:spcAft>
-              </a:pPr>
               <a:r>
                 <a:rPr lang="en-US" sz="900">
-                  <a:effectLst/>
                   <a:latin typeface="Times New Roman" panose="02020603050405020304" pitchFamily="18" charset="0"/>
                   <a:ea typeface="Arial Unicode MS" panose="020B0604020202020204" pitchFamily="34" charset="-128"/>
                 </a:rPr>
@@ -3620,14 +3249,12 @@
               </a:r>
               <a:r>
                 <a:rPr lang="en-US" sz="900">
-                  <a:effectLst/>
                   <a:latin typeface="Times New Roman" panose="02020603050405020304" pitchFamily="18" charset="0"/>
                   <a:ea typeface="Times New Roman" panose="02020603050405020304" pitchFamily="18" charset="0"/>
                 </a:rPr>
                 <a:t>[ITI-18]</a:t>
               </a:r>
               <a:endParaRPr lang="en-US" sz="1200">
-                <a:effectLst/>
                 <a:latin typeface="Times New Roman" panose="02020603050405020304" pitchFamily="18" charset="0"/>
                 <a:ea typeface="Times New Roman" panose="02020603050405020304" pitchFamily="18" charset="0"/>
               </a:endParaRPr>
@@ -3668,7 +3295,7 @@
             </a:ln>
             <a:extLst>
               <a:ext uri="{909E8E84-426E-40dd-AFC4-6F175D3DCCD1}">
-                <a14:hiddenFill xmlns:wpc="http://schemas.microsoft.com/office/word/2010/wordprocessingCanvas" xmlns:mc="http://schemas.openxmlformats.org/markup-compatibility/2006" xmlns:m="http://schemas.openxmlformats.org/officeDocument/2006/math" xmlns:wp14="http://schemas.microsoft.com/office/word/2010/wordprocessingDrawing" xmlns:wp="http://schemas.openxmlformats.org/drawingml/2006/wordprocessingDrawing" xmlns:w14="http://schemas.microsoft.com/office/word/2010/wordml" xmlns:w15="http://schemas.microsoft.com/office/word/2012/wordml" xmlns:wpg="http://schemas.microsoft.com/office/word/2010/wordprocessingGroup" xmlns:wpi="http://schemas.microsoft.com/office/word/2010/wordprocessingInk" xmlns:wne="http://schemas.microsoft.com/office/word/2006/wordml" xmlns:wps="http://schemas.microsoft.com/office/word/2010/wordprocessingShape" xmlns:cx="http://schemas.microsoft.com/office/drawing/2014/chartex" xmlns:cx1="http://schemas.microsoft.com/office/drawing/2015/9/8/chartex" xmlns:cx2="http://schemas.microsoft.com/office/drawing/2015/10/21/chartex" xmlns:cx3="http://schemas.microsoft.com/office/drawing/2016/5/9/chartex" xmlns:cx4="http://schemas.microsoft.com/office/drawing/2016/5/10/chartex" xmlns:cx5="http://schemas.microsoft.com/office/drawing/2016/5/11/chartex" xmlns:cx6="http://schemas.microsoft.com/office/drawing/2016/5/12/chartex" xmlns:cx7="http://schemas.microsoft.com/office/drawing/2016/5/13/chartex" xmlns:cx8="http://schemas.microsoft.com/office/drawing/2016/5/14/chartex" xmlns:aink="http://schemas.microsoft.com/office/drawing/2016/ink" xmlns:am3d="http://schemas.microsoft.com/office/drawing/2017/model3d" xmlns:w16cid="http://schemas.microsoft.com/office/word/2016/wordml/cid" xmlns:w16se="http://schemas.microsoft.com/office/word/2015/wordml/symex" xmlns:a14="http://schemas.microsoft.com/office/drawing/2010/main" xmlns:w="http://schemas.openxmlformats.org/wordprocessingml/2006/main" xmlns:w10="urn:schemas-microsoft-com:office:word" xmlns:v="urn:schemas-microsoft-com:vml" xmlns:o="urn:schemas-microsoft-com:office:office" xmlns:mv="urn:schemas-microsoft-com:mac:vml" xmlns:mo="http://schemas.microsoft.com/office/mac/office/2008/main" xmlns="" xmlns:arto="http://schemas.microsoft.com/office/word/2006/arto" xmlns:lc="http://schemas.openxmlformats.org/drawingml/2006/lockedCanvas">
+                <a14:hiddenFill xmlns:lc="http://schemas.openxmlformats.org/drawingml/2006/lockedCanvas" xmlns:arto="http://schemas.microsoft.com/office/word/2006/arto" xmlns="" xmlns:mo="http://schemas.microsoft.com/office/mac/office/2008/main" xmlns:mv="urn:schemas-microsoft-com:mac:vml" xmlns:o="urn:schemas-microsoft-com:office:office" xmlns:v="urn:schemas-microsoft-com:vml" xmlns:w10="urn:schemas-microsoft-com:office:word" xmlns:w="http://schemas.openxmlformats.org/wordprocessingml/2006/main" xmlns:a14="http://schemas.microsoft.com/office/drawing/2010/main" xmlns:w16se="http://schemas.microsoft.com/office/word/2015/wordml/symex" xmlns:w16cid="http://schemas.microsoft.com/office/word/2016/wordml/cid" xmlns:am3d="http://schemas.microsoft.com/office/drawing/2017/model3d" xmlns:aink="http://schemas.microsoft.com/office/drawing/2016/ink" xmlns:cx8="http://schemas.microsoft.com/office/drawing/2016/5/14/chartex" xmlns:cx7="http://schemas.microsoft.com/office/drawing/2016/5/13/chartex" xmlns:cx6="http://schemas.microsoft.com/office/drawing/2016/5/12/chartex" xmlns:cx5="http://schemas.microsoft.com/office/drawing/2016/5/11/chartex" xmlns:cx4="http://schemas.microsoft.com/office/drawing/2016/5/10/chartex" xmlns:cx3="http://schemas.microsoft.com/office/drawing/2016/5/9/chartex" xmlns:cx2="http://schemas.microsoft.com/office/drawing/2015/10/21/chartex" xmlns:cx1="http://schemas.microsoft.com/office/drawing/2015/9/8/chartex" xmlns:cx="http://schemas.microsoft.com/office/drawing/2014/chartex" xmlns:wps="http://schemas.microsoft.com/office/word/2010/wordprocessingShape" xmlns:wne="http://schemas.microsoft.com/office/word/2006/wordml" xmlns:wpi="http://schemas.microsoft.com/office/word/2010/wordprocessingInk" xmlns:wpg="http://schemas.microsoft.com/office/word/2010/wordprocessingGroup" xmlns:w15="http://schemas.microsoft.com/office/word/2012/wordml" xmlns:w14="http://schemas.microsoft.com/office/word/2010/wordml" xmlns:wp="http://schemas.openxmlformats.org/drawingml/2006/wordprocessingDrawing" xmlns:wp14="http://schemas.microsoft.com/office/word/2010/wordprocessingDrawing" xmlns:m="http://schemas.openxmlformats.org/officeDocument/2006/math" xmlns:mc="http://schemas.openxmlformats.org/markup-compatibility/2006" xmlns:wpc="http://schemas.microsoft.com/office/word/2010/wordprocessingCanvas">
                   <a:solidFill>
                     <a:srgbClr val="FFFFFF"/>
                   </a:solidFill>
@@ -3682,17 +3309,9 @@
             </a:bodyPr>
             <a:lstStyle/>
             <a:p>
-              <a:pPr marL="0" marR="0" algn="ctr">
-                <a:spcBef>
-                  <a:spcPts val="0"/>
-                </a:spcBef>
-                <a:spcAft>
-                  <a:spcPts val="0"/>
-                </a:spcAft>
-              </a:pPr>
+              <a:pPr algn="ctr"/>
               <a:r>
                 <a:rPr lang="en-US" sz="1000" b="1">
-                  <a:effectLst/>
                   <a:latin typeface="Times New Roman" panose="02020603050405020304" pitchFamily="18" charset="0"/>
                   <a:ea typeface="Arial Unicode MS" panose="020B0604020202020204" pitchFamily="34" charset="-128"/>
                 </a:rPr>
@@ -3700,14 +3319,12 @@
               </a:r>
               <a:br>
                 <a:rPr lang="en-US" sz="1000" b="1">
-                  <a:effectLst/>
                   <a:latin typeface="Times New Roman" panose="02020603050405020304" pitchFamily="18" charset="0"/>
                   <a:ea typeface="Arial Unicode MS" panose="020B0604020202020204" pitchFamily="34" charset="-128"/>
                 </a:rPr>
               </a:br>
               <a:r>
                 <a:rPr lang="en-US" sz="1000" b="1">
-                  <a:effectLst/>
                   <a:latin typeface="Times New Roman" panose="02020603050405020304" pitchFamily="18" charset="0"/>
                   <a:ea typeface="Arial Unicode MS" panose="020B0604020202020204" pitchFamily="34" charset="-128"/>
                 </a:rPr>
@@ -3715,21 +3332,18 @@
               </a:r>
               <a:br>
                 <a:rPr lang="en-US" sz="1000" b="1">
-                  <a:effectLst/>
                   <a:latin typeface="Times New Roman" panose="02020603050405020304" pitchFamily="18" charset="0"/>
                   <a:ea typeface="Arial Unicode MS" panose="020B0604020202020204" pitchFamily="34" charset="-128"/>
                 </a:rPr>
               </a:br>
               <a:r>
                 <a:rPr lang="en-US" sz="1000" b="1">
-                  <a:effectLst/>
                   <a:latin typeface="Times New Roman" panose="02020603050405020304" pitchFamily="18" charset="0"/>
                   <a:ea typeface="Arial Unicode MS" panose="020B0604020202020204" pitchFamily="34" charset="-128"/>
                 </a:rPr>
                 <a:t>Repository</a:t>
               </a:r>
               <a:endParaRPr lang="en-US" sz="1200">
-                <a:effectLst/>
                 <a:latin typeface="Times New Roman" panose="02020603050405020304" pitchFamily="18" charset="0"/>
                 <a:ea typeface="Times New Roman" panose="02020603050405020304" pitchFamily="18" charset="0"/>
               </a:endParaRPr>
@@ -3770,7 +3384,7 @@
             </a:ln>
             <a:extLst>
               <a:ext uri="{909E8E84-426E-40dd-AFC4-6F175D3DCCD1}">
-                <a14:hiddenFill xmlns:wpc="http://schemas.microsoft.com/office/word/2010/wordprocessingCanvas" xmlns:mc="http://schemas.openxmlformats.org/markup-compatibility/2006" xmlns:m="http://schemas.openxmlformats.org/officeDocument/2006/math" xmlns:wp14="http://schemas.microsoft.com/office/word/2010/wordprocessingDrawing" xmlns:wp="http://schemas.openxmlformats.org/drawingml/2006/wordprocessingDrawing" xmlns:w14="http://schemas.microsoft.com/office/word/2010/wordml" xmlns:w15="http://schemas.microsoft.com/office/word/2012/wordml" xmlns:wpg="http://schemas.microsoft.com/office/word/2010/wordprocessingGroup" xmlns:wpi="http://schemas.microsoft.com/office/word/2010/wordprocessingInk" xmlns:wne="http://schemas.microsoft.com/office/word/2006/wordml" xmlns:wps="http://schemas.microsoft.com/office/word/2010/wordprocessingShape" xmlns:cx="http://schemas.microsoft.com/office/drawing/2014/chartex" xmlns:cx1="http://schemas.microsoft.com/office/drawing/2015/9/8/chartex" xmlns:cx2="http://schemas.microsoft.com/office/drawing/2015/10/21/chartex" xmlns:cx3="http://schemas.microsoft.com/office/drawing/2016/5/9/chartex" xmlns:cx4="http://schemas.microsoft.com/office/drawing/2016/5/10/chartex" xmlns:cx5="http://schemas.microsoft.com/office/drawing/2016/5/11/chartex" xmlns:cx6="http://schemas.microsoft.com/office/drawing/2016/5/12/chartex" xmlns:cx7="http://schemas.microsoft.com/office/drawing/2016/5/13/chartex" xmlns:cx8="http://schemas.microsoft.com/office/drawing/2016/5/14/chartex" xmlns:aink="http://schemas.microsoft.com/office/drawing/2016/ink" xmlns:am3d="http://schemas.microsoft.com/office/drawing/2017/model3d" xmlns:w16cid="http://schemas.microsoft.com/office/word/2016/wordml/cid" xmlns:w16se="http://schemas.microsoft.com/office/word/2015/wordml/symex" xmlns:a14="http://schemas.microsoft.com/office/drawing/2010/main" xmlns:w="http://schemas.openxmlformats.org/wordprocessingml/2006/main" xmlns:w10="urn:schemas-microsoft-com:office:word" xmlns:v="urn:schemas-microsoft-com:vml" xmlns:o="urn:schemas-microsoft-com:office:office" xmlns:mv="urn:schemas-microsoft-com:mac:vml" xmlns:mo="http://schemas.microsoft.com/office/mac/office/2008/main" xmlns="" xmlns:arto="http://schemas.microsoft.com/office/word/2006/arto" xmlns:lc="http://schemas.openxmlformats.org/drawingml/2006/lockedCanvas">
+                <a14:hiddenFill xmlns:lc="http://schemas.openxmlformats.org/drawingml/2006/lockedCanvas" xmlns:arto="http://schemas.microsoft.com/office/word/2006/arto" xmlns="" xmlns:mo="http://schemas.microsoft.com/office/mac/office/2008/main" xmlns:mv="urn:schemas-microsoft-com:mac:vml" xmlns:o="urn:schemas-microsoft-com:office:office" xmlns:v="urn:schemas-microsoft-com:vml" xmlns:w10="urn:schemas-microsoft-com:office:word" xmlns:w="http://schemas.openxmlformats.org/wordprocessingml/2006/main" xmlns:a14="http://schemas.microsoft.com/office/drawing/2010/main" xmlns:w16se="http://schemas.microsoft.com/office/word/2015/wordml/symex" xmlns:w16cid="http://schemas.microsoft.com/office/word/2016/wordml/cid" xmlns:am3d="http://schemas.microsoft.com/office/drawing/2017/model3d" xmlns:aink="http://schemas.microsoft.com/office/drawing/2016/ink" xmlns:cx8="http://schemas.microsoft.com/office/drawing/2016/5/14/chartex" xmlns:cx7="http://schemas.microsoft.com/office/drawing/2016/5/13/chartex" xmlns:cx6="http://schemas.microsoft.com/office/drawing/2016/5/12/chartex" xmlns:cx5="http://schemas.microsoft.com/office/drawing/2016/5/11/chartex" xmlns:cx4="http://schemas.microsoft.com/office/drawing/2016/5/10/chartex" xmlns:cx3="http://schemas.microsoft.com/office/drawing/2016/5/9/chartex" xmlns:cx2="http://schemas.microsoft.com/office/drawing/2015/10/21/chartex" xmlns:cx1="http://schemas.microsoft.com/office/drawing/2015/9/8/chartex" xmlns:cx="http://schemas.microsoft.com/office/drawing/2014/chartex" xmlns:wps="http://schemas.microsoft.com/office/word/2010/wordprocessingShape" xmlns:wne="http://schemas.microsoft.com/office/word/2006/wordml" xmlns:wpi="http://schemas.microsoft.com/office/word/2010/wordprocessingInk" xmlns:wpg="http://schemas.microsoft.com/office/word/2010/wordprocessingGroup" xmlns:w15="http://schemas.microsoft.com/office/word/2012/wordml" xmlns:w14="http://schemas.microsoft.com/office/word/2010/wordml" xmlns:wp="http://schemas.openxmlformats.org/drawingml/2006/wordprocessingDrawing" xmlns:wp14="http://schemas.microsoft.com/office/word/2010/wordprocessingDrawing" xmlns:m="http://schemas.openxmlformats.org/officeDocument/2006/math" xmlns:mc="http://schemas.openxmlformats.org/markup-compatibility/2006" xmlns:wpc="http://schemas.microsoft.com/office/word/2010/wordprocessingCanvas">
                   <a:solidFill>
                     <a:srgbClr val="FFFFFF"/>
                   </a:solidFill>
@@ -3784,17 +3398,9 @@
             </a:bodyPr>
             <a:lstStyle/>
             <a:p>
-              <a:pPr marL="0" marR="0" algn="ctr">
-                <a:spcBef>
-                  <a:spcPts val="0"/>
-                </a:spcBef>
-                <a:spcAft>
-                  <a:spcPts val="0"/>
-                </a:spcAft>
-              </a:pPr>
+              <a:pPr algn="ctr"/>
               <a:r>
                 <a:rPr lang="en-US" sz="1000" b="1">
-                  <a:effectLst/>
                   <a:latin typeface="Times New Roman" panose="02020603050405020304" pitchFamily="18" charset="0"/>
                   <a:ea typeface="Arial Unicode MS" panose="020B0604020202020204" pitchFamily="34" charset="-128"/>
                 </a:rPr>
@@ -3802,21 +3408,18 @@
               </a:r>
               <a:br>
                 <a:rPr lang="en-US" sz="1000" b="1">
-                  <a:effectLst/>
                   <a:latin typeface="Times New Roman" panose="02020603050405020304" pitchFamily="18" charset="0"/>
                   <a:ea typeface="Arial Unicode MS" panose="020B0604020202020204" pitchFamily="34" charset="-128"/>
                 </a:rPr>
               </a:br>
               <a:r>
                 <a:rPr lang="en-US" sz="1000" b="1">
-                  <a:effectLst/>
                   <a:latin typeface="Times New Roman" panose="02020603050405020304" pitchFamily="18" charset="0"/>
                   <a:ea typeface="Arial Unicode MS" panose="020B0604020202020204" pitchFamily="34" charset="-128"/>
                 </a:rPr>
                 <a:t>Clinical Data Source</a:t>
               </a:r>
               <a:endParaRPr lang="en-US" sz="1200">
-                <a:effectLst/>
                 <a:latin typeface="Times New Roman" panose="02020603050405020304" pitchFamily="18" charset="0"/>
                 <a:ea typeface="Times New Roman" panose="02020603050405020304" pitchFamily="18" charset="0"/>
               </a:endParaRPr>
@@ -3851,14 +3454,14 @@
             </a:ln>
             <a:extLst>
               <a:ext uri="{909E8E84-426E-40dd-AFC4-6F175D3DCCD1}">
-                <a14:hiddenFill xmlns:wpc="http://schemas.microsoft.com/office/word/2010/wordprocessingCanvas" xmlns:mc="http://schemas.openxmlformats.org/markup-compatibility/2006" xmlns:m="http://schemas.openxmlformats.org/officeDocument/2006/math" xmlns:wp14="http://schemas.microsoft.com/office/word/2010/wordprocessingDrawing" xmlns:wp="http://schemas.openxmlformats.org/drawingml/2006/wordprocessingDrawing" xmlns:w14="http://schemas.microsoft.com/office/word/2010/wordml" xmlns:w15="http://schemas.microsoft.com/office/word/2012/wordml" xmlns:wpg="http://schemas.microsoft.com/office/word/2010/wordprocessingGroup" xmlns:wpi="http://schemas.microsoft.com/office/word/2010/wordprocessingInk" xmlns:wne="http://schemas.microsoft.com/office/word/2006/wordml" xmlns:wps="http://schemas.microsoft.com/office/word/2010/wordprocessingShape" xmlns:cx="http://schemas.microsoft.com/office/drawing/2014/chartex" xmlns:cx1="http://schemas.microsoft.com/office/drawing/2015/9/8/chartex" xmlns:cx2="http://schemas.microsoft.com/office/drawing/2015/10/21/chartex" xmlns:cx3="http://schemas.microsoft.com/office/drawing/2016/5/9/chartex" xmlns:cx4="http://schemas.microsoft.com/office/drawing/2016/5/10/chartex" xmlns:cx5="http://schemas.microsoft.com/office/drawing/2016/5/11/chartex" xmlns:cx6="http://schemas.microsoft.com/office/drawing/2016/5/12/chartex" xmlns:cx7="http://schemas.microsoft.com/office/drawing/2016/5/13/chartex" xmlns:cx8="http://schemas.microsoft.com/office/drawing/2016/5/14/chartex" xmlns:aink="http://schemas.microsoft.com/office/drawing/2016/ink" xmlns:am3d="http://schemas.microsoft.com/office/drawing/2017/model3d" xmlns:w16cid="http://schemas.microsoft.com/office/word/2016/wordml/cid" xmlns:w16se="http://schemas.microsoft.com/office/word/2015/wordml/symex" xmlns:a14="http://schemas.microsoft.com/office/drawing/2010/main" xmlns:w="http://schemas.openxmlformats.org/wordprocessingml/2006/main" xmlns:w10="urn:schemas-microsoft-com:office:word" xmlns:v="urn:schemas-microsoft-com:vml" xmlns:o="urn:schemas-microsoft-com:office:office" xmlns:mv="urn:schemas-microsoft-com:mac:vml" xmlns:mo="http://schemas.microsoft.com/office/mac/office/2008/main" xmlns="" xmlns:arto="http://schemas.microsoft.com/office/word/2006/arto" xmlns:lc="http://schemas.openxmlformats.org/drawingml/2006/lockedCanvas">
+                <a14:hiddenFill xmlns:lc="http://schemas.openxmlformats.org/drawingml/2006/lockedCanvas" xmlns:arto="http://schemas.microsoft.com/office/word/2006/arto" xmlns="" xmlns:mo="http://schemas.microsoft.com/office/mac/office/2008/main" xmlns:mv="urn:schemas-microsoft-com:mac:vml" xmlns:o="urn:schemas-microsoft-com:office:office" xmlns:v="urn:schemas-microsoft-com:vml" xmlns:w10="urn:schemas-microsoft-com:office:word" xmlns:w="http://schemas.openxmlformats.org/wordprocessingml/2006/main" xmlns:a14="http://schemas.microsoft.com/office/drawing/2010/main" xmlns:w16se="http://schemas.microsoft.com/office/word/2015/wordml/symex" xmlns:w16cid="http://schemas.microsoft.com/office/word/2016/wordml/cid" xmlns:am3d="http://schemas.microsoft.com/office/drawing/2017/model3d" xmlns:aink="http://schemas.microsoft.com/office/drawing/2016/ink" xmlns:cx8="http://schemas.microsoft.com/office/drawing/2016/5/14/chartex" xmlns:cx7="http://schemas.microsoft.com/office/drawing/2016/5/13/chartex" xmlns:cx6="http://schemas.microsoft.com/office/drawing/2016/5/12/chartex" xmlns:cx5="http://schemas.microsoft.com/office/drawing/2016/5/11/chartex" xmlns:cx4="http://schemas.microsoft.com/office/drawing/2016/5/10/chartex" xmlns:cx3="http://schemas.microsoft.com/office/drawing/2016/5/9/chartex" xmlns:cx2="http://schemas.microsoft.com/office/drawing/2015/10/21/chartex" xmlns:cx1="http://schemas.microsoft.com/office/drawing/2015/9/8/chartex" xmlns:cx="http://schemas.microsoft.com/office/drawing/2014/chartex" xmlns:wps="http://schemas.microsoft.com/office/word/2010/wordprocessingShape" xmlns:wne="http://schemas.microsoft.com/office/word/2006/wordml" xmlns:wpi="http://schemas.microsoft.com/office/word/2010/wordprocessingInk" xmlns:wpg="http://schemas.microsoft.com/office/word/2010/wordprocessingGroup" xmlns:w15="http://schemas.microsoft.com/office/word/2012/wordml" xmlns:w14="http://schemas.microsoft.com/office/word/2010/wordml" xmlns:wp="http://schemas.openxmlformats.org/drawingml/2006/wordprocessingDrawing" xmlns:wp14="http://schemas.microsoft.com/office/word/2010/wordprocessingDrawing" xmlns:m="http://schemas.openxmlformats.org/officeDocument/2006/math" xmlns:mc="http://schemas.openxmlformats.org/markup-compatibility/2006" xmlns:wpc="http://schemas.microsoft.com/office/word/2010/wordprocessingCanvas">
                   <a:solidFill>
                     <a:srgbClr val="FFFFFF"/>
                   </a:solidFill>
                 </a14:hiddenFill>
               </a:ext>
               <a:ext uri="{91240B29-F687-4f45-9708-019B960494DF}">
-                <a14:hiddenLine xmlns:wpc="http://schemas.microsoft.com/office/word/2010/wordprocessingCanvas" xmlns:mc="http://schemas.openxmlformats.org/markup-compatibility/2006" xmlns:m="http://schemas.openxmlformats.org/officeDocument/2006/math" xmlns:wp14="http://schemas.microsoft.com/office/word/2010/wordprocessingDrawing" xmlns:wp="http://schemas.openxmlformats.org/drawingml/2006/wordprocessingDrawing" xmlns:w14="http://schemas.microsoft.com/office/word/2010/wordml" xmlns:w15="http://schemas.microsoft.com/office/word/2012/wordml" xmlns:wpg="http://schemas.microsoft.com/office/word/2010/wordprocessingGroup" xmlns:wpi="http://schemas.microsoft.com/office/word/2010/wordprocessingInk" xmlns:wne="http://schemas.microsoft.com/office/word/2006/wordml" xmlns:wps="http://schemas.microsoft.com/office/word/2010/wordprocessingShape" xmlns:cx="http://schemas.microsoft.com/office/drawing/2014/chartex" xmlns:cx1="http://schemas.microsoft.com/office/drawing/2015/9/8/chartex" xmlns:cx2="http://schemas.microsoft.com/office/drawing/2015/10/21/chartex" xmlns:cx3="http://schemas.microsoft.com/office/drawing/2016/5/9/chartex" xmlns:cx4="http://schemas.microsoft.com/office/drawing/2016/5/10/chartex" xmlns:cx5="http://schemas.microsoft.com/office/drawing/2016/5/11/chartex" xmlns:cx6="http://schemas.microsoft.com/office/drawing/2016/5/12/chartex" xmlns:cx7="http://schemas.microsoft.com/office/drawing/2016/5/13/chartex" xmlns:cx8="http://schemas.microsoft.com/office/drawing/2016/5/14/chartex" xmlns:aink="http://schemas.microsoft.com/office/drawing/2016/ink" xmlns:am3d="http://schemas.microsoft.com/office/drawing/2017/model3d" xmlns:w16cid="http://schemas.microsoft.com/office/word/2016/wordml/cid" xmlns:w16se="http://schemas.microsoft.com/office/word/2015/wordml/symex" xmlns:a14="http://schemas.microsoft.com/office/drawing/2010/main" xmlns:w="http://schemas.openxmlformats.org/wordprocessingml/2006/main" xmlns:w10="urn:schemas-microsoft-com:office:word" xmlns:v="urn:schemas-microsoft-com:vml" xmlns:o="urn:schemas-microsoft-com:office:office" xmlns:mv="urn:schemas-microsoft-com:mac:vml" xmlns:mo="http://schemas.microsoft.com/office/mac/office/2008/main" xmlns="" xmlns:arto="http://schemas.microsoft.com/office/word/2006/arto" xmlns:lc="http://schemas.openxmlformats.org/drawingml/2006/lockedCanvas" w="9525">
+                <a14:hiddenLine xmlns:lc="http://schemas.openxmlformats.org/drawingml/2006/lockedCanvas" xmlns:arto="http://schemas.microsoft.com/office/word/2006/arto" xmlns="" xmlns:mo="http://schemas.microsoft.com/office/mac/office/2008/main" xmlns:mv="urn:schemas-microsoft-com:mac:vml" xmlns:o="urn:schemas-microsoft-com:office:office" xmlns:v="urn:schemas-microsoft-com:vml" xmlns:w10="urn:schemas-microsoft-com:office:word" xmlns:w="http://schemas.openxmlformats.org/wordprocessingml/2006/main" xmlns:a14="http://schemas.microsoft.com/office/drawing/2010/main" xmlns:w16se="http://schemas.microsoft.com/office/word/2015/wordml/symex" xmlns:w16cid="http://schemas.microsoft.com/office/word/2016/wordml/cid" xmlns:am3d="http://schemas.microsoft.com/office/drawing/2017/model3d" xmlns:aink="http://schemas.microsoft.com/office/drawing/2016/ink" xmlns:cx8="http://schemas.microsoft.com/office/drawing/2016/5/14/chartex" xmlns:cx7="http://schemas.microsoft.com/office/drawing/2016/5/13/chartex" xmlns:cx6="http://schemas.microsoft.com/office/drawing/2016/5/12/chartex" xmlns:cx5="http://schemas.microsoft.com/office/drawing/2016/5/11/chartex" xmlns:cx4="http://schemas.microsoft.com/office/drawing/2016/5/10/chartex" xmlns:cx3="http://schemas.microsoft.com/office/drawing/2016/5/9/chartex" xmlns:cx2="http://schemas.microsoft.com/office/drawing/2015/10/21/chartex" xmlns:cx1="http://schemas.microsoft.com/office/drawing/2015/9/8/chartex" xmlns:cx="http://schemas.microsoft.com/office/drawing/2014/chartex" xmlns:wps="http://schemas.microsoft.com/office/word/2010/wordprocessingShape" xmlns:wne="http://schemas.microsoft.com/office/word/2006/wordml" xmlns:wpi="http://schemas.microsoft.com/office/word/2010/wordprocessingInk" xmlns:wpg="http://schemas.microsoft.com/office/word/2010/wordprocessingGroup" xmlns:w15="http://schemas.microsoft.com/office/word/2012/wordml" xmlns:w14="http://schemas.microsoft.com/office/word/2010/wordml" xmlns:wp="http://schemas.openxmlformats.org/drawingml/2006/wordprocessingDrawing" xmlns:wp14="http://schemas.microsoft.com/office/word/2010/wordprocessingDrawing" xmlns:m="http://schemas.openxmlformats.org/officeDocument/2006/math" xmlns:mc="http://schemas.openxmlformats.org/markup-compatibility/2006" xmlns:wpc="http://schemas.microsoft.com/office/word/2010/wordprocessingCanvas" w="9525">
                   <a:solidFill>
                     <a:srgbClr val="000000"/>
                   </a:solidFill>
@@ -3875,17 +3478,9 @@
             </a:bodyPr>
             <a:lstStyle/>
             <a:p>
-              <a:pPr marL="0" marR="0" algn="r">
-                <a:spcBef>
-                  <a:spcPts val="0"/>
-                </a:spcBef>
-                <a:spcAft>
-                  <a:spcPts val="0"/>
-                </a:spcAft>
-              </a:pPr>
+              <a:pPr algn="r"/>
               <a:r>
                 <a:rPr lang="it-IT" sz="900">
-                  <a:effectLst/>
                   <a:latin typeface="Times New Roman" panose="02020603050405020304" pitchFamily="18" charset="0"/>
                   <a:ea typeface="Arial Unicode MS" panose="020B0604020202020204" pitchFamily="34" charset="-128"/>
                 </a:rPr>
@@ -3893,37 +3488,30 @@
               </a:r>
               <a:r>
                 <a:rPr lang="it-IT" sz="900">
-                  <a:effectLst/>
                   <a:latin typeface="Times New Roman" panose="02020603050405020304" pitchFamily="18" charset="0"/>
                   <a:ea typeface="Times New Roman" panose="02020603050405020304" pitchFamily="18" charset="0"/>
                 </a:rPr>
                 <a:t>[ITI-43] </a:t>
               </a:r>
               <a:endParaRPr lang="en-US" sz="1200">
-                <a:effectLst/>
                 <a:latin typeface="Times New Roman" panose="02020603050405020304" pitchFamily="18" charset="0"/>
                 <a:ea typeface="Times New Roman" panose="02020603050405020304" pitchFamily="18" charset="0"/>
               </a:endParaRPr>
             </a:p>
             <a:p>
-              <a:pPr marL="0" marR="0" algn="r">
+              <a:pPr algn="r">
                 <a:spcBef>
                   <a:spcPts val="600"/>
                 </a:spcBef>
-                <a:spcAft>
-                  <a:spcPts val="0"/>
-                </a:spcAft>
               </a:pPr>
               <a:r>
                 <a:rPr lang="it-IT" sz="1100">
-                  <a:effectLst/>
                   <a:latin typeface="Arial" panose="020B0604020202020204" pitchFamily="34" charset="0"/>
                   <a:ea typeface="Times New Roman" panose="02020603050405020304" pitchFamily="18" charset="0"/>
                 </a:rPr>
                 <a:t> </a:t>
               </a:r>
               <a:endParaRPr lang="en-US" sz="1200">
-                <a:effectLst/>
                 <a:latin typeface="Times New Roman" panose="02020603050405020304" pitchFamily="18" charset="0"/>
                 <a:ea typeface="Times New Roman" panose="02020603050405020304" pitchFamily="18" charset="0"/>
               </a:endParaRPr>
@@ -3984,7 +3572,7 @@
               </a:ln>
               <a:extLst>
                 <a:ext uri="{909E8E84-426E-40dd-AFC4-6F175D3DCCD1}">
-                  <a14:hiddenFill xmlns:wpc="http://schemas.microsoft.com/office/word/2010/wordprocessingCanvas" xmlns:mc="http://schemas.openxmlformats.org/markup-compatibility/2006" xmlns:m="http://schemas.openxmlformats.org/officeDocument/2006/math" xmlns:wp14="http://schemas.microsoft.com/office/word/2010/wordprocessingDrawing" xmlns:wp="http://schemas.openxmlformats.org/drawingml/2006/wordprocessingDrawing" xmlns:w14="http://schemas.microsoft.com/office/word/2010/wordml" xmlns:w15="http://schemas.microsoft.com/office/word/2012/wordml" xmlns:wpg="http://schemas.microsoft.com/office/word/2010/wordprocessingGroup" xmlns:wpi="http://schemas.microsoft.com/office/word/2010/wordprocessingInk" xmlns:wne="http://schemas.microsoft.com/office/word/2006/wordml" xmlns:wps="http://schemas.microsoft.com/office/word/2010/wordprocessingShape" xmlns:cx="http://schemas.microsoft.com/office/drawing/2014/chartex" xmlns:cx1="http://schemas.microsoft.com/office/drawing/2015/9/8/chartex" xmlns:cx2="http://schemas.microsoft.com/office/drawing/2015/10/21/chartex" xmlns:cx3="http://schemas.microsoft.com/office/drawing/2016/5/9/chartex" xmlns:cx4="http://schemas.microsoft.com/office/drawing/2016/5/10/chartex" xmlns:cx5="http://schemas.microsoft.com/office/drawing/2016/5/11/chartex" xmlns:cx6="http://schemas.microsoft.com/office/drawing/2016/5/12/chartex" xmlns:cx7="http://schemas.microsoft.com/office/drawing/2016/5/13/chartex" xmlns:cx8="http://schemas.microsoft.com/office/drawing/2016/5/14/chartex" xmlns:aink="http://schemas.microsoft.com/office/drawing/2016/ink" xmlns:am3d="http://schemas.microsoft.com/office/drawing/2017/model3d" xmlns:w16cid="http://schemas.microsoft.com/office/word/2016/wordml/cid" xmlns:w16se="http://schemas.microsoft.com/office/word/2015/wordml/symex" xmlns:a14="http://schemas.microsoft.com/office/drawing/2010/main" xmlns:w="http://schemas.openxmlformats.org/wordprocessingml/2006/main" xmlns:w10="urn:schemas-microsoft-com:office:word" xmlns:v="urn:schemas-microsoft-com:vml" xmlns:o="urn:schemas-microsoft-com:office:office" xmlns:mv="urn:schemas-microsoft-com:mac:vml" xmlns:mo="http://schemas.microsoft.com/office/mac/office/2008/main" xmlns="" xmlns:arto="http://schemas.microsoft.com/office/word/2006/arto" xmlns:lc="http://schemas.openxmlformats.org/drawingml/2006/lockedCanvas">
+                  <a14:hiddenFill xmlns:lc="http://schemas.openxmlformats.org/drawingml/2006/lockedCanvas" xmlns:arto="http://schemas.microsoft.com/office/word/2006/arto" xmlns="" xmlns:mo="http://schemas.microsoft.com/office/mac/office/2008/main" xmlns:mv="urn:schemas-microsoft-com:mac:vml" xmlns:o="urn:schemas-microsoft-com:office:office" xmlns:v="urn:schemas-microsoft-com:vml" xmlns:w10="urn:schemas-microsoft-com:office:word" xmlns:w="http://schemas.openxmlformats.org/wordprocessingml/2006/main" xmlns:a14="http://schemas.microsoft.com/office/drawing/2010/main" xmlns:w16se="http://schemas.microsoft.com/office/word/2015/wordml/symex" xmlns:w16cid="http://schemas.microsoft.com/office/word/2016/wordml/cid" xmlns:am3d="http://schemas.microsoft.com/office/drawing/2017/model3d" xmlns:aink="http://schemas.microsoft.com/office/drawing/2016/ink" xmlns:cx8="http://schemas.microsoft.com/office/drawing/2016/5/14/chartex" xmlns:cx7="http://schemas.microsoft.com/office/drawing/2016/5/13/chartex" xmlns:cx6="http://schemas.microsoft.com/office/drawing/2016/5/12/chartex" xmlns:cx5="http://schemas.microsoft.com/office/drawing/2016/5/11/chartex" xmlns:cx4="http://schemas.microsoft.com/office/drawing/2016/5/10/chartex" xmlns:cx3="http://schemas.microsoft.com/office/drawing/2016/5/9/chartex" xmlns:cx2="http://schemas.microsoft.com/office/drawing/2015/10/21/chartex" xmlns:cx1="http://schemas.microsoft.com/office/drawing/2015/9/8/chartex" xmlns:cx="http://schemas.microsoft.com/office/drawing/2014/chartex" xmlns:wps="http://schemas.microsoft.com/office/word/2010/wordprocessingShape" xmlns:wne="http://schemas.microsoft.com/office/word/2006/wordml" xmlns:wpi="http://schemas.microsoft.com/office/word/2010/wordprocessingInk" xmlns:wpg="http://schemas.microsoft.com/office/word/2010/wordprocessingGroup" xmlns:w15="http://schemas.microsoft.com/office/word/2012/wordml" xmlns:w14="http://schemas.microsoft.com/office/word/2010/wordml" xmlns:wp="http://schemas.openxmlformats.org/drawingml/2006/wordprocessingDrawing" xmlns:wp14="http://schemas.microsoft.com/office/word/2010/wordprocessingDrawing" xmlns:m="http://schemas.openxmlformats.org/officeDocument/2006/math" xmlns:mc="http://schemas.openxmlformats.org/markup-compatibility/2006" xmlns:wpc="http://schemas.microsoft.com/office/word/2010/wordprocessingCanvas">
                     <a:noFill/>
                   </a14:hiddenFill>
                 </a:ext>
@@ -4024,7 +3612,7 @@
               </a:ln>
               <a:extLst>
                 <a:ext uri="{909E8E84-426E-40dd-AFC4-6F175D3DCCD1}">
-                  <a14:hiddenFill xmlns:wpc="http://schemas.microsoft.com/office/word/2010/wordprocessingCanvas" xmlns:mc="http://schemas.openxmlformats.org/markup-compatibility/2006" xmlns:m="http://schemas.openxmlformats.org/officeDocument/2006/math" xmlns:wp14="http://schemas.microsoft.com/office/word/2010/wordprocessingDrawing" xmlns:wp="http://schemas.openxmlformats.org/drawingml/2006/wordprocessingDrawing" xmlns:w14="http://schemas.microsoft.com/office/word/2010/wordml" xmlns:w15="http://schemas.microsoft.com/office/word/2012/wordml" xmlns:wpg="http://schemas.microsoft.com/office/word/2010/wordprocessingGroup" xmlns:wpi="http://schemas.microsoft.com/office/word/2010/wordprocessingInk" xmlns:wne="http://schemas.microsoft.com/office/word/2006/wordml" xmlns:wps="http://schemas.microsoft.com/office/word/2010/wordprocessingShape" xmlns:cx="http://schemas.microsoft.com/office/drawing/2014/chartex" xmlns:cx1="http://schemas.microsoft.com/office/drawing/2015/9/8/chartex" xmlns:cx2="http://schemas.microsoft.com/office/drawing/2015/10/21/chartex" xmlns:cx3="http://schemas.microsoft.com/office/drawing/2016/5/9/chartex" xmlns:cx4="http://schemas.microsoft.com/office/drawing/2016/5/10/chartex" xmlns:cx5="http://schemas.microsoft.com/office/drawing/2016/5/11/chartex" xmlns:cx6="http://schemas.microsoft.com/office/drawing/2016/5/12/chartex" xmlns:cx7="http://schemas.microsoft.com/office/drawing/2016/5/13/chartex" xmlns:cx8="http://schemas.microsoft.com/office/drawing/2016/5/14/chartex" xmlns:aink="http://schemas.microsoft.com/office/drawing/2016/ink" xmlns:am3d="http://schemas.microsoft.com/office/drawing/2017/model3d" xmlns:w16cid="http://schemas.microsoft.com/office/word/2016/wordml/cid" xmlns:w16se="http://schemas.microsoft.com/office/word/2015/wordml/symex" xmlns:a14="http://schemas.microsoft.com/office/drawing/2010/main" xmlns:w="http://schemas.openxmlformats.org/wordprocessingml/2006/main" xmlns:w10="urn:schemas-microsoft-com:office:word" xmlns:v="urn:schemas-microsoft-com:vml" xmlns:o="urn:schemas-microsoft-com:office:office" xmlns:mv="urn:schemas-microsoft-com:mac:vml" xmlns:mo="http://schemas.microsoft.com/office/mac/office/2008/main" xmlns="" xmlns:arto="http://schemas.microsoft.com/office/word/2006/arto" xmlns:lc="http://schemas.openxmlformats.org/drawingml/2006/lockedCanvas">
+                  <a14:hiddenFill xmlns:lc="http://schemas.openxmlformats.org/drawingml/2006/lockedCanvas" xmlns:arto="http://schemas.microsoft.com/office/word/2006/arto" xmlns="" xmlns:mo="http://schemas.microsoft.com/office/mac/office/2008/main" xmlns:mv="urn:schemas-microsoft-com:mac:vml" xmlns:o="urn:schemas-microsoft-com:office:office" xmlns:v="urn:schemas-microsoft-com:vml" xmlns:w10="urn:schemas-microsoft-com:office:word" xmlns:w="http://schemas.openxmlformats.org/wordprocessingml/2006/main" xmlns:a14="http://schemas.microsoft.com/office/drawing/2010/main" xmlns:w16se="http://schemas.microsoft.com/office/word/2015/wordml/symex" xmlns:w16cid="http://schemas.microsoft.com/office/word/2016/wordml/cid" xmlns:am3d="http://schemas.microsoft.com/office/drawing/2017/model3d" xmlns:aink="http://schemas.microsoft.com/office/drawing/2016/ink" xmlns:cx8="http://schemas.microsoft.com/office/drawing/2016/5/14/chartex" xmlns:cx7="http://schemas.microsoft.com/office/drawing/2016/5/13/chartex" xmlns:cx6="http://schemas.microsoft.com/office/drawing/2016/5/12/chartex" xmlns:cx5="http://schemas.microsoft.com/office/drawing/2016/5/11/chartex" xmlns:cx4="http://schemas.microsoft.com/office/drawing/2016/5/10/chartex" xmlns:cx3="http://schemas.microsoft.com/office/drawing/2016/5/9/chartex" xmlns:cx2="http://schemas.microsoft.com/office/drawing/2015/10/21/chartex" xmlns:cx1="http://schemas.microsoft.com/office/drawing/2015/9/8/chartex" xmlns:cx="http://schemas.microsoft.com/office/drawing/2014/chartex" xmlns:wps="http://schemas.microsoft.com/office/word/2010/wordprocessingShape" xmlns:wne="http://schemas.microsoft.com/office/word/2006/wordml" xmlns:wpi="http://schemas.microsoft.com/office/word/2010/wordprocessingInk" xmlns:wpg="http://schemas.microsoft.com/office/word/2010/wordprocessingGroup" xmlns:w15="http://schemas.microsoft.com/office/word/2012/wordml" xmlns:w14="http://schemas.microsoft.com/office/word/2010/wordml" xmlns:wp="http://schemas.openxmlformats.org/drawingml/2006/wordprocessingDrawing" xmlns:wp14="http://schemas.microsoft.com/office/word/2010/wordprocessingDrawing" xmlns:m="http://schemas.openxmlformats.org/officeDocument/2006/math" xmlns:mc="http://schemas.openxmlformats.org/markup-compatibility/2006" xmlns:wpc="http://schemas.microsoft.com/office/word/2010/wordprocessingCanvas">
                     <a:noFill/>
                   </a14:hiddenFill>
                 </a:ext>
@@ -4064,7 +3652,7 @@
               </a:ln>
               <a:extLst>
                 <a:ext uri="{909E8E84-426E-40dd-AFC4-6F175D3DCCD1}">
-                  <a14:hiddenFill xmlns:wpc="http://schemas.microsoft.com/office/word/2010/wordprocessingCanvas" xmlns:mc="http://schemas.openxmlformats.org/markup-compatibility/2006" xmlns:m="http://schemas.openxmlformats.org/officeDocument/2006/math" xmlns:wp14="http://schemas.microsoft.com/office/word/2010/wordprocessingDrawing" xmlns:wp="http://schemas.openxmlformats.org/drawingml/2006/wordprocessingDrawing" xmlns:w14="http://schemas.microsoft.com/office/word/2010/wordml" xmlns:w15="http://schemas.microsoft.com/office/word/2012/wordml" xmlns:wpg="http://schemas.microsoft.com/office/word/2010/wordprocessingGroup" xmlns:wpi="http://schemas.microsoft.com/office/word/2010/wordprocessingInk" xmlns:wne="http://schemas.microsoft.com/office/word/2006/wordml" xmlns:wps="http://schemas.microsoft.com/office/word/2010/wordprocessingShape" xmlns:cx="http://schemas.microsoft.com/office/drawing/2014/chartex" xmlns:cx1="http://schemas.microsoft.com/office/drawing/2015/9/8/chartex" xmlns:cx2="http://schemas.microsoft.com/office/drawing/2015/10/21/chartex" xmlns:cx3="http://schemas.microsoft.com/office/drawing/2016/5/9/chartex" xmlns:cx4="http://schemas.microsoft.com/office/drawing/2016/5/10/chartex" xmlns:cx5="http://schemas.microsoft.com/office/drawing/2016/5/11/chartex" xmlns:cx6="http://schemas.microsoft.com/office/drawing/2016/5/12/chartex" xmlns:cx7="http://schemas.microsoft.com/office/drawing/2016/5/13/chartex" xmlns:cx8="http://schemas.microsoft.com/office/drawing/2016/5/14/chartex" xmlns:aink="http://schemas.microsoft.com/office/drawing/2016/ink" xmlns:am3d="http://schemas.microsoft.com/office/drawing/2017/model3d" xmlns:w16cid="http://schemas.microsoft.com/office/word/2016/wordml/cid" xmlns:w16se="http://schemas.microsoft.com/office/word/2015/wordml/symex" xmlns:a14="http://schemas.microsoft.com/office/drawing/2010/main" xmlns:w="http://schemas.openxmlformats.org/wordprocessingml/2006/main" xmlns:w10="urn:schemas-microsoft-com:office:word" xmlns:v="urn:schemas-microsoft-com:vml" xmlns:o="urn:schemas-microsoft-com:office:office" xmlns:mv="urn:schemas-microsoft-com:mac:vml" xmlns:mo="http://schemas.microsoft.com/office/mac/office/2008/main" xmlns="" xmlns:arto="http://schemas.microsoft.com/office/word/2006/arto" xmlns:lc="http://schemas.openxmlformats.org/drawingml/2006/lockedCanvas">
+                  <a14:hiddenFill xmlns:lc="http://schemas.openxmlformats.org/drawingml/2006/lockedCanvas" xmlns:arto="http://schemas.microsoft.com/office/word/2006/arto" xmlns="" xmlns:mo="http://schemas.microsoft.com/office/mac/office/2008/main" xmlns:mv="urn:schemas-microsoft-com:mac:vml" xmlns:o="urn:schemas-microsoft-com:office:office" xmlns:v="urn:schemas-microsoft-com:vml" xmlns:w10="urn:schemas-microsoft-com:office:word" xmlns:w="http://schemas.openxmlformats.org/wordprocessingml/2006/main" xmlns:a14="http://schemas.microsoft.com/office/drawing/2010/main" xmlns:w16se="http://schemas.microsoft.com/office/word/2015/wordml/symex" xmlns:w16cid="http://schemas.microsoft.com/office/word/2016/wordml/cid" xmlns:am3d="http://schemas.microsoft.com/office/drawing/2017/model3d" xmlns:aink="http://schemas.microsoft.com/office/drawing/2016/ink" xmlns:cx8="http://schemas.microsoft.com/office/drawing/2016/5/14/chartex" xmlns:cx7="http://schemas.microsoft.com/office/drawing/2016/5/13/chartex" xmlns:cx6="http://schemas.microsoft.com/office/drawing/2016/5/12/chartex" xmlns:cx5="http://schemas.microsoft.com/office/drawing/2016/5/11/chartex" xmlns:cx4="http://schemas.microsoft.com/office/drawing/2016/5/10/chartex" xmlns:cx3="http://schemas.microsoft.com/office/drawing/2016/5/9/chartex" xmlns:cx2="http://schemas.microsoft.com/office/drawing/2015/10/21/chartex" xmlns:cx1="http://schemas.microsoft.com/office/drawing/2015/9/8/chartex" xmlns:cx="http://schemas.microsoft.com/office/drawing/2014/chartex" xmlns:wps="http://schemas.microsoft.com/office/word/2010/wordprocessingShape" xmlns:wne="http://schemas.microsoft.com/office/word/2006/wordml" xmlns:wpi="http://schemas.microsoft.com/office/word/2010/wordprocessingInk" xmlns:wpg="http://schemas.microsoft.com/office/word/2010/wordprocessingGroup" xmlns:w15="http://schemas.microsoft.com/office/word/2012/wordml" xmlns:w14="http://schemas.microsoft.com/office/word/2010/wordml" xmlns:wp="http://schemas.openxmlformats.org/drawingml/2006/wordprocessingDrawing" xmlns:wp14="http://schemas.microsoft.com/office/word/2010/wordprocessingDrawing" xmlns:m="http://schemas.openxmlformats.org/officeDocument/2006/math" xmlns:mc="http://schemas.openxmlformats.org/markup-compatibility/2006" xmlns:wpc="http://schemas.microsoft.com/office/word/2010/wordprocessingCanvas">
                     <a:noFill/>
                   </a14:hiddenFill>
                 </a:ext>
@@ -4107,7 +3695,7 @@
             </a:ln>
             <a:extLst>
               <a:ext uri="{909E8E84-426E-40dd-AFC4-6F175D3DCCD1}">
-                <a14:hiddenFill xmlns:wpc="http://schemas.microsoft.com/office/word/2010/wordprocessingCanvas" xmlns:mc="http://schemas.openxmlformats.org/markup-compatibility/2006" xmlns:m="http://schemas.openxmlformats.org/officeDocument/2006/math" xmlns:wp14="http://schemas.microsoft.com/office/word/2010/wordprocessingDrawing" xmlns:wp="http://schemas.openxmlformats.org/drawingml/2006/wordprocessingDrawing" xmlns:w14="http://schemas.microsoft.com/office/word/2010/wordml" xmlns:w15="http://schemas.microsoft.com/office/word/2012/wordml" xmlns:wpg="http://schemas.microsoft.com/office/word/2010/wordprocessingGroup" xmlns:wpi="http://schemas.microsoft.com/office/word/2010/wordprocessingInk" xmlns:wne="http://schemas.microsoft.com/office/word/2006/wordml" xmlns:wps="http://schemas.microsoft.com/office/word/2010/wordprocessingShape" xmlns:cx="http://schemas.microsoft.com/office/drawing/2014/chartex" xmlns:cx1="http://schemas.microsoft.com/office/drawing/2015/9/8/chartex" xmlns:cx2="http://schemas.microsoft.com/office/drawing/2015/10/21/chartex" xmlns:cx3="http://schemas.microsoft.com/office/drawing/2016/5/9/chartex" xmlns:cx4="http://schemas.microsoft.com/office/drawing/2016/5/10/chartex" xmlns:cx5="http://schemas.microsoft.com/office/drawing/2016/5/11/chartex" xmlns:cx6="http://schemas.microsoft.com/office/drawing/2016/5/12/chartex" xmlns:cx7="http://schemas.microsoft.com/office/drawing/2016/5/13/chartex" xmlns:cx8="http://schemas.microsoft.com/office/drawing/2016/5/14/chartex" xmlns:aink="http://schemas.microsoft.com/office/drawing/2016/ink" xmlns:am3d="http://schemas.microsoft.com/office/drawing/2017/model3d" xmlns:w16cid="http://schemas.microsoft.com/office/word/2016/wordml/cid" xmlns:w16se="http://schemas.microsoft.com/office/word/2015/wordml/symex" xmlns:a14="http://schemas.microsoft.com/office/drawing/2010/main" xmlns:w="http://schemas.openxmlformats.org/wordprocessingml/2006/main" xmlns:w10="urn:schemas-microsoft-com:office:word" xmlns:v="urn:schemas-microsoft-com:vml" xmlns:o="urn:schemas-microsoft-com:office:office" xmlns:mv="urn:schemas-microsoft-com:mac:vml" xmlns:mo="http://schemas.microsoft.com/office/mac/office/2008/main" xmlns="" xmlns:arto="http://schemas.microsoft.com/office/word/2006/arto" xmlns:lc="http://schemas.openxmlformats.org/drawingml/2006/lockedCanvas">
+                <a14:hiddenFill xmlns:lc="http://schemas.openxmlformats.org/drawingml/2006/lockedCanvas" xmlns:arto="http://schemas.microsoft.com/office/word/2006/arto" xmlns="" xmlns:mo="http://schemas.microsoft.com/office/mac/office/2008/main" xmlns:mv="urn:schemas-microsoft-com:mac:vml" xmlns:o="urn:schemas-microsoft-com:office:office" xmlns:v="urn:schemas-microsoft-com:vml" xmlns:w10="urn:schemas-microsoft-com:office:word" xmlns:w="http://schemas.openxmlformats.org/wordprocessingml/2006/main" xmlns:a14="http://schemas.microsoft.com/office/drawing/2010/main" xmlns:w16se="http://schemas.microsoft.com/office/word/2015/wordml/symex" xmlns:w16cid="http://schemas.microsoft.com/office/word/2016/wordml/cid" xmlns:am3d="http://schemas.microsoft.com/office/drawing/2017/model3d" xmlns:aink="http://schemas.microsoft.com/office/drawing/2016/ink" xmlns:cx8="http://schemas.microsoft.com/office/drawing/2016/5/14/chartex" xmlns:cx7="http://schemas.microsoft.com/office/drawing/2016/5/13/chartex" xmlns:cx6="http://schemas.microsoft.com/office/drawing/2016/5/12/chartex" xmlns:cx5="http://schemas.microsoft.com/office/drawing/2016/5/11/chartex" xmlns:cx4="http://schemas.microsoft.com/office/drawing/2016/5/10/chartex" xmlns:cx3="http://schemas.microsoft.com/office/drawing/2016/5/9/chartex" xmlns:cx2="http://schemas.microsoft.com/office/drawing/2015/10/21/chartex" xmlns:cx1="http://schemas.microsoft.com/office/drawing/2015/9/8/chartex" xmlns:cx="http://schemas.microsoft.com/office/drawing/2014/chartex" xmlns:wps="http://schemas.microsoft.com/office/word/2010/wordprocessingShape" xmlns:wne="http://schemas.microsoft.com/office/word/2006/wordml" xmlns:wpi="http://schemas.microsoft.com/office/word/2010/wordprocessingInk" xmlns:wpg="http://schemas.microsoft.com/office/word/2010/wordprocessingGroup" xmlns:w15="http://schemas.microsoft.com/office/word/2012/wordml" xmlns:w14="http://schemas.microsoft.com/office/word/2010/wordml" xmlns:wp="http://schemas.openxmlformats.org/drawingml/2006/wordprocessingDrawing" xmlns:wp14="http://schemas.microsoft.com/office/word/2010/wordprocessingDrawing" xmlns:m="http://schemas.openxmlformats.org/officeDocument/2006/math" xmlns:mc="http://schemas.openxmlformats.org/markup-compatibility/2006" xmlns:wpc="http://schemas.microsoft.com/office/word/2010/wordprocessingCanvas">
                   <a:noFill/>
                 </a14:hiddenFill>
               </a:ext>
@@ -4142,14 +3730,14 @@
             </a:ln>
             <a:extLst>
               <a:ext uri="{909E8E84-426E-40dd-AFC4-6F175D3DCCD1}">
-                <a14:hiddenFill xmlns:wpc="http://schemas.microsoft.com/office/word/2010/wordprocessingCanvas" xmlns:mc="http://schemas.openxmlformats.org/markup-compatibility/2006" xmlns:m="http://schemas.openxmlformats.org/officeDocument/2006/math" xmlns:wp14="http://schemas.microsoft.com/office/word/2010/wordprocessingDrawing" xmlns:wp="http://schemas.openxmlformats.org/drawingml/2006/wordprocessingDrawing" xmlns:w14="http://schemas.microsoft.com/office/word/2010/wordml" xmlns:w15="http://schemas.microsoft.com/office/word/2012/wordml" xmlns:wpg="http://schemas.microsoft.com/office/word/2010/wordprocessingGroup" xmlns:wpi="http://schemas.microsoft.com/office/word/2010/wordprocessingInk" xmlns:wne="http://schemas.microsoft.com/office/word/2006/wordml" xmlns:wps="http://schemas.microsoft.com/office/word/2010/wordprocessingShape" xmlns:cx="http://schemas.microsoft.com/office/drawing/2014/chartex" xmlns:cx1="http://schemas.microsoft.com/office/drawing/2015/9/8/chartex" xmlns:cx2="http://schemas.microsoft.com/office/drawing/2015/10/21/chartex" xmlns:cx3="http://schemas.microsoft.com/office/drawing/2016/5/9/chartex" xmlns:cx4="http://schemas.microsoft.com/office/drawing/2016/5/10/chartex" xmlns:cx5="http://schemas.microsoft.com/office/drawing/2016/5/11/chartex" xmlns:cx6="http://schemas.microsoft.com/office/drawing/2016/5/12/chartex" xmlns:cx7="http://schemas.microsoft.com/office/drawing/2016/5/13/chartex" xmlns:cx8="http://schemas.microsoft.com/office/drawing/2016/5/14/chartex" xmlns:aink="http://schemas.microsoft.com/office/drawing/2016/ink" xmlns:am3d="http://schemas.microsoft.com/office/drawing/2017/model3d" xmlns:w16cid="http://schemas.microsoft.com/office/word/2016/wordml/cid" xmlns:w16se="http://schemas.microsoft.com/office/word/2015/wordml/symex" xmlns:a14="http://schemas.microsoft.com/office/drawing/2010/main" xmlns:w="http://schemas.openxmlformats.org/wordprocessingml/2006/main" xmlns:w10="urn:schemas-microsoft-com:office:word" xmlns:v="urn:schemas-microsoft-com:vml" xmlns:o="urn:schemas-microsoft-com:office:office" xmlns:mv="urn:schemas-microsoft-com:mac:vml" xmlns:mo="http://schemas.microsoft.com/office/mac/office/2008/main" xmlns="" xmlns:arto="http://schemas.microsoft.com/office/word/2006/arto" xmlns:lc="http://schemas.openxmlformats.org/drawingml/2006/lockedCanvas">
+                <a14:hiddenFill xmlns:lc="http://schemas.openxmlformats.org/drawingml/2006/lockedCanvas" xmlns:arto="http://schemas.microsoft.com/office/word/2006/arto" xmlns="" xmlns:mo="http://schemas.microsoft.com/office/mac/office/2008/main" xmlns:mv="urn:schemas-microsoft-com:mac:vml" xmlns:o="urn:schemas-microsoft-com:office:office" xmlns:v="urn:schemas-microsoft-com:vml" xmlns:w10="urn:schemas-microsoft-com:office:word" xmlns:w="http://schemas.openxmlformats.org/wordprocessingml/2006/main" xmlns:a14="http://schemas.microsoft.com/office/drawing/2010/main" xmlns:w16se="http://schemas.microsoft.com/office/word/2015/wordml/symex" xmlns:w16cid="http://schemas.microsoft.com/office/word/2016/wordml/cid" xmlns:am3d="http://schemas.microsoft.com/office/drawing/2017/model3d" xmlns:aink="http://schemas.microsoft.com/office/drawing/2016/ink" xmlns:cx8="http://schemas.microsoft.com/office/drawing/2016/5/14/chartex" xmlns:cx7="http://schemas.microsoft.com/office/drawing/2016/5/13/chartex" xmlns:cx6="http://schemas.microsoft.com/office/drawing/2016/5/12/chartex" xmlns:cx5="http://schemas.microsoft.com/office/drawing/2016/5/11/chartex" xmlns:cx4="http://schemas.microsoft.com/office/drawing/2016/5/10/chartex" xmlns:cx3="http://schemas.microsoft.com/office/drawing/2016/5/9/chartex" xmlns:cx2="http://schemas.microsoft.com/office/drawing/2015/10/21/chartex" xmlns:cx1="http://schemas.microsoft.com/office/drawing/2015/9/8/chartex" xmlns:cx="http://schemas.microsoft.com/office/drawing/2014/chartex" xmlns:wps="http://schemas.microsoft.com/office/word/2010/wordprocessingShape" xmlns:wne="http://schemas.microsoft.com/office/word/2006/wordml" xmlns:wpi="http://schemas.microsoft.com/office/word/2010/wordprocessingInk" xmlns:wpg="http://schemas.microsoft.com/office/word/2010/wordprocessingGroup" xmlns:w15="http://schemas.microsoft.com/office/word/2012/wordml" xmlns:w14="http://schemas.microsoft.com/office/word/2010/wordml" xmlns:wp="http://schemas.openxmlformats.org/drawingml/2006/wordprocessingDrawing" xmlns:wp14="http://schemas.microsoft.com/office/word/2010/wordprocessingDrawing" xmlns:m="http://schemas.openxmlformats.org/officeDocument/2006/math" xmlns:mc="http://schemas.openxmlformats.org/markup-compatibility/2006" xmlns:wpc="http://schemas.microsoft.com/office/word/2010/wordprocessingCanvas">
                   <a:solidFill>
                     <a:srgbClr val="FFFFFF"/>
                   </a:solidFill>
                 </a14:hiddenFill>
               </a:ext>
               <a:ext uri="{91240B29-F687-4f45-9708-019B960494DF}">
-                <a14:hiddenLine xmlns:wpc="http://schemas.microsoft.com/office/word/2010/wordprocessingCanvas" xmlns:mc="http://schemas.openxmlformats.org/markup-compatibility/2006" xmlns:m="http://schemas.openxmlformats.org/officeDocument/2006/math" xmlns:wp14="http://schemas.microsoft.com/office/word/2010/wordprocessingDrawing" xmlns:wp="http://schemas.openxmlformats.org/drawingml/2006/wordprocessingDrawing" xmlns:w14="http://schemas.microsoft.com/office/word/2010/wordml" xmlns:w15="http://schemas.microsoft.com/office/word/2012/wordml" xmlns:wpg="http://schemas.microsoft.com/office/word/2010/wordprocessingGroup" xmlns:wpi="http://schemas.microsoft.com/office/word/2010/wordprocessingInk" xmlns:wne="http://schemas.microsoft.com/office/word/2006/wordml" xmlns:wps="http://schemas.microsoft.com/office/word/2010/wordprocessingShape" xmlns:cx="http://schemas.microsoft.com/office/drawing/2014/chartex" xmlns:cx1="http://schemas.microsoft.com/office/drawing/2015/9/8/chartex" xmlns:cx2="http://schemas.microsoft.com/office/drawing/2015/10/21/chartex" xmlns:cx3="http://schemas.microsoft.com/office/drawing/2016/5/9/chartex" xmlns:cx4="http://schemas.microsoft.com/office/drawing/2016/5/10/chartex" xmlns:cx5="http://schemas.microsoft.com/office/drawing/2016/5/11/chartex" xmlns:cx6="http://schemas.microsoft.com/office/drawing/2016/5/12/chartex" xmlns:cx7="http://schemas.microsoft.com/office/drawing/2016/5/13/chartex" xmlns:cx8="http://schemas.microsoft.com/office/drawing/2016/5/14/chartex" xmlns:aink="http://schemas.microsoft.com/office/drawing/2016/ink" xmlns:am3d="http://schemas.microsoft.com/office/drawing/2017/model3d" xmlns:w16cid="http://schemas.microsoft.com/office/word/2016/wordml/cid" xmlns:w16se="http://schemas.microsoft.com/office/word/2015/wordml/symex" xmlns:a14="http://schemas.microsoft.com/office/drawing/2010/main" xmlns:w="http://schemas.openxmlformats.org/wordprocessingml/2006/main" xmlns:w10="urn:schemas-microsoft-com:office:word" xmlns:v="urn:schemas-microsoft-com:vml" xmlns:o="urn:schemas-microsoft-com:office:office" xmlns:mv="urn:schemas-microsoft-com:mac:vml" xmlns:mo="http://schemas.microsoft.com/office/mac/office/2008/main" xmlns="" xmlns:arto="http://schemas.microsoft.com/office/word/2006/arto" xmlns:lc="http://schemas.openxmlformats.org/drawingml/2006/lockedCanvas" w="9525">
+                <a14:hiddenLine xmlns:lc="http://schemas.openxmlformats.org/drawingml/2006/lockedCanvas" xmlns:arto="http://schemas.microsoft.com/office/word/2006/arto" xmlns="" xmlns:mo="http://schemas.microsoft.com/office/mac/office/2008/main" xmlns:mv="urn:schemas-microsoft-com:mac:vml" xmlns:o="urn:schemas-microsoft-com:office:office" xmlns:v="urn:schemas-microsoft-com:vml" xmlns:w10="urn:schemas-microsoft-com:office:word" xmlns:w="http://schemas.openxmlformats.org/wordprocessingml/2006/main" xmlns:a14="http://schemas.microsoft.com/office/drawing/2010/main" xmlns:w16se="http://schemas.microsoft.com/office/word/2015/wordml/symex" xmlns:w16cid="http://schemas.microsoft.com/office/word/2016/wordml/cid" xmlns:am3d="http://schemas.microsoft.com/office/drawing/2017/model3d" xmlns:aink="http://schemas.microsoft.com/office/drawing/2016/ink" xmlns:cx8="http://schemas.microsoft.com/office/drawing/2016/5/14/chartex" xmlns:cx7="http://schemas.microsoft.com/office/drawing/2016/5/13/chartex" xmlns:cx6="http://schemas.microsoft.com/office/drawing/2016/5/12/chartex" xmlns:cx5="http://schemas.microsoft.com/office/drawing/2016/5/11/chartex" xmlns:cx4="http://schemas.microsoft.com/office/drawing/2016/5/10/chartex" xmlns:cx3="http://schemas.microsoft.com/office/drawing/2016/5/9/chartex" xmlns:cx2="http://schemas.microsoft.com/office/drawing/2015/10/21/chartex" xmlns:cx1="http://schemas.microsoft.com/office/drawing/2015/9/8/chartex" xmlns:cx="http://schemas.microsoft.com/office/drawing/2014/chartex" xmlns:wps="http://schemas.microsoft.com/office/word/2010/wordprocessingShape" xmlns:wne="http://schemas.microsoft.com/office/word/2006/wordml" xmlns:wpi="http://schemas.microsoft.com/office/word/2010/wordprocessingInk" xmlns:wpg="http://schemas.microsoft.com/office/word/2010/wordprocessingGroup" xmlns:w15="http://schemas.microsoft.com/office/word/2012/wordml" xmlns:w14="http://schemas.microsoft.com/office/word/2010/wordml" xmlns:wp="http://schemas.openxmlformats.org/drawingml/2006/wordprocessingDrawing" xmlns:wp14="http://schemas.microsoft.com/office/word/2010/wordprocessingDrawing" xmlns:m="http://schemas.openxmlformats.org/officeDocument/2006/math" xmlns:mc="http://schemas.openxmlformats.org/markup-compatibility/2006" xmlns:wpc="http://schemas.microsoft.com/office/word/2010/wordprocessingCanvas" w="9525">
                   <a:solidFill>
                     <a:srgbClr val="000000"/>
                   </a:solidFill>
@@ -4166,17 +3754,8 @@
             </a:bodyPr>
             <a:lstStyle/>
             <a:p>
-              <a:pPr marL="0" marR="0">
-                <a:spcBef>
-                  <a:spcPts val="0"/>
-                </a:spcBef>
-                <a:spcAft>
-                  <a:spcPts val="0"/>
-                </a:spcAft>
-              </a:pPr>
               <a:r>
                 <a:rPr lang="it-IT" sz="900">
-                  <a:effectLst/>
                   <a:latin typeface="Times New Roman" panose="02020603050405020304" pitchFamily="18" charset="0"/>
                   <a:ea typeface="Arial Unicode MS" panose="020B0604020202020204" pitchFamily="34" charset="-128"/>
                 </a:rPr>
@@ -4184,14 +3763,12 @@
               </a:r>
               <a:br>
                 <a:rPr lang="it-IT" sz="900">
-                  <a:effectLst/>
                   <a:latin typeface="Times New Roman" panose="02020603050405020304" pitchFamily="18" charset="0"/>
                   <a:ea typeface="Arial Unicode MS" panose="020B0604020202020204" pitchFamily="34" charset="-128"/>
                 </a:rPr>
               </a:br>
               <a:r>
                 <a:rPr lang="it-IT" sz="900">
-                  <a:effectLst/>
                   <a:latin typeface="Times New Roman" panose="02020603050405020304" pitchFamily="18" charset="0"/>
                   <a:ea typeface="Arial Unicode MS" panose="020B0604020202020204" pitchFamily="34" charset="-128"/>
                 </a:rPr>
@@ -4199,44 +3776,36 @@
               </a:r>
               <a:br>
                 <a:rPr lang="it-IT" sz="900">
-                  <a:effectLst/>
                   <a:latin typeface="Times New Roman" panose="02020603050405020304" pitchFamily="18" charset="0"/>
                   <a:ea typeface="Arial Unicode MS" panose="020B0604020202020204" pitchFamily="34" charset="-128"/>
                 </a:rPr>
               </a:br>
               <a:r>
                 <a:rPr lang="it-IT" sz="900">
-                  <a:effectLst/>
                   <a:latin typeface="Times New Roman" panose="02020603050405020304" pitchFamily="18" charset="0"/>
                   <a:ea typeface="Times New Roman" panose="02020603050405020304" pitchFamily="18" charset="0"/>
                 </a:rPr>
                 <a:t>[ITI-68] </a:t>
               </a:r>
               <a:endParaRPr lang="en-US" sz="1200">
-                <a:effectLst/>
                 <a:latin typeface="Times New Roman" panose="02020603050405020304" pitchFamily="18" charset="0"/>
                 <a:ea typeface="Times New Roman" panose="02020603050405020304" pitchFamily="18" charset="0"/>
               </a:endParaRPr>
             </a:p>
             <a:p>
-              <a:pPr marL="0" marR="0">
+              <a:pPr>
                 <a:spcBef>
                   <a:spcPts val="600"/>
                 </a:spcBef>
-                <a:spcAft>
-                  <a:spcPts val="0"/>
-                </a:spcAft>
               </a:pPr>
               <a:r>
                 <a:rPr lang="it-IT" sz="1100">
-                  <a:effectLst/>
                   <a:latin typeface="Arial" panose="020B0604020202020204" pitchFamily="34" charset="0"/>
                   <a:ea typeface="Times New Roman" panose="02020603050405020304" pitchFamily="18" charset="0"/>
                 </a:rPr>
                 <a:t> </a:t>
               </a:r>
               <a:endParaRPr lang="en-US" sz="1200">
-                <a:effectLst/>
                 <a:latin typeface="Times New Roman" panose="02020603050405020304" pitchFamily="18" charset="0"/>
                 <a:ea typeface="Times New Roman" panose="02020603050405020304" pitchFamily="18" charset="0"/>
               </a:endParaRPr>
@@ -4271,14 +3840,14 @@
             </a:ln>
             <a:extLst>
               <a:ext uri="{909E8E84-426E-40dd-AFC4-6F175D3DCCD1}">
-                <a14:hiddenFill xmlns:wpc="http://schemas.microsoft.com/office/word/2010/wordprocessingCanvas" xmlns:mc="http://schemas.openxmlformats.org/markup-compatibility/2006" xmlns:m="http://schemas.openxmlformats.org/officeDocument/2006/math" xmlns:wp14="http://schemas.microsoft.com/office/word/2010/wordprocessingDrawing" xmlns:wp="http://schemas.openxmlformats.org/drawingml/2006/wordprocessingDrawing" xmlns:w14="http://schemas.microsoft.com/office/word/2010/wordml" xmlns:w15="http://schemas.microsoft.com/office/word/2012/wordml" xmlns:wpg="http://schemas.microsoft.com/office/word/2010/wordprocessingGroup" xmlns:wpi="http://schemas.microsoft.com/office/word/2010/wordprocessingInk" xmlns:wne="http://schemas.microsoft.com/office/word/2006/wordml" xmlns:wps="http://schemas.microsoft.com/office/word/2010/wordprocessingShape" xmlns:cx="http://schemas.microsoft.com/office/drawing/2014/chartex" xmlns:cx1="http://schemas.microsoft.com/office/drawing/2015/9/8/chartex" xmlns:cx2="http://schemas.microsoft.com/office/drawing/2015/10/21/chartex" xmlns:cx3="http://schemas.microsoft.com/office/drawing/2016/5/9/chartex" xmlns:cx4="http://schemas.microsoft.com/office/drawing/2016/5/10/chartex" xmlns:cx5="http://schemas.microsoft.com/office/drawing/2016/5/11/chartex" xmlns:cx6="http://schemas.microsoft.com/office/drawing/2016/5/12/chartex" xmlns:cx7="http://schemas.microsoft.com/office/drawing/2016/5/13/chartex" xmlns:cx8="http://schemas.microsoft.com/office/drawing/2016/5/14/chartex" xmlns:aink="http://schemas.microsoft.com/office/drawing/2016/ink" xmlns:am3d="http://schemas.microsoft.com/office/drawing/2017/model3d" xmlns:w16cid="http://schemas.microsoft.com/office/word/2016/wordml/cid" xmlns:w16se="http://schemas.microsoft.com/office/word/2015/wordml/symex" xmlns:a14="http://schemas.microsoft.com/office/drawing/2010/main" xmlns:w="http://schemas.openxmlformats.org/wordprocessingml/2006/main" xmlns:w10="urn:schemas-microsoft-com:office:word" xmlns:v="urn:schemas-microsoft-com:vml" xmlns:o="urn:schemas-microsoft-com:office:office" xmlns:mv="urn:schemas-microsoft-com:mac:vml" xmlns:mo="http://schemas.microsoft.com/office/mac/office/2008/main" xmlns="" xmlns:arto="http://schemas.microsoft.com/office/word/2006/arto" xmlns:lc="http://schemas.openxmlformats.org/drawingml/2006/lockedCanvas">
+                <a14:hiddenFill xmlns:lc="http://schemas.openxmlformats.org/drawingml/2006/lockedCanvas" xmlns:arto="http://schemas.microsoft.com/office/word/2006/arto" xmlns="" xmlns:mo="http://schemas.microsoft.com/office/mac/office/2008/main" xmlns:mv="urn:schemas-microsoft-com:mac:vml" xmlns:o="urn:schemas-microsoft-com:office:office" xmlns:v="urn:schemas-microsoft-com:vml" xmlns:w10="urn:schemas-microsoft-com:office:word" xmlns:w="http://schemas.openxmlformats.org/wordprocessingml/2006/main" xmlns:a14="http://schemas.microsoft.com/office/drawing/2010/main" xmlns:w16se="http://schemas.microsoft.com/office/word/2015/wordml/symex" xmlns:w16cid="http://schemas.microsoft.com/office/word/2016/wordml/cid" xmlns:am3d="http://schemas.microsoft.com/office/drawing/2017/model3d" xmlns:aink="http://schemas.microsoft.com/office/drawing/2016/ink" xmlns:cx8="http://schemas.microsoft.com/office/drawing/2016/5/14/chartex" xmlns:cx7="http://schemas.microsoft.com/office/drawing/2016/5/13/chartex" xmlns:cx6="http://schemas.microsoft.com/office/drawing/2016/5/12/chartex" xmlns:cx5="http://schemas.microsoft.com/office/drawing/2016/5/11/chartex" xmlns:cx4="http://schemas.microsoft.com/office/drawing/2016/5/10/chartex" xmlns:cx3="http://schemas.microsoft.com/office/drawing/2016/5/9/chartex" xmlns:cx2="http://schemas.microsoft.com/office/drawing/2015/10/21/chartex" xmlns:cx1="http://schemas.microsoft.com/office/drawing/2015/9/8/chartex" xmlns:cx="http://schemas.microsoft.com/office/drawing/2014/chartex" xmlns:wps="http://schemas.microsoft.com/office/word/2010/wordprocessingShape" xmlns:wne="http://schemas.microsoft.com/office/word/2006/wordml" xmlns:wpi="http://schemas.microsoft.com/office/word/2010/wordprocessingInk" xmlns:wpg="http://schemas.microsoft.com/office/word/2010/wordprocessingGroup" xmlns:w15="http://schemas.microsoft.com/office/word/2012/wordml" xmlns:w14="http://schemas.microsoft.com/office/word/2010/wordml" xmlns:wp="http://schemas.openxmlformats.org/drawingml/2006/wordprocessingDrawing" xmlns:wp14="http://schemas.microsoft.com/office/word/2010/wordprocessingDrawing" xmlns:m="http://schemas.openxmlformats.org/officeDocument/2006/math" xmlns:mc="http://schemas.openxmlformats.org/markup-compatibility/2006" xmlns:wpc="http://schemas.microsoft.com/office/word/2010/wordprocessingCanvas">
                   <a:solidFill>
                     <a:srgbClr val="FFFFFF"/>
                   </a:solidFill>
                 </a14:hiddenFill>
               </a:ext>
               <a:ext uri="{91240B29-F687-4f45-9708-019B960494DF}">
-                <a14:hiddenLine xmlns:wpc="http://schemas.microsoft.com/office/word/2010/wordprocessingCanvas" xmlns:mc="http://schemas.openxmlformats.org/markup-compatibility/2006" xmlns:m="http://schemas.openxmlformats.org/officeDocument/2006/math" xmlns:wp14="http://schemas.microsoft.com/office/word/2010/wordprocessingDrawing" xmlns:wp="http://schemas.openxmlformats.org/drawingml/2006/wordprocessingDrawing" xmlns:w14="http://schemas.microsoft.com/office/word/2010/wordml" xmlns:w15="http://schemas.microsoft.com/office/word/2012/wordml" xmlns:wpg="http://schemas.microsoft.com/office/word/2010/wordprocessingGroup" xmlns:wpi="http://schemas.microsoft.com/office/word/2010/wordprocessingInk" xmlns:wne="http://schemas.microsoft.com/office/word/2006/wordml" xmlns:wps="http://schemas.microsoft.com/office/word/2010/wordprocessingShape" xmlns:cx="http://schemas.microsoft.com/office/drawing/2014/chartex" xmlns:cx1="http://schemas.microsoft.com/office/drawing/2015/9/8/chartex" xmlns:cx2="http://schemas.microsoft.com/office/drawing/2015/10/21/chartex" xmlns:cx3="http://schemas.microsoft.com/office/drawing/2016/5/9/chartex" xmlns:cx4="http://schemas.microsoft.com/office/drawing/2016/5/10/chartex" xmlns:cx5="http://schemas.microsoft.com/office/drawing/2016/5/11/chartex" xmlns:cx6="http://schemas.microsoft.com/office/drawing/2016/5/12/chartex" xmlns:cx7="http://schemas.microsoft.com/office/drawing/2016/5/13/chartex" xmlns:cx8="http://schemas.microsoft.com/office/drawing/2016/5/14/chartex" xmlns:aink="http://schemas.microsoft.com/office/drawing/2016/ink" xmlns:am3d="http://schemas.microsoft.com/office/drawing/2017/model3d" xmlns:w16cid="http://schemas.microsoft.com/office/word/2016/wordml/cid" xmlns:w16se="http://schemas.microsoft.com/office/word/2015/wordml/symex" xmlns:a14="http://schemas.microsoft.com/office/drawing/2010/main" xmlns:w="http://schemas.openxmlformats.org/wordprocessingml/2006/main" xmlns:w10="urn:schemas-microsoft-com:office:word" xmlns:v="urn:schemas-microsoft-com:vml" xmlns:o="urn:schemas-microsoft-com:office:office" xmlns:mv="urn:schemas-microsoft-com:mac:vml" xmlns:mo="http://schemas.microsoft.com/office/mac/office/2008/main" xmlns="" xmlns:arto="http://schemas.microsoft.com/office/word/2006/arto" xmlns:lc="http://schemas.openxmlformats.org/drawingml/2006/lockedCanvas" w="9525">
+                <a14:hiddenLine xmlns:lc="http://schemas.openxmlformats.org/drawingml/2006/lockedCanvas" xmlns:arto="http://schemas.microsoft.com/office/word/2006/arto" xmlns="" xmlns:mo="http://schemas.microsoft.com/office/mac/office/2008/main" xmlns:mv="urn:schemas-microsoft-com:mac:vml" xmlns:o="urn:schemas-microsoft-com:office:office" xmlns:v="urn:schemas-microsoft-com:vml" xmlns:w10="urn:schemas-microsoft-com:office:word" xmlns:w="http://schemas.openxmlformats.org/wordprocessingml/2006/main" xmlns:a14="http://schemas.microsoft.com/office/drawing/2010/main" xmlns:w16se="http://schemas.microsoft.com/office/word/2015/wordml/symex" xmlns:w16cid="http://schemas.microsoft.com/office/word/2016/wordml/cid" xmlns:am3d="http://schemas.microsoft.com/office/drawing/2017/model3d" xmlns:aink="http://schemas.microsoft.com/office/drawing/2016/ink" xmlns:cx8="http://schemas.microsoft.com/office/drawing/2016/5/14/chartex" xmlns:cx7="http://schemas.microsoft.com/office/drawing/2016/5/13/chartex" xmlns:cx6="http://schemas.microsoft.com/office/drawing/2016/5/12/chartex" xmlns:cx5="http://schemas.microsoft.com/office/drawing/2016/5/11/chartex" xmlns:cx4="http://schemas.microsoft.com/office/drawing/2016/5/10/chartex" xmlns:cx3="http://schemas.microsoft.com/office/drawing/2016/5/9/chartex" xmlns:cx2="http://schemas.microsoft.com/office/drawing/2015/10/21/chartex" xmlns:cx1="http://schemas.microsoft.com/office/drawing/2015/9/8/chartex" xmlns:cx="http://schemas.microsoft.com/office/drawing/2014/chartex" xmlns:wps="http://schemas.microsoft.com/office/word/2010/wordprocessingShape" xmlns:wne="http://schemas.microsoft.com/office/word/2006/wordml" xmlns:wpi="http://schemas.microsoft.com/office/word/2010/wordprocessingInk" xmlns:wpg="http://schemas.microsoft.com/office/word/2010/wordprocessingGroup" xmlns:w15="http://schemas.microsoft.com/office/word/2012/wordml" xmlns:w14="http://schemas.microsoft.com/office/word/2010/wordml" xmlns:wp="http://schemas.openxmlformats.org/drawingml/2006/wordprocessingDrawing" xmlns:wp14="http://schemas.microsoft.com/office/word/2010/wordprocessingDrawing" xmlns:m="http://schemas.openxmlformats.org/officeDocument/2006/math" xmlns:mc="http://schemas.openxmlformats.org/markup-compatibility/2006" xmlns:wpc="http://schemas.microsoft.com/office/word/2010/wordprocessingCanvas" w="9525">
                   <a:solidFill>
                     <a:srgbClr val="000000"/>
                   </a:solidFill>
@@ -4295,17 +3864,8 @@
             </a:bodyPr>
             <a:lstStyle/>
             <a:p>
-              <a:pPr marL="0" marR="0">
-                <a:spcBef>
-                  <a:spcPts val="0"/>
-                </a:spcBef>
-                <a:spcAft>
-                  <a:spcPts val="0"/>
-                </a:spcAft>
-              </a:pPr>
               <a:r>
                 <a:rPr lang="en-US" sz="900">
-                  <a:effectLst/>
                   <a:latin typeface="Times New Roman" panose="02020603050405020304" pitchFamily="18" charset="0"/>
                   <a:ea typeface="Arial Unicode MS" panose="020B0604020202020204" pitchFamily="34" charset="-128"/>
                 </a:rPr>
@@ -4313,37 +3873,30 @@
               </a:r>
               <a:r>
                 <a:rPr lang="en-US" sz="900">
-                  <a:effectLst/>
                   <a:latin typeface="Times New Roman" panose="02020603050405020304" pitchFamily="18" charset="0"/>
                   <a:ea typeface="Times New Roman" panose="02020603050405020304" pitchFamily="18" charset="0"/>
                 </a:rPr>
                 <a:t>[ITI-67] </a:t>
               </a:r>
               <a:endParaRPr lang="en-US" sz="1200">
-                <a:effectLst/>
                 <a:latin typeface="Times New Roman" panose="02020603050405020304" pitchFamily="18" charset="0"/>
                 <a:ea typeface="Times New Roman" panose="02020603050405020304" pitchFamily="18" charset="0"/>
               </a:endParaRPr>
             </a:p>
             <a:p>
-              <a:pPr marL="0" marR="0">
+              <a:pPr>
                 <a:spcBef>
                   <a:spcPts val="600"/>
                 </a:spcBef>
-                <a:spcAft>
-                  <a:spcPts val="0"/>
-                </a:spcAft>
               </a:pPr>
               <a:r>
                 <a:rPr lang="en-US" sz="1100">
-                  <a:effectLst/>
                   <a:latin typeface="Arial" panose="020B0604020202020204" pitchFamily="34" charset="0"/>
                   <a:ea typeface="Times New Roman" panose="02020603050405020304" pitchFamily="18" charset="0"/>
                 </a:rPr>
                 <a:t> </a:t>
               </a:r>
               <a:endParaRPr lang="en-US" sz="1200">
-                <a:effectLst/>
                 <a:latin typeface="Times New Roman" panose="02020603050405020304" pitchFamily="18" charset="0"/>
                 <a:ea typeface="Times New Roman" panose="02020603050405020304" pitchFamily="18" charset="0"/>
               </a:endParaRPr>
@@ -4378,14 +3931,14 @@
             </a:ln>
             <a:extLst>
               <a:ext uri="{909E8E84-426E-40dd-AFC4-6F175D3DCCD1}">
-                <a14:hiddenFill xmlns:wpc="http://schemas.microsoft.com/office/word/2010/wordprocessingCanvas" xmlns:mc="http://schemas.openxmlformats.org/markup-compatibility/2006" xmlns:m="http://schemas.openxmlformats.org/officeDocument/2006/math" xmlns:wp14="http://schemas.microsoft.com/office/word/2010/wordprocessingDrawing" xmlns:wp="http://schemas.openxmlformats.org/drawingml/2006/wordprocessingDrawing" xmlns:w14="http://schemas.microsoft.com/office/word/2010/wordml" xmlns:w15="http://schemas.microsoft.com/office/word/2012/wordml" xmlns:wpg="http://schemas.microsoft.com/office/word/2010/wordprocessingGroup" xmlns:wpi="http://schemas.microsoft.com/office/word/2010/wordprocessingInk" xmlns:wne="http://schemas.microsoft.com/office/word/2006/wordml" xmlns:wps="http://schemas.microsoft.com/office/word/2010/wordprocessingShape" xmlns:cx="http://schemas.microsoft.com/office/drawing/2014/chartex" xmlns:cx1="http://schemas.microsoft.com/office/drawing/2015/9/8/chartex" xmlns:cx2="http://schemas.microsoft.com/office/drawing/2015/10/21/chartex" xmlns:cx3="http://schemas.microsoft.com/office/drawing/2016/5/9/chartex" xmlns:cx4="http://schemas.microsoft.com/office/drawing/2016/5/10/chartex" xmlns:cx5="http://schemas.microsoft.com/office/drawing/2016/5/11/chartex" xmlns:cx6="http://schemas.microsoft.com/office/drawing/2016/5/12/chartex" xmlns:cx7="http://schemas.microsoft.com/office/drawing/2016/5/13/chartex" xmlns:cx8="http://schemas.microsoft.com/office/drawing/2016/5/14/chartex" xmlns:aink="http://schemas.microsoft.com/office/drawing/2016/ink" xmlns:am3d="http://schemas.microsoft.com/office/drawing/2017/model3d" xmlns:w16cid="http://schemas.microsoft.com/office/word/2016/wordml/cid" xmlns:w16se="http://schemas.microsoft.com/office/word/2015/wordml/symex" xmlns:a14="http://schemas.microsoft.com/office/drawing/2010/main" xmlns:w="http://schemas.openxmlformats.org/wordprocessingml/2006/main" xmlns:w10="urn:schemas-microsoft-com:office:word" xmlns:v="urn:schemas-microsoft-com:vml" xmlns:o="urn:schemas-microsoft-com:office:office" xmlns:mv="urn:schemas-microsoft-com:mac:vml" xmlns:mo="http://schemas.microsoft.com/office/mac/office/2008/main" xmlns="" xmlns:arto="http://schemas.microsoft.com/office/word/2006/arto" xmlns:lc="http://schemas.openxmlformats.org/drawingml/2006/lockedCanvas">
+                <a14:hiddenFill xmlns:lc="http://schemas.openxmlformats.org/drawingml/2006/lockedCanvas" xmlns:arto="http://schemas.microsoft.com/office/word/2006/arto" xmlns="" xmlns:mo="http://schemas.microsoft.com/office/mac/office/2008/main" xmlns:mv="urn:schemas-microsoft-com:mac:vml" xmlns:o="urn:schemas-microsoft-com:office:office" xmlns:v="urn:schemas-microsoft-com:vml" xmlns:w10="urn:schemas-microsoft-com:office:word" xmlns:w="http://schemas.openxmlformats.org/wordprocessingml/2006/main" xmlns:a14="http://schemas.microsoft.com/office/drawing/2010/main" xmlns:w16se="http://schemas.microsoft.com/office/word/2015/wordml/symex" xmlns:w16cid="http://schemas.microsoft.com/office/word/2016/wordml/cid" xmlns:am3d="http://schemas.microsoft.com/office/drawing/2017/model3d" xmlns:aink="http://schemas.microsoft.com/office/drawing/2016/ink" xmlns:cx8="http://schemas.microsoft.com/office/drawing/2016/5/14/chartex" xmlns:cx7="http://schemas.microsoft.com/office/drawing/2016/5/13/chartex" xmlns:cx6="http://schemas.microsoft.com/office/drawing/2016/5/12/chartex" xmlns:cx5="http://schemas.microsoft.com/office/drawing/2016/5/11/chartex" xmlns:cx4="http://schemas.microsoft.com/office/drawing/2016/5/10/chartex" xmlns:cx3="http://schemas.microsoft.com/office/drawing/2016/5/9/chartex" xmlns:cx2="http://schemas.microsoft.com/office/drawing/2015/10/21/chartex" xmlns:cx1="http://schemas.microsoft.com/office/drawing/2015/9/8/chartex" xmlns:cx="http://schemas.microsoft.com/office/drawing/2014/chartex" xmlns:wps="http://schemas.microsoft.com/office/word/2010/wordprocessingShape" xmlns:wne="http://schemas.microsoft.com/office/word/2006/wordml" xmlns:wpi="http://schemas.microsoft.com/office/word/2010/wordprocessingInk" xmlns:wpg="http://schemas.microsoft.com/office/word/2010/wordprocessingGroup" xmlns:w15="http://schemas.microsoft.com/office/word/2012/wordml" xmlns:w14="http://schemas.microsoft.com/office/word/2010/wordml" xmlns:wp="http://schemas.openxmlformats.org/drawingml/2006/wordprocessingDrawing" xmlns:wp14="http://schemas.microsoft.com/office/word/2010/wordprocessingDrawing" xmlns:m="http://schemas.openxmlformats.org/officeDocument/2006/math" xmlns:mc="http://schemas.openxmlformats.org/markup-compatibility/2006" xmlns:wpc="http://schemas.microsoft.com/office/word/2010/wordprocessingCanvas">
                   <a:solidFill>
                     <a:srgbClr val="FFFFFF"/>
                   </a:solidFill>
                 </a14:hiddenFill>
               </a:ext>
               <a:ext uri="{91240B29-F687-4f45-9708-019B960494DF}">
-                <a14:hiddenLine xmlns:wpc="http://schemas.microsoft.com/office/word/2010/wordprocessingCanvas" xmlns:mc="http://schemas.openxmlformats.org/markup-compatibility/2006" xmlns:m="http://schemas.openxmlformats.org/officeDocument/2006/math" xmlns:wp14="http://schemas.microsoft.com/office/word/2010/wordprocessingDrawing" xmlns:wp="http://schemas.openxmlformats.org/drawingml/2006/wordprocessingDrawing" xmlns:w14="http://schemas.microsoft.com/office/word/2010/wordml" xmlns:w15="http://schemas.microsoft.com/office/word/2012/wordml" xmlns:wpg="http://schemas.microsoft.com/office/word/2010/wordprocessingGroup" xmlns:wpi="http://schemas.microsoft.com/office/word/2010/wordprocessingInk" xmlns:wne="http://schemas.microsoft.com/office/word/2006/wordml" xmlns:wps="http://schemas.microsoft.com/office/word/2010/wordprocessingShape" xmlns:cx="http://schemas.microsoft.com/office/drawing/2014/chartex" xmlns:cx1="http://schemas.microsoft.com/office/drawing/2015/9/8/chartex" xmlns:cx2="http://schemas.microsoft.com/office/drawing/2015/10/21/chartex" xmlns:cx3="http://schemas.microsoft.com/office/drawing/2016/5/9/chartex" xmlns:cx4="http://schemas.microsoft.com/office/drawing/2016/5/10/chartex" xmlns:cx5="http://schemas.microsoft.com/office/drawing/2016/5/11/chartex" xmlns:cx6="http://schemas.microsoft.com/office/drawing/2016/5/12/chartex" xmlns:cx7="http://schemas.microsoft.com/office/drawing/2016/5/13/chartex" xmlns:cx8="http://schemas.microsoft.com/office/drawing/2016/5/14/chartex" xmlns:aink="http://schemas.microsoft.com/office/drawing/2016/ink" xmlns:am3d="http://schemas.microsoft.com/office/drawing/2017/model3d" xmlns:w16cid="http://schemas.microsoft.com/office/word/2016/wordml/cid" xmlns:w16se="http://schemas.microsoft.com/office/word/2015/wordml/symex" xmlns:a14="http://schemas.microsoft.com/office/drawing/2010/main" xmlns:w="http://schemas.openxmlformats.org/wordprocessingml/2006/main" xmlns:w10="urn:schemas-microsoft-com:office:word" xmlns:v="urn:schemas-microsoft-com:vml" xmlns:o="urn:schemas-microsoft-com:office:office" xmlns:mv="urn:schemas-microsoft-com:mac:vml" xmlns:mo="http://schemas.microsoft.com/office/mac/office/2008/main" xmlns="" xmlns:arto="http://schemas.microsoft.com/office/word/2006/arto" xmlns:lc="http://schemas.openxmlformats.org/drawingml/2006/lockedCanvas" w="9525">
+                <a14:hiddenLine xmlns:lc="http://schemas.openxmlformats.org/drawingml/2006/lockedCanvas" xmlns:arto="http://schemas.microsoft.com/office/word/2006/arto" xmlns="" xmlns:mo="http://schemas.microsoft.com/office/mac/office/2008/main" xmlns:mv="urn:schemas-microsoft-com:mac:vml" xmlns:o="urn:schemas-microsoft-com:office:office" xmlns:v="urn:schemas-microsoft-com:vml" xmlns:w10="urn:schemas-microsoft-com:office:word" xmlns:w="http://schemas.openxmlformats.org/wordprocessingml/2006/main" xmlns:a14="http://schemas.microsoft.com/office/drawing/2010/main" xmlns:w16se="http://schemas.microsoft.com/office/word/2015/wordml/symex" xmlns:w16cid="http://schemas.microsoft.com/office/word/2016/wordml/cid" xmlns:am3d="http://schemas.microsoft.com/office/drawing/2017/model3d" xmlns:aink="http://schemas.microsoft.com/office/drawing/2016/ink" xmlns:cx8="http://schemas.microsoft.com/office/drawing/2016/5/14/chartex" xmlns:cx7="http://schemas.microsoft.com/office/drawing/2016/5/13/chartex" xmlns:cx6="http://schemas.microsoft.com/office/drawing/2016/5/12/chartex" xmlns:cx5="http://schemas.microsoft.com/office/drawing/2016/5/11/chartex" xmlns:cx4="http://schemas.microsoft.com/office/drawing/2016/5/10/chartex" xmlns:cx3="http://schemas.microsoft.com/office/drawing/2016/5/9/chartex" xmlns:cx2="http://schemas.microsoft.com/office/drawing/2015/10/21/chartex" xmlns:cx1="http://schemas.microsoft.com/office/drawing/2015/9/8/chartex" xmlns:cx="http://schemas.microsoft.com/office/drawing/2014/chartex" xmlns:wps="http://schemas.microsoft.com/office/word/2010/wordprocessingShape" xmlns:wne="http://schemas.microsoft.com/office/word/2006/wordml" xmlns:wpi="http://schemas.microsoft.com/office/word/2010/wordprocessingInk" xmlns:wpg="http://schemas.microsoft.com/office/word/2010/wordprocessingGroup" xmlns:w15="http://schemas.microsoft.com/office/word/2012/wordml" xmlns:w14="http://schemas.microsoft.com/office/word/2010/wordml" xmlns:wp="http://schemas.openxmlformats.org/drawingml/2006/wordprocessingDrawing" xmlns:wp14="http://schemas.microsoft.com/office/word/2010/wordprocessingDrawing" xmlns:m="http://schemas.openxmlformats.org/officeDocument/2006/math" xmlns:mc="http://schemas.openxmlformats.org/markup-compatibility/2006" xmlns:wpc="http://schemas.microsoft.com/office/word/2010/wordprocessingCanvas" w="9525">
                   <a:solidFill>
                     <a:srgbClr val="000000"/>
                   </a:solidFill>
@@ -4402,17 +3955,8 @@
             </a:bodyPr>
             <a:lstStyle/>
             <a:p>
-              <a:pPr marL="0" marR="0">
-                <a:spcBef>
-                  <a:spcPts val="0"/>
-                </a:spcBef>
-                <a:spcAft>
-                  <a:spcPts val="0"/>
-                </a:spcAft>
-              </a:pPr>
               <a:r>
                 <a:rPr lang="en-US" sz="900">
-                  <a:effectLst/>
                   <a:latin typeface="Times New Roman" panose="02020603050405020304" pitchFamily="18" charset="0"/>
                   <a:ea typeface="Arial Unicode MS" panose="020B0604020202020204" pitchFamily="34" charset="-128"/>
                 </a:rPr>
@@ -4420,37 +3964,30 @@
               </a:r>
               <a:r>
                 <a:rPr lang="it-IT" sz="900">
-                  <a:effectLst/>
                   <a:latin typeface="Times New Roman" panose="02020603050405020304" pitchFamily="18" charset="0"/>
                   <a:ea typeface="Times New Roman" panose="02020603050405020304" pitchFamily="18" charset="0"/>
                 </a:rPr>
                 <a:t>[ITI-66] </a:t>
               </a:r>
               <a:endParaRPr lang="en-US" sz="1200">
-                <a:effectLst/>
                 <a:latin typeface="Times New Roman" panose="02020603050405020304" pitchFamily="18" charset="0"/>
                 <a:ea typeface="Times New Roman" panose="02020603050405020304" pitchFamily="18" charset="0"/>
               </a:endParaRPr>
             </a:p>
             <a:p>
-              <a:pPr marL="0" marR="0">
+              <a:pPr>
                 <a:spcBef>
                   <a:spcPts val="600"/>
                 </a:spcBef>
-                <a:spcAft>
-                  <a:spcPts val="0"/>
-                </a:spcAft>
               </a:pPr>
               <a:r>
                 <a:rPr lang="it-IT" sz="1100">
-                  <a:effectLst/>
                   <a:latin typeface="Arial" panose="020B0604020202020204" pitchFamily="34" charset="0"/>
                   <a:ea typeface="Times New Roman" panose="02020603050405020304" pitchFamily="18" charset="0"/>
                 </a:rPr>
                 <a:t> </a:t>
               </a:r>
               <a:endParaRPr lang="en-US" sz="1200">
-                <a:effectLst/>
                 <a:latin typeface="Times New Roman" panose="02020603050405020304" pitchFamily="18" charset="0"/>
                 <a:ea typeface="Times New Roman" panose="02020603050405020304" pitchFamily="18" charset="0"/>
               </a:endParaRPr>
@@ -4491,7 +4028,7 @@
             </a:ln>
             <a:extLst>
               <a:ext uri="{909E8E84-426E-40dd-AFC4-6F175D3DCCD1}">
-                <a14:hiddenFill xmlns:wpc="http://schemas.microsoft.com/office/word/2010/wordprocessingCanvas" xmlns:mc="http://schemas.openxmlformats.org/markup-compatibility/2006" xmlns:m="http://schemas.openxmlformats.org/officeDocument/2006/math" xmlns:wp14="http://schemas.microsoft.com/office/word/2010/wordprocessingDrawing" xmlns:wp="http://schemas.openxmlformats.org/drawingml/2006/wordprocessingDrawing" xmlns:w14="http://schemas.microsoft.com/office/word/2010/wordml" xmlns:w15="http://schemas.microsoft.com/office/word/2012/wordml" xmlns:wpg="http://schemas.microsoft.com/office/word/2010/wordprocessingGroup" xmlns:wpi="http://schemas.microsoft.com/office/word/2010/wordprocessingInk" xmlns:wne="http://schemas.microsoft.com/office/word/2006/wordml" xmlns:wps="http://schemas.microsoft.com/office/word/2010/wordprocessingShape" xmlns:cx="http://schemas.microsoft.com/office/drawing/2014/chartex" xmlns:cx1="http://schemas.microsoft.com/office/drawing/2015/9/8/chartex" xmlns:cx2="http://schemas.microsoft.com/office/drawing/2015/10/21/chartex" xmlns:cx3="http://schemas.microsoft.com/office/drawing/2016/5/9/chartex" xmlns:cx4="http://schemas.microsoft.com/office/drawing/2016/5/10/chartex" xmlns:cx5="http://schemas.microsoft.com/office/drawing/2016/5/11/chartex" xmlns:cx6="http://schemas.microsoft.com/office/drawing/2016/5/12/chartex" xmlns:cx7="http://schemas.microsoft.com/office/drawing/2016/5/13/chartex" xmlns:cx8="http://schemas.microsoft.com/office/drawing/2016/5/14/chartex" xmlns:aink="http://schemas.microsoft.com/office/drawing/2016/ink" xmlns:am3d="http://schemas.microsoft.com/office/drawing/2017/model3d" xmlns:w16cid="http://schemas.microsoft.com/office/word/2016/wordml/cid" xmlns:w16se="http://schemas.microsoft.com/office/word/2015/wordml/symex" xmlns:a14="http://schemas.microsoft.com/office/drawing/2010/main" xmlns:w="http://schemas.openxmlformats.org/wordprocessingml/2006/main" xmlns:w10="urn:schemas-microsoft-com:office:word" xmlns:v="urn:schemas-microsoft-com:vml" xmlns:o="urn:schemas-microsoft-com:office:office" xmlns:mv="urn:schemas-microsoft-com:mac:vml" xmlns:mo="http://schemas.microsoft.com/office/mac/office/2008/main" xmlns="" xmlns:arto="http://schemas.microsoft.com/office/word/2006/arto" xmlns:lc="http://schemas.openxmlformats.org/drawingml/2006/lockedCanvas">
+                <a14:hiddenFill xmlns:lc="http://schemas.openxmlformats.org/drawingml/2006/lockedCanvas" xmlns:arto="http://schemas.microsoft.com/office/word/2006/arto" xmlns="" xmlns:mo="http://schemas.microsoft.com/office/mac/office/2008/main" xmlns:mv="urn:schemas-microsoft-com:mac:vml" xmlns:o="urn:schemas-microsoft-com:office:office" xmlns:v="urn:schemas-microsoft-com:vml" xmlns:w10="urn:schemas-microsoft-com:office:word" xmlns:w="http://schemas.openxmlformats.org/wordprocessingml/2006/main" xmlns:a14="http://schemas.microsoft.com/office/drawing/2010/main" xmlns:w16se="http://schemas.microsoft.com/office/word/2015/wordml/symex" xmlns:w16cid="http://schemas.microsoft.com/office/word/2016/wordml/cid" xmlns:am3d="http://schemas.microsoft.com/office/drawing/2017/model3d" xmlns:aink="http://schemas.microsoft.com/office/drawing/2016/ink" xmlns:cx8="http://schemas.microsoft.com/office/drawing/2016/5/14/chartex" xmlns:cx7="http://schemas.microsoft.com/office/drawing/2016/5/13/chartex" xmlns:cx6="http://schemas.microsoft.com/office/drawing/2016/5/12/chartex" xmlns:cx5="http://schemas.microsoft.com/office/drawing/2016/5/11/chartex" xmlns:cx4="http://schemas.microsoft.com/office/drawing/2016/5/10/chartex" xmlns:cx3="http://schemas.microsoft.com/office/drawing/2016/5/9/chartex" xmlns:cx2="http://schemas.microsoft.com/office/drawing/2015/10/21/chartex" xmlns:cx1="http://schemas.microsoft.com/office/drawing/2015/9/8/chartex" xmlns:cx="http://schemas.microsoft.com/office/drawing/2014/chartex" xmlns:wps="http://schemas.microsoft.com/office/word/2010/wordprocessingShape" xmlns:wne="http://schemas.microsoft.com/office/word/2006/wordml" xmlns:wpi="http://schemas.microsoft.com/office/word/2010/wordprocessingInk" xmlns:wpg="http://schemas.microsoft.com/office/word/2010/wordprocessingGroup" xmlns:w15="http://schemas.microsoft.com/office/word/2012/wordml" xmlns:w14="http://schemas.microsoft.com/office/word/2010/wordml" xmlns:wp="http://schemas.openxmlformats.org/drawingml/2006/wordprocessingDrawing" xmlns:wp14="http://schemas.microsoft.com/office/word/2010/wordprocessingDrawing" xmlns:m="http://schemas.openxmlformats.org/officeDocument/2006/math" xmlns:mc="http://schemas.openxmlformats.org/markup-compatibility/2006" xmlns:wpc="http://schemas.microsoft.com/office/word/2010/wordprocessingCanvas">
                   <a:solidFill>
                     <a:srgbClr val="FFFFFF"/>
                   </a:solidFill>
@@ -4505,17 +4042,9 @@
             </a:bodyPr>
             <a:lstStyle/>
             <a:p>
-              <a:pPr marL="0" marR="0" algn="ctr">
-                <a:spcBef>
-                  <a:spcPts val="0"/>
-                </a:spcBef>
-                <a:spcAft>
-                  <a:spcPts val="0"/>
-                </a:spcAft>
-              </a:pPr>
+              <a:pPr algn="ctr"/>
               <a:r>
                 <a:rPr lang="en-US" sz="1000" b="1">
-                  <a:effectLst/>
                   <a:latin typeface="Times New Roman" panose="02020603050405020304" pitchFamily="18" charset="0"/>
                   <a:ea typeface="Arial Unicode MS" panose="020B0604020202020204" pitchFamily="34" charset="-128"/>
                 </a:rPr>
@@ -4523,21 +4052,18 @@
               </a:r>
               <a:br>
                 <a:rPr lang="en-US" sz="1000" b="1">
-                  <a:effectLst/>
                   <a:latin typeface="Times New Roman" panose="02020603050405020304" pitchFamily="18" charset="0"/>
                   <a:ea typeface="Arial Unicode MS" panose="020B0604020202020204" pitchFamily="34" charset="-128"/>
                 </a:rPr>
               </a:br>
               <a:r>
                 <a:rPr lang="en-US" sz="1000" b="1">
-                  <a:effectLst/>
                   <a:latin typeface="Times New Roman" panose="02020603050405020304" pitchFamily="18" charset="0"/>
                   <a:ea typeface="Arial Unicode MS" panose="020B0604020202020204" pitchFamily="34" charset="-128"/>
                 </a:rPr>
                 <a:t>Document Consumer</a:t>
               </a:r>
               <a:endParaRPr lang="en-US" sz="1200">
-                <a:effectLst/>
                 <a:latin typeface="Times New Roman" panose="02020603050405020304" pitchFamily="18" charset="0"/>
                 <a:ea typeface="Times New Roman" panose="02020603050405020304" pitchFamily="18" charset="0"/>
               </a:endParaRPr>
@@ -4578,7 +4104,7 @@
             </a:ln>
             <a:extLst>
               <a:ext uri="{909E8E84-426E-40dd-AFC4-6F175D3DCCD1}">
-                <a14:hiddenFill xmlns:wpc="http://schemas.microsoft.com/office/word/2010/wordprocessingCanvas" xmlns:mc="http://schemas.openxmlformats.org/markup-compatibility/2006" xmlns:m="http://schemas.openxmlformats.org/officeDocument/2006/math" xmlns:wp14="http://schemas.microsoft.com/office/word/2010/wordprocessingDrawing" xmlns:wp="http://schemas.openxmlformats.org/drawingml/2006/wordprocessingDrawing" xmlns:w14="http://schemas.microsoft.com/office/word/2010/wordml" xmlns:w15="http://schemas.microsoft.com/office/word/2012/wordml" xmlns:wpg="http://schemas.microsoft.com/office/word/2010/wordprocessingGroup" xmlns:wpi="http://schemas.microsoft.com/office/word/2010/wordprocessingInk" xmlns:wne="http://schemas.microsoft.com/office/word/2006/wordml" xmlns:wps="http://schemas.microsoft.com/office/word/2010/wordprocessingShape" xmlns:cx="http://schemas.microsoft.com/office/drawing/2014/chartex" xmlns:cx1="http://schemas.microsoft.com/office/drawing/2015/9/8/chartex" xmlns:cx2="http://schemas.microsoft.com/office/drawing/2015/10/21/chartex" xmlns:cx3="http://schemas.microsoft.com/office/drawing/2016/5/9/chartex" xmlns:cx4="http://schemas.microsoft.com/office/drawing/2016/5/10/chartex" xmlns:cx5="http://schemas.microsoft.com/office/drawing/2016/5/11/chartex" xmlns:cx6="http://schemas.microsoft.com/office/drawing/2016/5/12/chartex" xmlns:cx7="http://schemas.microsoft.com/office/drawing/2016/5/13/chartex" xmlns:cx8="http://schemas.microsoft.com/office/drawing/2016/5/14/chartex" xmlns:aink="http://schemas.microsoft.com/office/drawing/2016/ink" xmlns:am3d="http://schemas.microsoft.com/office/drawing/2017/model3d" xmlns:w16cid="http://schemas.microsoft.com/office/word/2016/wordml/cid" xmlns:w16se="http://schemas.microsoft.com/office/word/2015/wordml/symex" xmlns:a14="http://schemas.microsoft.com/office/drawing/2010/main" xmlns:w="http://schemas.openxmlformats.org/wordprocessingml/2006/main" xmlns:w10="urn:schemas-microsoft-com:office:word" xmlns:v="urn:schemas-microsoft-com:vml" xmlns:o="urn:schemas-microsoft-com:office:office" xmlns:mv="urn:schemas-microsoft-com:mac:vml" xmlns:mo="http://schemas.microsoft.com/office/mac/office/2008/main" xmlns="" xmlns:arto="http://schemas.microsoft.com/office/word/2006/arto" xmlns:lc="http://schemas.openxmlformats.org/drawingml/2006/lockedCanvas">
+                <a14:hiddenFill xmlns:lc="http://schemas.openxmlformats.org/drawingml/2006/lockedCanvas" xmlns:arto="http://schemas.microsoft.com/office/word/2006/arto" xmlns="" xmlns:mo="http://schemas.microsoft.com/office/mac/office/2008/main" xmlns:mv="urn:schemas-microsoft-com:mac:vml" xmlns:o="urn:schemas-microsoft-com:office:office" xmlns:v="urn:schemas-microsoft-com:vml" xmlns:w10="urn:schemas-microsoft-com:office:word" xmlns:w="http://schemas.openxmlformats.org/wordprocessingml/2006/main" xmlns:a14="http://schemas.microsoft.com/office/drawing/2010/main" xmlns:w16se="http://schemas.microsoft.com/office/word/2015/wordml/symex" xmlns:w16cid="http://schemas.microsoft.com/office/word/2016/wordml/cid" xmlns:am3d="http://schemas.microsoft.com/office/drawing/2017/model3d" xmlns:aink="http://schemas.microsoft.com/office/drawing/2016/ink" xmlns:cx8="http://schemas.microsoft.com/office/drawing/2016/5/14/chartex" xmlns:cx7="http://schemas.microsoft.com/office/drawing/2016/5/13/chartex" xmlns:cx6="http://schemas.microsoft.com/office/drawing/2016/5/12/chartex" xmlns:cx5="http://schemas.microsoft.com/office/drawing/2016/5/11/chartex" xmlns:cx4="http://schemas.microsoft.com/office/drawing/2016/5/10/chartex" xmlns:cx3="http://schemas.microsoft.com/office/drawing/2016/5/9/chartex" xmlns:cx2="http://schemas.microsoft.com/office/drawing/2015/10/21/chartex" xmlns:cx1="http://schemas.microsoft.com/office/drawing/2015/9/8/chartex" xmlns:cx="http://schemas.microsoft.com/office/drawing/2014/chartex" xmlns:wps="http://schemas.microsoft.com/office/word/2010/wordprocessingShape" xmlns:wne="http://schemas.microsoft.com/office/word/2006/wordml" xmlns:wpi="http://schemas.microsoft.com/office/word/2010/wordprocessingInk" xmlns:wpg="http://schemas.microsoft.com/office/word/2010/wordprocessingGroup" xmlns:w15="http://schemas.microsoft.com/office/word/2012/wordml" xmlns:w14="http://schemas.microsoft.com/office/word/2010/wordml" xmlns:wp="http://schemas.openxmlformats.org/drawingml/2006/wordprocessingDrawing" xmlns:wp14="http://schemas.microsoft.com/office/word/2010/wordprocessingDrawing" xmlns:m="http://schemas.openxmlformats.org/officeDocument/2006/math" xmlns:mc="http://schemas.openxmlformats.org/markup-compatibility/2006" xmlns:wpc="http://schemas.microsoft.com/office/word/2010/wordprocessingCanvas">
                   <a:solidFill>
                     <a:srgbClr val="FFFFFF"/>
                   </a:solidFill>
@@ -4592,17 +4118,9 @@
             </a:bodyPr>
             <a:lstStyle/>
             <a:p>
-              <a:pPr marL="0" marR="0" algn="ctr">
-                <a:spcBef>
-                  <a:spcPts val="0"/>
-                </a:spcBef>
-                <a:spcAft>
-                  <a:spcPts val="0"/>
-                </a:spcAft>
-              </a:pPr>
+              <a:pPr algn="ctr"/>
               <a:r>
                 <a:rPr lang="en-US" sz="1000" b="1" dirty="0">
-                  <a:effectLst/>
                   <a:latin typeface="Times New Roman" panose="02020603050405020304" pitchFamily="18" charset="0"/>
                   <a:ea typeface="Arial Unicode MS" panose="020B0604020202020204" pitchFamily="34" charset="-128"/>
                 </a:rPr>
@@ -4610,7 +4128,6 @@
               </a:r>
               <a:r>
                 <a:rPr lang="en-US" sz="1000" b="1" dirty="0" err="1">
-                  <a:effectLst/>
                   <a:latin typeface="Times New Roman" panose="02020603050405020304" pitchFamily="18" charset="0"/>
                   <a:ea typeface="Arial Unicode MS" panose="020B0604020202020204" pitchFamily="34" charset="-128"/>
                 </a:rPr>
@@ -4618,21 +4135,18 @@
               </a:r>
               <a:br>
                 <a:rPr lang="en-US" sz="1000" b="1" dirty="0">
-                  <a:effectLst/>
                   <a:latin typeface="Times New Roman" panose="02020603050405020304" pitchFamily="18" charset="0"/>
                   <a:ea typeface="Arial Unicode MS" panose="020B0604020202020204" pitchFamily="34" charset="-128"/>
                 </a:rPr>
               </a:br>
               <a:r>
                 <a:rPr lang="en-US" sz="1000" b="1" dirty="0">
-                  <a:effectLst/>
                   <a:latin typeface="Times New Roman" panose="02020603050405020304" pitchFamily="18" charset="0"/>
                   <a:ea typeface="Arial Unicode MS" panose="020B0604020202020204" pitchFamily="34" charset="-128"/>
                 </a:rPr>
                 <a:t>Clinical Data Consumer</a:t>
               </a:r>
               <a:endParaRPr lang="en-US" sz="1200" dirty="0">
-                <a:effectLst/>
                 <a:latin typeface="Times New Roman" panose="02020603050405020304" pitchFamily="18" charset="0"/>
                 <a:ea typeface="Times New Roman" panose="02020603050405020304" pitchFamily="18" charset="0"/>
               </a:endParaRPr>
@@ -4685,20 +4199,12 @@
             </a:bodyPr>
             <a:lstStyle/>
             <a:p>
-              <a:pPr marL="0" marR="0" algn="ctr">
-                <a:spcBef>
-                  <a:spcPts val="0"/>
-                </a:spcBef>
-                <a:spcAft>
-                  <a:spcPts val="0"/>
-                </a:spcAft>
-              </a:pPr>
+              <a:pPr algn="ctr"/>
               <a:r>
                 <a:rPr lang="it-IT" sz="1100" b="1">
                   <a:solidFill>
                     <a:srgbClr val="0D0D0D"/>
                   </a:solidFill>
-                  <a:effectLst/>
                   <a:latin typeface="Times New Roman" panose="02020603050405020304" pitchFamily="18" charset="0"/>
                   <a:ea typeface="Times New Roman" panose="02020603050405020304" pitchFamily="18" charset="0"/>
                 </a:rPr>
@@ -4709,7 +4215,6 @@
                   <a:solidFill>
                     <a:srgbClr val="0D0D0D"/>
                   </a:solidFill>
-                  <a:effectLst/>
                   <a:latin typeface="Times New Roman" panose="02020603050405020304" pitchFamily="18" charset="0"/>
                   <a:ea typeface="Times New Roman" panose="02020603050405020304" pitchFamily="18" charset="0"/>
                 </a:rPr>
@@ -4720,14 +4225,12 @@
                   <a:solidFill>
                     <a:srgbClr val="0D0D0D"/>
                   </a:solidFill>
-                  <a:effectLst/>
                   <a:latin typeface="Times New Roman" panose="02020603050405020304" pitchFamily="18" charset="0"/>
                   <a:ea typeface="Times New Roman" panose="02020603050405020304" pitchFamily="18" charset="0"/>
                 </a:rPr>
                 <a:t>Consumer</a:t>
               </a:r>
               <a:endParaRPr lang="en-US" sz="1200">
-                <a:effectLst/>
                 <a:latin typeface="Times New Roman" panose="02020603050405020304" pitchFamily="18" charset="0"/>
                 <a:ea typeface="Times New Roman" panose="02020603050405020304" pitchFamily="18" charset="0"/>
               </a:endParaRPr>
@@ -4768,7 +4271,7 @@
             </a:ln>
             <a:extLst>
               <a:ext uri="{909E8E84-426E-40dd-AFC4-6F175D3DCCD1}">
-                <a14:hiddenFill xmlns:wpc="http://schemas.microsoft.com/office/word/2010/wordprocessingCanvas" xmlns:mc="http://schemas.openxmlformats.org/markup-compatibility/2006" xmlns:m="http://schemas.openxmlformats.org/officeDocument/2006/math" xmlns:wp14="http://schemas.microsoft.com/office/word/2010/wordprocessingDrawing" xmlns:wp="http://schemas.openxmlformats.org/drawingml/2006/wordprocessingDrawing" xmlns:w14="http://schemas.microsoft.com/office/word/2010/wordml" xmlns:w15="http://schemas.microsoft.com/office/word/2012/wordml" xmlns:wpg="http://schemas.microsoft.com/office/word/2010/wordprocessingGroup" xmlns:wpi="http://schemas.microsoft.com/office/word/2010/wordprocessingInk" xmlns:wne="http://schemas.microsoft.com/office/word/2006/wordml" xmlns:wps="http://schemas.microsoft.com/office/word/2010/wordprocessingShape" xmlns:cx="http://schemas.microsoft.com/office/drawing/2014/chartex" xmlns:cx1="http://schemas.microsoft.com/office/drawing/2015/9/8/chartex" xmlns:cx2="http://schemas.microsoft.com/office/drawing/2015/10/21/chartex" xmlns:cx3="http://schemas.microsoft.com/office/drawing/2016/5/9/chartex" xmlns:cx4="http://schemas.microsoft.com/office/drawing/2016/5/10/chartex" xmlns:cx5="http://schemas.microsoft.com/office/drawing/2016/5/11/chartex" xmlns:cx6="http://schemas.microsoft.com/office/drawing/2016/5/12/chartex" xmlns:cx7="http://schemas.microsoft.com/office/drawing/2016/5/13/chartex" xmlns:cx8="http://schemas.microsoft.com/office/drawing/2016/5/14/chartex" xmlns:aink="http://schemas.microsoft.com/office/drawing/2016/ink" xmlns:am3d="http://schemas.microsoft.com/office/drawing/2017/model3d" xmlns:w16cid="http://schemas.microsoft.com/office/word/2016/wordml/cid" xmlns:w16se="http://schemas.microsoft.com/office/word/2015/wordml/symex" xmlns:a14="http://schemas.microsoft.com/office/drawing/2010/main" xmlns:w="http://schemas.openxmlformats.org/wordprocessingml/2006/main" xmlns:w10="urn:schemas-microsoft-com:office:word" xmlns:v="urn:schemas-microsoft-com:vml" xmlns:o="urn:schemas-microsoft-com:office:office" xmlns:mv="urn:schemas-microsoft-com:mac:vml" xmlns:mo="http://schemas.microsoft.com/office/mac/office/2008/main" xmlns="" xmlns:arto="http://schemas.microsoft.com/office/word/2006/arto" xmlns:lc="http://schemas.openxmlformats.org/drawingml/2006/lockedCanvas">
+                <a14:hiddenFill xmlns:lc="http://schemas.openxmlformats.org/drawingml/2006/lockedCanvas" xmlns:arto="http://schemas.microsoft.com/office/word/2006/arto" xmlns="" xmlns:mo="http://schemas.microsoft.com/office/mac/office/2008/main" xmlns:mv="urn:schemas-microsoft-com:mac:vml" xmlns:o="urn:schemas-microsoft-com:office:office" xmlns:v="urn:schemas-microsoft-com:vml" xmlns:w10="urn:schemas-microsoft-com:office:word" xmlns:w="http://schemas.openxmlformats.org/wordprocessingml/2006/main" xmlns:a14="http://schemas.microsoft.com/office/drawing/2010/main" xmlns:w16se="http://schemas.microsoft.com/office/word/2015/wordml/symex" xmlns:w16cid="http://schemas.microsoft.com/office/word/2016/wordml/cid" xmlns:am3d="http://schemas.microsoft.com/office/drawing/2017/model3d" xmlns:aink="http://schemas.microsoft.com/office/drawing/2016/ink" xmlns:cx8="http://schemas.microsoft.com/office/drawing/2016/5/14/chartex" xmlns:cx7="http://schemas.microsoft.com/office/drawing/2016/5/13/chartex" xmlns:cx6="http://schemas.microsoft.com/office/drawing/2016/5/12/chartex" xmlns:cx5="http://schemas.microsoft.com/office/drawing/2016/5/11/chartex" xmlns:cx4="http://schemas.microsoft.com/office/drawing/2016/5/10/chartex" xmlns:cx3="http://schemas.microsoft.com/office/drawing/2016/5/9/chartex" xmlns:cx2="http://schemas.microsoft.com/office/drawing/2015/10/21/chartex" xmlns:cx1="http://schemas.microsoft.com/office/drawing/2015/9/8/chartex" xmlns:cx="http://schemas.microsoft.com/office/drawing/2014/chartex" xmlns:wps="http://schemas.microsoft.com/office/word/2010/wordprocessingShape" xmlns:wne="http://schemas.microsoft.com/office/word/2006/wordml" xmlns:wpi="http://schemas.microsoft.com/office/word/2010/wordprocessingInk" xmlns:wpg="http://schemas.microsoft.com/office/word/2010/wordprocessingGroup" xmlns:w15="http://schemas.microsoft.com/office/word/2012/wordml" xmlns:w14="http://schemas.microsoft.com/office/word/2010/wordml" xmlns:wp="http://schemas.openxmlformats.org/drawingml/2006/wordprocessingDrawing" xmlns:wp14="http://schemas.microsoft.com/office/word/2010/wordprocessingDrawing" xmlns:m="http://schemas.openxmlformats.org/officeDocument/2006/math" xmlns:mc="http://schemas.openxmlformats.org/markup-compatibility/2006" xmlns:wpc="http://schemas.microsoft.com/office/word/2010/wordprocessingCanvas">
                   <a:solidFill>
                     <a:srgbClr val="FFFFFF"/>
                   </a:solidFill>
@@ -4782,17 +4285,9 @@
             </a:bodyPr>
             <a:lstStyle/>
             <a:p>
-              <a:pPr marL="0" marR="0" algn="ctr">
-                <a:spcBef>
-                  <a:spcPts val="0"/>
-                </a:spcBef>
-                <a:spcAft>
-                  <a:spcPts val="0"/>
-                </a:spcAft>
-              </a:pPr>
+              <a:pPr algn="ctr"/>
               <a:r>
                 <a:rPr lang="en-US" sz="1000" b="1">
-                  <a:effectLst/>
                   <a:latin typeface="Times New Roman" panose="02020603050405020304" pitchFamily="18" charset="0"/>
                   <a:ea typeface="Arial Unicode MS" panose="020B0604020202020204" pitchFamily="34" charset="-128"/>
                 </a:rPr>
@@ -4800,21 +4295,18 @@
               </a:r>
               <a:br>
                 <a:rPr lang="en-US" sz="1000" b="1">
-                  <a:effectLst/>
                   <a:latin typeface="Times New Roman" panose="02020603050405020304" pitchFamily="18" charset="0"/>
                   <a:ea typeface="Arial Unicode MS" panose="020B0604020202020204" pitchFamily="34" charset="-128"/>
                 </a:rPr>
               </a:br>
               <a:r>
                 <a:rPr lang="en-US" sz="1000" b="1">
-                  <a:effectLst/>
                   <a:latin typeface="Times New Roman" panose="02020603050405020304" pitchFamily="18" charset="0"/>
                   <a:ea typeface="Arial Unicode MS" panose="020B0604020202020204" pitchFamily="34" charset="-128"/>
                 </a:rPr>
                 <a:t>Document Consumer</a:t>
               </a:r>
               <a:endParaRPr lang="en-US" sz="1200">
-                <a:effectLst/>
                 <a:latin typeface="Times New Roman" panose="02020603050405020304" pitchFamily="18" charset="0"/>
                 <a:ea typeface="Times New Roman" panose="02020603050405020304" pitchFamily="18" charset="0"/>
               </a:endParaRPr>
@@ -4849,14 +4341,14 @@
             </a:ln>
             <a:extLst>
               <a:ext uri="{909E8E84-426E-40dd-AFC4-6F175D3DCCD1}">
-                <a14:hiddenFill xmlns:wpc="http://schemas.microsoft.com/office/word/2010/wordprocessingCanvas" xmlns:mc="http://schemas.openxmlformats.org/markup-compatibility/2006" xmlns:m="http://schemas.openxmlformats.org/officeDocument/2006/math" xmlns:wp14="http://schemas.microsoft.com/office/word/2010/wordprocessingDrawing" xmlns:wp="http://schemas.openxmlformats.org/drawingml/2006/wordprocessingDrawing" xmlns:w14="http://schemas.microsoft.com/office/word/2010/wordml" xmlns:w15="http://schemas.microsoft.com/office/word/2012/wordml" xmlns:wpg="http://schemas.microsoft.com/office/word/2010/wordprocessingGroup" xmlns:wpi="http://schemas.microsoft.com/office/word/2010/wordprocessingInk" xmlns:wne="http://schemas.microsoft.com/office/word/2006/wordml" xmlns:wps="http://schemas.microsoft.com/office/word/2010/wordprocessingShape" xmlns:cx="http://schemas.microsoft.com/office/drawing/2014/chartex" xmlns:cx1="http://schemas.microsoft.com/office/drawing/2015/9/8/chartex" xmlns:cx2="http://schemas.microsoft.com/office/drawing/2015/10/21/chartex" xmlns:cx3="http://schemas.microsoft.com/office/drawing/2016/5/9/chartex" xmlns:cx4="http://schemas.microsoft.com/office/drawing/2016/5/10/chartex" xmlns:cx5="http://schemas.microsoft.com/office/drawing/2016/5/11/chartex" xmlns:cx6="http://schemas.microsoft.com/office/drawing/2016/5/12/chartex" xmlns:cx7="http://schemas.microsoft.com/office/drawing/2016/5/13/chartex" xmlns:cx8="http://schemas.microsoft.com/office/drawing/2016/5/14/chartex" xmlns:aink="http://schemas.microsoft.com/office/drawing/2016/ink" xmlns:am3d="http://schemas.microsoft.com/office/drawing/2017/model3d" xmlns:w16cid="http://schemas.microsoft.com/office/word/2016/wordml/cid" xmlns:w16se="http://schemas.microsoft.com/office/word/2015/wordml/symex" xmlns:a14="http://schemas.microsoft.com/office/drawing/2010/main" xmlns:w="http://schemas.openxmlformats.org/wordprocessingml/2006/main" xmlns:w10="urn:schemas-microsoft-com:office:word" xmlns:v="urn:schemas-microsoft-com:vml" xmlns:o="urn:schemas-microsoft-com:office:office" xmlns:mv="urn:schemas-microsoft-com:mac:vml" xmlns:mo="http://schemas.microsoft.com/office/mac/office/2008/main" xmlns="" xmlns:arto="http://schemas.microsoft.com/office/word/2006/arto" xmlns:lc="http://schemas.openxmlformats.org/drawingml/2006/lockedCanvas">
+                <a14:hiddenFill xmlns:lc="http://schemas.openxmlformats.org/drawingml/2006/lockedCanvas" xmlns:arto="http://schemas.microsoft.com/office/word/2006/arto" xmlns="" xmlns:mo="http://schemas.microsoft.com/office/mac/office/2008/main" xmlns:mv="urn:schemas-microsoft-com:mac:vml" xmlns:o="urn:schemas-microsoft-com:office:office" xmlns:v="urn:schemas-microsoft-com:vml" xmlns:w10="urn:schemas-microsoft-com:office:word" xmlns:w="http://schemas.openxmlformats.org/wordprocessingml/2006/main" xmlns:a14="http://schemas.microsoft.com/office/drawing/2010/main" xmlns:w16se="http://schemas.microsoft.com/office/word/2015/wordml/symex" xmlns:w16cid="http://schemas.microsoft.com/office/word/2016/wordml/cid" xmlns:am3d="http://schemas.microsoft.com/office/drawing/2017/model3d" xmlns:aink="http://schemas.microsoft.com/office/drawing/2016/ink" xmlns:cx8="http://schemas.microsoft.com/office/drawing/2016/5/14/chartex" xmlns:cx7="http://schemas.microsoft.com/office/drawing/2016/5/13/chartex" xmlns:cx6="http://schemas.microsoft.com/office/drawing/2016/5/12/chartex" xmlns:cx5="http://schemas.microsoft.com/office/drawing/2016/5/11/chartex" xmlns:cx4="http://schemas.microsoft.com/office/drawing/2016/5/10/chartex" xmlns:cx3="http://schemas.microsoft.com/office/drawing/2016/5/9/chartex" xmlns:cx2="http://schemas.microsoft.com/office/drawing/2015/10/21/chartex" xmlns:cx1="http://schemas.microsoft.com/office/drawing/2015/9/8/chartex" xmlns:cx="http://schemas.microsoft.com/office/drawing/2014/chartex" xmlns:wps="http://schemas.microsoft.com/office/word/2010/wordprocessingShape" xmlns:wne="http://schemas.microsoft.com/office/word/2006/wordml" xmlns:wpi="http://schemas.microsoft.com/office/word/2010/wordprocessingInk" xmlns:wpg="http://schemas.microsoft.com/office/word/2010/wordprocessingGroup" xmlns:w15="http://schemas.microsoft.com/office/word/2012/wordml" xmlns:w14="http://schemas.microsoft.com/office/word/2010/wordml" xmlns:wp="http://schemas.openxmlformats.org/drawingml/2006/wordprocessingDrawing" xmlns:wp14="http://schemas.microsoft.com/office/word/2010/wordprocessingDrawing" xmlns:m="http://schemas.openxmlformats.org/officeDocument/2006/math" xmlns:mc="http://schemas.openxmlformats.org/markup-compatibility/2006" xmlns:wpc="http://schemas.microsoft.com/office/word/2010/wordprocessingCanvas">
                   <a:solidFill>
                     <a:srgbClr val="FFFFFF"/>
                   </a:solidFill>
                 </a14:hiddenFill>
               </a:ext>
               <a:ext uri="{91240B29-F687-4f45-9708-019B960494DF}">
-                <a14:hiddenLine xmlns:wpc="http://schemas.microsoft.com/office/word/2010/wordprocessingCanvas" xmlns:mc="http://schemas.openxmlformats.org/markup-compatibility/2006" xmlns:m="http://schemas.openxmlformats.org/officeDocument/2006/math" xmlns:wp14="http://schemas.microsoft.com/office/word/2010/wordprocessingDrawing" xmlns:wp="http://schemas.openxmlformats.org/drawingml/2006/wordprocessingDrawing" xmlns:w14="http://schemas.microsoft.com/office/word/2010/wordml" xmlns:w15="http://schemas.microsoft.com/office/word/2012/wordml" xmlns:wpg="http://schemas.microsoft.com/office/word/2010/wordprocessingGroup" xmlns:wpi="http://schemas.microsoft.com/office/word/2010/wordprocessingInk" xmlns:wne="http://schemas.microsoft.com/office/word/2006/wordml" xmlns:wps="http://schemas.microsoft.com/office/word/2010/wordprocessingShape" xmlns:cx="http://schemas.microsoft.com/office/drawing/2014/chartex" xmlns:cx1="http://schemas.microsoft.com/office/drawing/2015/9/8/chartex" xmlns:cx2="http://schemas.microsoft.com/office/drawing/2015/10/21/chartex" xmlns:cx3="http://schemas.microsoft.com/office/drawing/2016/5/9/chartex" xmlns:cx4="http://schemas.microsoft.com/office/drawing/2016/5/10/chartex" xmlns:cx5="http://schemas.microsoft.com/office/drawing/2016/5/11/chartex" xmlns:cx6="http://schemas.microsoft.com/office/drawing/2016/5/12/chartex" xmlns:cx7="http://schemas.microsoft.com/office/drawing/2016/5/13/chartex" xmlns:cx8="http://schemas.microsoft.com/office/drawing/2016/5/14/chartex" xmlns:aink="http://schemas.microsoft.com/office/drawing/2016/ink" xmlns:am3d="http://schemas.microsoft.com/office/drawing/2017/model3d" xmlns:w16cid="http://schemas.microsoft.com/office/word/2016/wordml/cid" xmlns:w16se="http://schemas.microsoft.com/office/word/2015/wordml/symex" xmlns:a14="http://schemas.microsoft.com/office/drawing/2010/main" xmlns:w="http://schemas.openxmlformats.org/wordprocessingml/2006/main" xmlns:w10="urn:schemas-microsoft-com:office:word" xmlns:v="urn:schemas-microsoft-com:vml" xmlns:o="urn:schemas-microsoft-com:office:office" xmlns:mv="urn:schemas-microsoft-com:mac:vml" xmlns:mo="http://schemas.microsoft.com/office/mac/office/2008/main" xmlns="" xmlns:arto="http://schemas.microsoft.com/office/word/2006/arto" xmlns:lc="http://schemas.openxmlformats.org/drawingml/2006/lockedCanvas" w="9525">
+                <a14:hiddenLine xmlns:lc="http://schemas.openxmlformats.org/drawingml/2006/lockedCanvas" xmlns:arto="http://schemas.microsoft.com/office/word/2006/arto" xmlns="" xmlns:mo="http://schemas.microsoft.com/office/mac/office/2008/main" xmlns:mv="urn:schemas-microsoft-com:mac:vml" xmlns:o="urn:schemas-microsoft-com:office:office" xmlns:v="urn:schemas-microsoft-com:vml" xmlns:w10="urn:schemas-microsoft-com:office:word" xmlns:w="http://schemas.openxmlformats.org/wordprocessingml/2006/main" xmlns:a14="http://schemas.microsoft.com/office/drawing/2010/main" xmlns:w16se="http://schemas.microsoft.com/office/word/2015/wordml/symex" xmlns:w16cid="http://schemas.microsoft.com/office/word/2016/wordml/cid" xmlns:am3d="http://schemas.microsoft.com/office/drawing/2017/model3d" xmlns:aink="http://schemas.microsoft.com/office/drawing/2016/ink" xmlns:cx8="http://schemas.microsoft.com/office/drawing/2016/5/14/chartex" xmlns:cx7="http://schemas.microsoft.com/office/drawing/2016/5/13/chartex" xmlns:cx6="http://schemas.microsoft.com/office/drawing/2016/5/12/chartex" xmlns:cx5="http://schemas.microsoft.com/office/drawing/2016/5/11/chartex" xmlns:cx4="http://schemas.microsoft.com/office/drawing/2016/5/10/chartex" xmlns:cx3="http://schemas.microsoft.com/office/drawing/2016/5/9/chartex" xmlns:cx2="http://schemas.microsoft.com/office/drawing/2015/10/21/chartex" xmlns:cx1="http://schemas.microsoft.com/office/drawing/2015/9/8/chartex" xmlns:cx="http://schemas.microsoft.com/office/drawing/2014/chartex" xmlns:wps="http://schemas.microsoft.com/office/word/2010/wordprocessingShape" xmlns:wne="http://schemas.microsoft.com/office/word/2006/wordml" xmlns:wpi="http://schemas.microsoft.com/office/word/2010/wordprocessingInk" xmlns:wpg="http://schemas.microsoft.com/office/word/2010/wordprocessingGroup" xmlns:w15="http://schemas.microsoft.com/office/word/2012/wordml" xmlns:w14="http://schemas.microsoft.com/office/word/2010/wordml" xmlns:wp="http://schemas.openxmlformats.org/drawingml/2006/wordprocessingDrawing" xmlns:wp14="http://schemas.microsoft.com/office/word/2010/wordprocessingDrawing" xmlns:m="http://schemas.openxmlformats.org/officeDocument/2006/math" xmlns:mc="http://schemas.openxmlformats.org/markup-compatibility/2006" xmlns:wpc="http://schemas.microsoft.com/office/word/2010/wordprocessingCanvas" w="9525">
                   <a:solidFill>
                     <a:srgbClr val="000000"/>
                   </a:solidFill>
@@ -4873,17 +4365,8 @@
             </a:bodyPr>
             <a:lstStyle/>
             <a:p>
-              <a:pPr marL="0" marR="0">
-                <a:spcBef>
-                  <a:spcPts val="0"/>
-                </a:spcBef>
-                <a:spcAft>
-                  <a:spcPts val="0"/>
-                </a:spcAft>
-              </a:pPr>
               <a:r>
                 <a:rPr lang="en-US" sz="900">
-                  <a:effectLst/>
                   <a:latin typeface="Times New Roman" panose="02020603050405020304" pitchFamily="18" charset="0"/>
                   <a:ea typeface="Arial Unicode MS" panose="020B0604020202020204" pitchFamily="34" charset="-128"/>
                 </a:rPr>
@@ -4891,44 +4374,36 @@
               </a:r>
               <a:br>
                 <a:rPr lang="en-US" sz="900">
-                  <a:effectLst/>
                   <a:latin typeface="Times New Roman" panose="02020603050405020304" pitchFamily="18" charset="0"/>
                   <a:ea typeface="Arial Unicode MS" panose="020B0604020202020204" pitchFamily="34" charset="-128"/>
                 </a:rPr>
               </a:br>
               <a:r>
                 <a:rPr lang="en-US" sz="900">
-                  <a:effectLst/>
                   <a:latin typeface="Times New Roman" panose="02020603050405020304" pitchFamily="18" charset="0"/>
                   <a:ea typeface="Times New Roman" panose="02020603050405020304" pitchFamily="18" charset="0"/>
                 </a:rPr>
                 <a:t>[PCC-44] </a:t>
               </a:r>
               <a:endParaRPr lang="en-US" sz="1200">
-                <a:effectLst/>
                 <a:latin typeface="Times New Roman" panose="02020603050405020304" pitchFamily="18" charset="0"/>
                 <a:ea typeface="Times New Roman" panose="02020603050405020304" pitchFamily="18" charset="0"/>
               </a:endParaRPr>
             </a:p>
             <a:p>
-              <a:pPr marL="0" marR="0">
+              <a:pPr>
                 <a:spcBef>
                   <a:spcPts val="600"/>
                 </a:spcBef>
-                <a:spcAft>
-                  <a:spcPts val="0"/>
-                </a:spcAft>
               </a:pPr>
               <a:r>
                 <a:rPr lang="en-US" sz="900">
-                  <a:effectLst/>
                   <a:latin typeface="Arial" panose="020B0604020202020204" pitchFamily="34" charset="0"/>
                   <a:ea typeface="Times New Roman" panose="02020603050405020304" pitchFamily="18" charset="0"/>
                 </a:rPr>
                 <a:t> </a:t>
               </a:r>
               <a:endParaRPr lang="en-US" sz="1200">
-                <a:effectLst/>
                 <a:latin typeface="Times New Roman" panose="02020603050405020304" pitchFamily="18" charset="0"/>
                 <a:ea typeface="Times New Roman" panose="02020603050405020304" pitchFamily="18" charset="0"/>
               </a:endParaRPr>
@@ -4963,14 +4438,14 @@
             </a:ln>
             <a:extLst>
               <a:ext uri="{909E8E84-426E-40dd-AFC4-6F175D3DCCD1}">
-                <a14:hiddenFill xmlns:wpc="http://schemas.microsoft.com/office/word/2010/wordprocessingCanvas" xmlns:mc="http://schemas.openxmlformats.org/markup-compatibility/2006" xmlns:m="http://schemas.openxmlformats.org/officeDocument/2006/math" xmlns:wp14="http://schemas.microsoft.com/office/word/2010/wordprocessingDrawing" xmlns:wp="http://schemas.openxmlformats.org/drawingml/2006/wordprocessingDrawing" xmlns:w14="http://schemas.microsoft.com/office/word/2010/wordml" xmlns:w15="http://schemas.microsoft.com/office/word/2012/wordml" xmlns:wpg="http://schemas.microsoft.com/office/word/2010/wordprocessingGroup" xmlns:wpi="http://schemas.microsoft.com/office/word/2010/wordprocessingInk" xmlns:wne="http://schemas.microsoft.com/office/word/2006/wordml" xmlns:wps="http://schemas.microsoft.com/office/word/2010/wordprocessingShape" xmlns:cx="http://schemas.microsoft.com/office/drawing/2014/chartex" xmlns:cx1="http://schemas.microsoft.com/office/drawing/2015/9/8/chartex" xmlns:cx2="http://schemas.microsoft.com/office/drawing/2015/10/21/chartex" xmlns:cx3="http://schemas.microsoft.com/office/drawing/2016/5/9/chartex" xmlns:cx4="http://schemas.microsoft.com/office/drawing/2016/5/10/chartex" xmlns:cx5="http://schemas.microsoft.com/office/drawing/2016/5/11/chartex" xmlns:cx6="http://schemas.microsoft.com/office/drawing/2016/5/12/chartex" xmlns:cx7="http://schemas.microsoft.com/office/drawing/2016/5/13/chartex" xmlns:cx8="http://schemas.microsoft.com/office/drawing/2016/5/14/chartex" xmlns:aink="http://schemas.microsoft.com/office/drawing/2016/ink" xmlns:am3d="http://schemas.microsoft.com/office/drawing/2017/model3d" xmlns:w16cid="http://schemas.microsoft.com/office/word/2016/wordml/cid" xmlns:w16se="http://schemas.microsoft.com/office/word/2015/wordml/symex" xmlns:a14="http://schemas.microsoft.com/office/drawing/2010/main" xmlns:w="http://schemas.openxmlformats.org/wordprocessingml/2006/main" xmlns:w10="urn:schemas-microsoft-com:office:word" xmlns:v="urn:schemas-microsoft-com:vml" xmlns:o="urn:schemas-microsoft-com:office:office" xmlns:mv="urn:schemas-microsoft-com:mac:vml" xmlns:mo="http://schemas.microsoft.com/office/mac/office/2008/main" xmlns="" xmlns:arto="http://schemas.microsoft.com/office/word/2006/arto" xmlns:lc="http://schemas.openxmlformats.org/drawingml/2006/lockedCanvas">
+                <a14:hiddenFill xmlns:lc="http://schemas.openxmlformats.org/drawingml/2006/lockedCanvas" xmlns:arto="http://schemas.microsoft.com/office/word/2006/arto" xmlns="" xmlns:mo="http://schemas.microsoft.com/office/mac/office/2008/main" xmlns:mv="urn:schemas-microsoft-com:mac:vml" xmlns:o="urn:schemas-microsoft-com:office:office" xmlns:v="urn:schemas-microsoft-com:vml" xmlns:w10="urn:schemas-microsoft-com:office:word" xmlns:w="http://schemas.openxmlformats.org/wordprocessingml/2006/main" xmlns:a14="http://schemas.microsoft.com/office/drawing/2010/main" xmlns:w16se="http://schemas.microsoft.com/office/word/2015/wordml/symex" xmlns:w16cid="http://schemas.microsoft.com/office/word/2016/wordml/cid" xmlns:am3d="http://schemas.microsoft.com/office/drawing/2017/model3d" xmlns:aink="http://schemas.microsoft.com/office/drawing/2016/ink" xmlns:cx8="http://schemas.microsoft.com/office/drawing/2016/5/14/chartex" xmlns:cx7="http://schemas.microsoft.com/office/drawing/2016/5/13/chartex" xmlns:cx6="http://schemas.microsoft.com/office/drawing/2016/5/12/chartex" xmlns:cx5="http://schemas.microsoft.com/office/drawing/2016/5/11/chartex" xmlns:cx4="http://schemas.microsoft.com/office/drawing/2016/5/10/chartex" xmlns:cx3="http://schemas.microsoft.com/office/drawing/2016/5/9/chartex" xmlns:cx2="http://schemas.microsoft.com/office/drawing/2015/10/21/chartex" xmlns:cx1="http://schemas.microsoft.com/office/drawing/2015/9/8/chartex" xmlns:cx="http://schemas.microsoft.com/office/drawing/2014/chartex" xmlns:wps="http://schemas.microsoft.com/office/word/2010/wordprocessingShape" xmlns:wne="http://schemas.microsoft.com/office/word/2006/wordml" xmlns:wpi="http://schemas.microsoft.com/office/word/2010/wordprocessingInk" xmlns:wpg="http://schemas.microsoft.com/office/word/2010/wordprocessingGroup" xmlns:w15="http://schemas.microsoft.com/office/word/2012/wordml" xmlns:w14="http://schemas.microsoft.com/office/word/2010/wordml" xmlns:wp="http://schemas.openxmlformats.org/drawingml/2006/wordprocessingDrawing" xmlns:wp14="http://schemas.microsoft.com/office/word/2010/wordprocessingDrawing" xmlns:m="http://schemas.openxmlformats.org/officeDocument/2006/math" xmlns:mc="http://schemas.openxmlformats.org/markup-compatibility/2006" xmlns:wpc="http://schemas.microsoft.com/office/word/2010/wordprocessingCanvas">
                   <a:solidFill>
                     <a:srgbClr val="FFFFFF"/>
                   </a:solidFill>
                 </a14:hiddenFill>
               </a:ext>
               <a:ext uri="{91240B29-F687-4f45-9708-019B960494DF}">
-                <a14:hiddenLine xmlns:wpc="http://schemas.microsoft.com/office/word/2010/wordprocessingCanvas" xmlns:mc="http://schemas.openxmlformats.org/markup-compatibility/2006" xmlns:m="http://schemas.openxmlformats.org/officeDocument/2006/math" xmlns:wp14="http://schemas.microsoft.com/office/word/2010/wordprocessingDrawing" xmlns:wp="http://schemas.openxmlformats.org/drawingml/2006/wordprocessingDrawing" xmlns:w14="http://schemas.microsoft.com/office/word/2010/wordml" xmlns:w15="http://schemas.microsoft.com/office/word/2012/wordml" xmlns:wpg="http://schemas.microsoft.com/office/word/2010/wordprocessingGroup" xmlns:wpi="http://schemas.microsoft.com/office/word/2010/wordprocessingInk" xmlns:wne="http://schemas.microsoft.com/office/word/2006/wordml" xmlns:wps="http://schemas.microsoft.com/office/word/2010/wordprocessingShape" xmlns:cx="http://schemas.microsoft.com/office/drawing/2014/chartex" xmlns:cx1="http://schemas.microsoft.com/office/drawing/2015/9/8/chartex" xmlns:cx2="http://schemas.microsoft.com/office/drawing/2015/10/21/chartex" xmlns:cx3="http://schemas.microsoft.com/office/drawing/2016/5/9/chartex" xmlns:cx4="http://schemas.microsoft.com/office/drawing/2016/5/10/chartex" xmlns:cx5="http://schemas.microsoft.com/office/drawing/2016/5/11/chartex" xmlns:cx6="http://schemas.microsoft.com/office/drawing/2016/5/12/chartex" xmlns:cx7="http://schemas.microsoft.com/office/drawing/2016/5/13/chartex" xmlns:cx8="http://schemas.microsoft.com/office/drawing/2016/5/14/chartex" xmlns:aink="http://schemas.microsoft.com/office/drawing/2016/ink" xmlns:am3d="http://schemas.microsoft.com/office/drawing/2017/model3d" xmlns:w16cid="http://schemas.microsoft.com/office/word/2016/wordml/cid" xmlns:w16se="http://schemas.microsoft.com/office/word/2015/wordml/symex" xmlns:a14="http://schemas.microsoft.com/office/drawing/2010/main" xmlns:w="http://schemas.openxmlformats.org/wordprocessingml/2006/main" xmlns:w10="urn:schemas-microsoft-com:office:word" xmlns:v="urn:schemas-microsoft-com:vml" xmlns:o="urn:schemas-microsoft-com:office:office" xmlns:mv="urn:schemas-microsoft-com:mac:vml" xmlns:mo="http://schemas.microsoft.com/office/mac/office/2008/main" xmlns="" xmlns:arto="http://schemas.microsoft.com/office/word/2006/arto" xmlns:lc="http://schemas.openxmlformats.org/drawingml/2006/lockedCanvas" w="3175">
+                <a14:hiddenLine xmlns:lc="http://schemas.openxmlformats.org/drawingml/2006/lockedCanvas" xmlns:arto="http://schemas.microsoft.com/office/word/2006/arto" xmlns="" xmlns:mo="http://schemas.microsoft.com/office/mac/office/2008/main" xmlns:mv="urn:schemas-microsoft-com:mac:vml" xmlns:o="urn:schemas-microsoft-com:office:office" xmlns:v="urn:schemas-microsoft-com:vml" xmlns:w10="urn:schemas-microsoft-com:office:word" xmlns:w="http://schemas.openxmlformats.org/wordprocessingml/2006/main" xmlns:a14="http://schemas.microsoft.com/office/drawing/2010/main" xmlns:w16se="http://schemas.microsoft.com/office/word/2015/wordml/symex" xmlns:w16cid="http://schemas.microsoft.com/office/word/2016/wordml/cid" xmlns:am3d="http://schemas.microsoft.com/office/drawing/2017/model3d" xmlns:aink="http://schemas.microsoft.com/office/drawing/2016/ink" xmlns:cx8="http://schemas.microsoft.com/office/drawing/2016/5/14/chartex" xmlns:cx7="http://schemas.microsoft.com/office/drawing/2016/5/13/chartex" xmlns:cx6="http://schemas.microsoft.com/office/drawing/2016/5/12/chartex" xmlns:cx5="http://schemas.microsoft.com/office/drawing/2016/5/11/chartex" xmlns:cx4="http://schemas.microsoft.com/office/drawing/2016/5/10/chartex" xmlns:cx3="http://schemas.microsoft.com/office/drawing/2016/5/9/chartex" xmlns:cx2="http://schemas.microsoft.com/office/drawing/2015/10/21/chartex" xmlns:cx1="http://schemas.microsoft.com/office/drawing/2015/9/8/chartex" xmlns:cx="http://schemas.microsoft.com/office/drawing/2014/chartex" xmlns:wps="http://schemas.microsoft.com/office/word/2010/wordprocessingShape" xmlns:wne="http://schemas.microsoft.com/office/word/2006/wordml" xmlns:wpi="http://schemas.microsoft.com/office/word/2010/wordprocessingInk" xmlns:wpg="http://schemas.microsoft.com/office/word/2010/wordprocessingGroup" xmlns:w15="http://schemas.microsoft.com/office/word/2012/wordml" xmlns:w14="http://schemas.microsoft.com/office/word/2010/wordml" xmlns:wp="http://schemas.openxmlformats.org/drawingml/2006/wordprocessingDrawing" xmlns:wp14="http://schemas.microsoft.com/office/word/2010/wordprocessingDrawing" xmlns:m="http://schemas.openxmlformats.org/officeDocument/2006/math" xmlns:mc="http://schemas.openxmlformats.org/markup-compatibility/2006" xmlns:wpc="http://schemas.microsoft.com/office/word/2010/wordprocessingCanvas" w="3175">
                   <a:solidFill>
                     <a:srgbClr val="000000"/>
                   </a:solidFill>
@@ -4987,17 +4462,13 @@
             </a:bodyPr>
             <a:lstStyle/>
             <a:p>
-              <a:pPr marL="0" marR="0">
+              <a:pPr>
                 <a:spcBef>
                   <a:spcPts val="600"/>
                 </a:spcBef>
-                <a:spcAft>
-                  <a:spcPts val="0"/>
-                </a:spcAft>
               </a:pPr>
               <a:r>
                 <a:rPr lang="en-US" sz="1000">
-                  <a:effectLst/>
                   <a:latin typeface="Times New Roman" panose="02020603050405020304" pitchFamily="18" charset="0"/>
                   <a:ea typeface="Times New Roman" panose="02020603050405020304" pitchFamily="18" charset="0"/>
                   <a:sym typeface="Wingdings" panose="05000000000000000000" pitchFamily="2" charset="2"/>
@@ -5005,7 +4476,6 @@
                 <a:t></a:t>
               </a:r>
               <a:endParaRPr lang="en-US" sz="1200">
-                <a:effectLst/>
                 <a:latin typeface="Times New Roman" panose="02020603050405020304" pitchFamily="18" charset="0"/>
                 <a:ea typeface="Times New Roman" panose="02020603050405020304" pitchFamily="18" charset="0"/>
               </a:endParaRPr>
@@ -5040,14 +4510,14 @@
             </a:ln>
             <a:extLst>
               <a:ext uri="{909E8E84-426E-40dd-AFC4-6F175D3DCCD1}">
-                <a14:hiddenFill xmlns:wpc="http://schemas.microsoft.com/office/word/2010/wordprocessingCanvas" xmlns:mc="http://schemas.openxmlformats.org/markup-compatibility/2006" xmlns:m="http://schemas.openxmlformats.org/officeDocument/2006/math" xmlns:wp14="http://schemas.microsoft.com/office/word/2010/wordprocessingDrawing" xmlns:wp="http://schemas.openxmlformats.org/drawingml/2006/wordprocessingDrawing" xmlns:w14="http://schemas.microsoft.com/office/word/2010/wordml" xmlns:w15="http://schemas.microsoft.com/office/word/2012/wordml" xmlns:wpg="http://schemas.microsoft.com/office/word/2010/wordprocessingGroup" xmlns:wpi="http://schemas.microsoft.com/office/word/2010/wordprocessingInk" xmlns:wne="http://schemas.microsoft.com/office/word/2006/wordml" xmlns:wps="http://schemas.microsoft.com/office/word/2010/wordprocessingShape" xmlns:cx="http://schemas.microsoft.com/office/drawing/2014/chartex" xmlns:cx1="http://schemas.microsoft.com/office/drawing/2015/9/8/chartex" xmlns:cx2="http://schemas.microsoft.com/office/drawing/2015/10/21/chartex" xmlns:cx3="http://schemas.microsoft.com/office/drawing/2016/5/9/chartex" xmlns:cx4="http://schemas.microsoft.com/office/drawing/2016/5/10/chartex" xmlns:cx5="http://schemas.microsoft.com/office/drawing/2016/5/11/chartex" xmlns:cx6="http://schemas.microsoft.com/office/drawing/2016/5/12/chartex" xmlns:cx7="http://schemas.microsoft.com/office/drawing/2016/5/13/chartex" xmlns:cx8="http://schemas.microsoft.com/office/drawing/2016/5/14/chartex" xmlns:aink="http://schemas.microsoft.com/office/drawing/2016/ink" xmlns:am3d="http://schemas.microsoft.com/office/drawing/2017/model3d" xmlns:w16cid="http://schemas.microsoft.com/office/word/2016/wordml/cid" xmlns:w16se="http://schemas.microsoft.com/office/word/2015/wordml/symex" xmlns:a14="http://schemas.microsoft.com/office/drawing/2010/main" xmlns:w="http://schemas.openxmlformats.org/wordprocessingml/2006/main" xmlns:w10="urn:schemas-microsoft-com:office:word" xmlns:v="urn:schemas-microsoft-com:vml" xmlns:o="urn:schemas-microsoft-com:office:office" xmlns:mv="urn:schemas-microsoft-com:mac:vml" xmlns:mo="http://schemas.microsoft.com/office/mac/office/2008/main" xmlns="" xmlns:arto="http://schemas.microsoft.com/office/word/2006/arto" xmlns:lc="http://schemas.openxmlformats.org/drawingml/2006/lockedCanvas">
+                <a14:hiddenFill xmlns:lc="http://schemas.openxmlformats.org/drawingml/2006/lockedCanvas" xmlns:arto="http://schemas.microsoft.com/office/word/2006/arto" xmlns="" xmlns:mo="http://schemas.microsoft.com/office/mac/office/2008/main" xmlns:mv="urn:schemas-microsoft-com:mac:vml" xmlns:o="urn:schemas-microsoft-com:office:office" xmlns:v="urn:schemas-microsoft-com:vml" xmlns:w10="urn:schemas-microsoft-com:office:word" xmlns:w="http://schemas.openxmlformats.org/wordprocessingml/2006/main" xmlns:a14="http://schemas.microsoft.com/office/drawing/2010/main" xmlns:w16se="http://schemas.microsoft.com/office/word/2015/wordml/symex" xmlns:w16cid="http://schemas.microsoft.com/office/word/2016/wordml/cid" xmlns:am3d="http://schemas.microsoft.com/office/drawing/2017/model3d" xmlns:aink="http://schemas.microsoft.com/office/drawing/2016/ink" xmlns:cx8="http://schemas.microsoft.com/office/drawing/2016/5/14/chartex" xmlns:cx7="http://schemas.microsoft.com/office/drawing/2016/5/13/chartex" xmlns:cx6="http://schemas.microsoft.com/office/drawing/2016/5/12/chartex" xmlns:cx5="http://schemas.microsoft.com/office/drawing/2016/5/11/chartex" xmlns:cx4="http://schemas.microsoft.com/office/drawing/2016/5/10/chartex" xmlns:cx3="http://schemas.microsoft.com/office/drawing/2016/5/9/chartex" xmlns:cx2="http://schemas.microsoft.com/office/drawing/2015/10/21/chartex" xmlns:cx1="http://schemas.microsoft.com/office/drawing/2015/9/8/chartex" xmlns:cx="http://schemas.microsoft.com/office/drawing/2014/chartex" xmlns:wps="http://schemas.microsoft.com/office/word/2010/wordprocessingShape" xmlns:wne="http://schemas.microsoft.com/office/word/2006/wordml" xmlns:wpi="http://schemas.microsoft.com/office/word/2010/wordprocessingInk" xmlns:wpg="http://schemas.microsoft.com/office/word/2010/wordprocessingGroup" xmlns:w15="http://schemas.microsoft.com/office/word/2012/wordml" xmlns:w14="http://schemas.microsoft.com/office/word/2010/wordml" xmlns:wp="http://schemas.openxmlformats.org/drawingml/2006/wordprocessingDrawing" xmlns:wp14="http://schemas.microsoft.com/office/word/2010/wordprocessingDrawing" xmlns:m="http://schemas.openxmlformats.org/officeDocument/2006/math" xmlns:mc="http://schemas.openxmlformats.org/markup-compatibility/2006" xmlns:wpc="http://schemas.microsoft.com/office/word/2010/wordprocessingCanvas">
                   <a:solidFill>
                     <a:srgbClr val="FFFFFF"/>
                   </a:solidFill>
                 </a14:hiddenFill>
               </a:ext>
               <a:ext uri="{91240B29-F687-4f45-9708-019B960494DF}">
-                <a14:hiddenLine xmlns:wpc="http://schemas.microsoft.com/office/word/2010/wordprocessingCanvas" xmlns:mc="http://schemas.openxmlformats.org/markup-compatibility/2006" xmlns:m="http://schemas.openxmlformats.org/officeDocument/2006/math" xmlns:wp14="http://schemas.microsoft.com/office/word/2010/wordprocessingDrawing" xmlns:wp="http://schemas.openxmlformats.org/drawingml/2006/wordprocessingDrawing" xmlns:w14="http://schemas.microsoft.com/office/word/2010/wordml" xmlns:w15="http://schemas.microsoft.com/office/word/2012/wordml" xmlns:wpg="http://schemas.microsoft.com/office/word/2010/wordprocessingGroup" xmlns:wpi="http://schemas.microsoft.com/office/word/2010/wordprocessingInk" xmlns:wne="http://schemas.microsoft.com/office/word/2006/wordml" xmlns:wps="http://schemas.microsoft.com/office/word/2010/wordprocessingShape" xmlns:cx="http://schemas.microsoft.com/office/drawing/2014/chartex" xmlns:cx1="http://schemas.microsoft.com/office/drawing/2015/9/8/chartex" xmlns:cx2="http://schemas.microsoft.com/office/drawing/2015/10/21/chartex" xmlns:cx3="http://schemas.microsoft.com/office/drawing/2016/5/9/chartex" xmlns:cx4="http://schemas.microsoft.com/office/drawing/2016/5/10/chartex" xmlns:cx5="http://schemas.microsoft.com/office/drawing/2016/5/11/chartex" xmlns:cx6="http://schemas.microsoft.com/office/drawing/2016/5/12/chartex" xmlns:cx7="http://schemas.microsoft.com/office/drawing/2016/5/13/chartex" xmlns:cx8="http://schemas.microsoft.com/office/drawing/2016/5/14/chartex" xmlns:aink="http://schemas.microsoft.com/office/drawing/2016/ink" xmlns:am3d="http://schemas.microsoft.com/office/drawing/2017/model3d" xmlns:w16cid="http://schemas.microsoft.com/office/word/2016/wordml/cid" xmlns:w16se="http://schemas.microsoft.com/office/word/2015/wordml/symex" xmlns:a14="http://schemas.microsoft.com/office/drawing/2010/main" xmlns:w="http://schemas.openxmlformats.org/wordprocessingml/2006/main" xmlns:w10="urn:schemas-microsoft-com:office:word" xmlns:v="urn:schemas-microsoft-com:vml" xmlns:o="urn:schemas-microsoft-com:office:office" xmlns:mv="urn:schemas-microsoft-com:mac:vml" xmlns:mo="http://schemas.microsoft.com/office/mac/office/2008/main" xmlns="" xmlns:arto="http://schemas.microsoft.com/office/word/2006/arto" xmlns:lc="http://schemas.openxmlformats.org/drawingml/2006/lockedCanvas" w="3175">
+                <a14:hiddenLine xmlns:lc="http://schemas.openxmlformats.org/drawingml/2006/lockedCanvas" xmlns:arto="http://schemas.microsoft.com/office/word/2006/arto" xmlns="" xmlns:mo="http://schemas.microsoft.com/office/mac/office/2008/main" xmlns:mv="urn:schemas-microsoft-com:mac:vml" xmlns:o="urn:schemas-microsoft-com:office:office" xmlns:v="urn:schemas-microsoft-com:vml" xmlns:w10="urn:schemas-microsoft-com:office:word" xmlns:w="http://schemas.openxmlformats.org/wordprocessingml/2006/main" xmlns:a14="http://schemas.microsoft.com/office/drawing/2010/main" xmlns:w16se="http://schemas.microsoft.com/office/word/2015/wordml/symex" xmlns:w16cid="http://schemas.microsoft.com/office/word/2016/wordml/cid" xmlns:am3d="http://schemas.microsoft.com/office/drawing/2017/model3d" xmlns:aink="http://schemas.microsoft.com/office/drawing/2016/ink" xmlns:cx8="http://schemas.microsoft.com/office/drawing/2016/5/14/chartex" xmlns:cx7="http://schemas.microsoft.com/office/drawing/2016/5/13/chartex" xmlns:cx6="http://schemas.microsoft.com/office/drawing/2016/5/12/chartex" xmlns:cx5="http://schemas.microsoft.com/office/drawing/2016/5/11/chartex" xmlns:cx4="http://schemas.microsoft.com/office/drawing/2016/5/10/chartex" xmlns:cx3="http://schemas.microsoft.com/office/drawing/2016/5/9/chartex" xmlns:cx2="http://schemas.microsoft.com/office/drawing/2015/10/21/chartex" xmlns:cx1="http://schemas.microsoft.com/office/drawing/2015/9/8/chartex" xmlns:cx="http://schemas.microsoft.com/office/drawing/2014/chartex" xmlns:wps="http://schemas.microsoft.com/office/word/2010/wordprocessingShape" xmlns:wne="http://schemas.microsoft.com/office/word/2006/wordml" xmlns:wpi="http://schemas.microsoft.com/office/word/2010/wordprocessingInk" xmlns:wpg="http://schemas.microsoft.com/office/word/2010/wordprocessingGroup" xmlns:w15="http://schemas.microsoft.com/office/word/2012/wordml" xmlns:w14="http://schemas.microsoft.com/office/word/2010/wordml" xmlns:wp="http://schemas.openxmlformats.org/drawingml/2006/wordprocessingDrawing" xmlns:wp14="http://schemas.microsoft.com/office/word/2010/wordprocessingDrawing" xmlns:m="http://schemas.openxmlformats.org/officeDocument/2006/math" xmlns:mc="http://schemas.openxmlformats.org/markup-compatibility/2006" xmlns:wpc="http://schemas.microsoft.com/office/word/2010/wordprocessingCanvas" w="3175">
                   <a:solidFill>
                     <a:srgbClr val="000000"/>
                   </a:solidFill>
@@ -5064,17 +4534,13 @@
             </a:bodyPr>
             <a:lstStyle/>
             <a:p>
-              <a:pPr marL="0" marR="0">
+              <a:pPr>
                 <a:spcBef>
                   <a:spcPts val="600"/>
                 </a:spcBef>
-                <a:spcAft>
-                  <a:spcPts val="0"/>
-                </a:spcAft>
               </a:pPr>
               <a:r>
                 <a:rPr lang="en-US" sz="1000">
-                  <a:effectLst/>
                   <a:latin typeface="Times New Roman" panose="02020603050405020304" pitchFamily="18" charset="0"/>
                   <a:ea typeface="Times New Roman" panose="02020603050405020304" pitchFamily="18" charset="0"/>
                   <a:sym typeface="Wingdings" panose="05000000000000000000" pitchFamily="2" charset="2"/>
@@ -5082,7 +4548,6 @@
                 <a:t></a:t>
               </a:r>
               <a:endParaRPr lang="en-US" sz="1200">
-                <a:effectLst/>
                 <a:latin typeface="Times New Roman" panose="02020603050405020304" pitchFamily="18" charset="0"/>
                 <a:ea typeface="Times New Roman" panose="02020603050405020304" pitchFamily="18" charset="0"/>
               </a:endParaRPr>
@@ -5117,14 +4582,14 @@
             </a:ln>
             <a:extLst>
               <a:ext uri="{909E8E84-426E-40dd-AFC4-6F175D3DCCD1}">
-                <a14:hiddenFill xmlns:wpc="http://schemas.microsoft.com/office/word/2010/wordprocessingCanvas" xmlns:mc="http://schemas.openxmlformats.org/markup-compatibility/2006" xmlns:m="http://schemas.openxmlformats.org/officeDocument/2006/math" xmlns:wp14="http://schemas.microsoft.com/office/word/2010/wordprocessingDrawing" xmlns:wp="http://schemas.openxmlformats.org/drawingml/2006/wordprocessingDrawing" xmlns:w14="http://schemas.microsoft.com/office/word/2010/wordml" xmlns:w15="http://schemas.microsoft.com/office/word/2012/wordml" xmlns:wpg="http://schemas.microsoft.com/office/word/2010/wordprocessingGroup" xmlns:wpi="http://schemas.microsoft.com/office/word/2010/wordprocessingInk" xmlns:wne="http://schemas.microsoft.com/office/word/2006/wordml" xmlns:wps="http://schemas.microsoft.com/office/word/2010/wordprocessingShape" xmlns:cx="http://schemas.microsoft.com/office/drawing/2014/chartex" xmlns:cx1="http://schemas.microsoft.com/office/drawing/2015/9/8/chartex" xmlns:cx2="http://schemas.microsoft.com/office/drawing/2015/10/21/chartex" xmlns:cx3="http://schemas.microsoft.com/office/drawing/2016/5/9/chartex" xmlns:cx4="http://schemas.microsoft.com/office/drawing/2016/5/10/chartex" xmlns:cx5="http://schemas.microsoft.com/office/drawing/2016/5/11/chartex" xmlns:cx6="http://schemas.microsoft.com/office/drawing/2016/5/12/chartex" xmlns:cx7="http://schemas.microsoft.com/office/drawing/2016/5/13/chartex" xmlns:cx8="http://schemas.microsoft.com/office/drawing/2016/5/14/chartex" xmlns:aink="http://schemas.microsoft.com/office/drawing/2016/ink" xmlns:am3d="http://schemas.microsoft.com/office/drawing/2017/model3d" xmlns:w16cid="http://schemas.microsoft.com/office/word/2016/wordml/cid" xmlns:w16se="http://schemas.microsoft.com/office/word/2015/wordml/symex" xmlns:a14="http://schemas.microsoft.com/office/drawing/2010/main" xmlns:w="http://schemas.openxmlformats.org/wordprocessingml/2006/main" xmlns:w10="urn:schemas-microsoft-com:office:word" xmlns:v="urn:schemas-microsoft-com:vml" xmlns:o="urn:schemas-microsoft-com:office:office" xmlns:mv="urn:schemas-microsoft-com:mac:vml" xmlns:mo="http://schemas.microsoft.com/office/mac/office/2008/main" xmlns="" xmlns:arto="http://schemas.microsoft.com/office/word/2006/arto" xmlns:lc="http://schemas.openxmlformats.org/drawingml/2006/lockedCanvas">
+                <a14:hiddenFill xmlns:lc="http://schemas.openxmlformats.org/drawingml/2006/lockedCanvas" xmlns:arto="http://schemas.microsoft.com/office/word/2006/arto" xmlns="" xmlns:mo="http://schemas.microsoft.com/office/mac/office/2008/main" xmlns:mv="urn:schemas-microsoft-com:mac:vml" xmlns:o="urn:schemas-microsoft-com:office:office" xmlns:v="urn:schemas-microsoft-com:vml" xmlns:w10="urn:schemas-microsoft-com:office:word" xmlns:w="http://schemas.openxmlformats.org/wordprocessingml/2006/main" xmlns:a14="http://schemas.microsoft.com/office/drawing/2010/main" xmlns:w16se="http://schemas.microsoft.com/office/word/2015/wordml/symex" xmlns:w16cid="http://schemas.microsoft.com/office/word/2016/wordml/cid" xmlns:am3d="http://schemas.microsoft.com/office/drawing/2017/model3d" xmlns:aink="http://schemas.microsoft.com/office/drawing/2016/ink" xmlns:cx8="http://schemas.microsoft.com/office/drawing/2016/5/14/chartex" xmlns:cx7="http://schemas.microsoft.com/office/drawing/2016/5/13/chartex" xmlns:cx6="http://schemas.microsoft.com/office/drawing/2016/5/12/chartex" xmlns:cx5="http://schemas.microsoft.com/office/drawing/2016/5/11/chartex" xmlns:cx4="http://schemas.microsoft.com/office/drawing/2016/5/10/chartex" xmlns:cx3="http://schemas.microsoft.com/office/drawing/2016/5/9/chartex" xmlns:cx2="http://schemas.microsoft.com/office/drawing/2015/10/21/chartex" xmlns:cx1="http://schemas.microsoft.com/office/drawing/2015/9/8/chartex" xmlns:cx="http://schemas.microsoft.com/office/drawing/2014/chartex" xmlns:wps="http://schemas.microsoft.com/office/word/2010/wordprocessingShape" xmlns:wne="http://schemas.microsoft.com/office/word/2006/wordml" xmlns:wpi="http://schemas.microsoft.com/office/word/2010/wordprocessingInk" xmlns:wpg="http://schemas.microsoft.com/office/word/2010/wordprocessingGroup" xmlns:w15="http://schemas.microsoft.com/office/word/2012/wordml" xmlns:w14="http://schemas.microsoft.com/office/word/2010/wordml" xmlns:wp="http://schemas.openxmlformats.org/drawingml/2006/wordprocessingDrawing" xmlns:wp14="http://schemas.microsoft.com/office/word/2010/wordprocessingDrawing" xmlns:m="http://schemas.openxmlformats.org/officeDocument/2006/math" xmlns:mc="http://schemas.openxmlformats.org/markup-compatibility/2006" xmlns:wpc="http://schemas.microsoft.com/office/word/2010/wordprocessingCanvas">
                   <a:solidFill>
                     <a:srgbClr val="FFFFFF"/>
                   </a:solidFill>
                 </a14:hiddenFill>
               </a:ext>
               <a:ext uri="{91240B29-F687-4f45-9708-019B960494DF}">
-                <a14:hiddenLine xmlns:wpc="http://schemas.microsoft.com/office/word/2010/wordprocessingCanvas" xmlns:mc="http://schemas.openxmlformats.org/markup-compatibility/2006" xmlns:m="http://schemas.openxmlformats.org/officeDocument/2006/math" xmlns:wp14="http://schemas.microsoft.com/office/word/2010/wordprocessingDrawing" xmlns:wp="http://schemas.openxmlformats.org/drawingml/2006/wordprocessingDrawing" xmlns:w14="http://schemas.microsoft.com/office/word/2010/wordml" xmlns:w15="http://schemas.microsoft.com/office/word/2012/wordml" xmlns:wpg="http://schemas.microsoft.com/office/word/2010/wordprocessingGroup" xmlns:wpi="http://schemas.microsoft.com/office/word/2010/wordprocessingInk" xmlns:wne="http://schemas.microsoft.com/office/word/2006/wordml" xmlns:wps="http://schemas.microsoft.com/office/word/2010/wordprocessingShape" xmlns:cx="http://schemas.microsoft.com/office/drawing/2014/chartex" xmlns:cx1="http://schemas.microsoft.com/office/drawing/2015/9/8/chartex" xmlns:cx2="http://schemas.microsoft.com/office/drawing/2015/10/21/chartex" xmlns:cx3="http://schemas.microsoft.com/office/drawing/2016/5/9/chartex" xmlns:cx4="http://schemas.microsoft.com/office/drawing/2016/5/10/chartex" xmlns:cx5="http://schemas.microsoft.com/office/drawing/2016/5/11/chartex" xmlns:cx6="http://schemas.microsoft.com/office/drawing/2016/5/12/chartex" xmlns:cx7="http://schemas.microsoft.com/office/drawing/2016/5/13/chartex" xmlns:cx8="http://schemas.microsoft.com/office/drawing/2016/5/14/chartex" xmlns:aink="http://schemas.microsoft.com/office/drawing/2016/ink" xmlns:am3d="http://schemas.microsoft.com/office/drawing/2017/model3d" xmlns:w16cid="http://schemas.microsoft.com/office/word/2016/wordml/cid" xmlns:w16se="http://schemas.microsoft.com/office/word/2015/wordml/symex" xmlns:a14="http://schemas.microsoft.com/office/drawing/2010/main" xmlns:w="http://schemas.openxmlformats.org/wordprocessingml/2006/main" xmlns:w10="urn:schemas-microsoft-com:office:word" xmlns:v="urn:schemas-microsoft-com:vml" xmlns:o="urn:schemas-microsoft-com:office:office" xmlns:mv="urn:schemas-microsoft-com:mac:vml" xmlns:mo="http://schemas.microsoft.com/office/mac/office/2008/main" xmlns="" xmlns:arto="http://schemas.microsoft.com/office/word/2006/arto" xmlns:lc="http://schemas.openxmlformats.org/drawingml/2006/lockedCanvas" w="3175">
+                <a14:hiddenLine xmlns:lc="http://schemas.openxmlformats.org/drawingml/2006/lockedCanvas" xmlns:arto="http://schemas.microsoft.com/office/word/2006/arto" xmlns="" xmlns:mo="http://schemas.microsoft.com/office/mac/office/2008/main" xmlns:mv="urn:schemas-microsoft-com:mac:vml" xmlns:o="urn:schemas-microsoft-com:office:office" xmlns:v="urn:schemas-microsoft-com:vml" xmlns:w10="urn:schemas-microsoft-com:office:word" xmlns:w="http://schemas.openxmlformats.org/wordprocessingml/2006/main" xmlns:a14="http://schemas.microsoft.com/office/drawing/2010/main" xmlns:w16se="http://schemas.microsoft.com/office/word/2015/wordml/symex" xmlns:w16cid="http://schemas.microsoft.com/office/word/2016/wordml/cid" xmlns:am3d="http://schemas.microsoft.com/office/drawing/2017/model3d" xmlns:aink="http://schemas.microsoft.com/office/drawing/2016/ink" xmlns:cx8="http://schemas.microsoft.com/office/drawing/2016/5/14/chartex" xmlns:cx7="http://schemas.microsoft.com/office/drawing/2016/5/13/chartex" xmlns:cx6="http://schemas.microsoft.com/office/drawing/2016/5/12/chartex" xmlns:cx5="http://schemas.microsoft.com/office/drawing/2016/5/11/chartex" xmlns:cx4="http://schemas.microsoft.com/office/drawing/2016/5/10/chartex" xmlns:cx3="http://schemas.microsoft.com/office/drawing/2016/5/9/chartex" xmlns:cx2="http://schemas.microsoft.com/office/drawing/2015/10/21/chartex" xmlns:cx1="http://schemas.microsoft.com/office/drawing/2015/9/8/chartex" xmlns:cx="http://schemas.microsoft.com/office/drawing/2014/chartex" xmlns:wps="http://schemas.microsoft.com/office/word/2010/wordprocessingShape" xmlns:wne="http://schemas.microsoft.com/office/word/2006/wordml" xmlns:wpi="http://schemas.microsoft.com/office/word/2010/wordprocessingInk" xmlns:wpg="http://schemas.microsoft.com/office/word/2010/wordprocessingGroup" xmlns:w15="http://schemas.microsoft.com/office/word/2012/wordml" xmlns:w14="http://schemas.microsoft.com/office/word/2010/wordml" xmlns:wp="http://schemas.openxmlformats.org/drawingml/2006/wordprocessingDrawing" xmlns:wp14="http://schemas.microsoft.com/office/word/2010/wordprocessingDrawing" xmlns:m="http://schemas.openxmlformats.org/officeDocument/2006/math" xmlns:mc="http://schemas.openxmlformats.org/markup-compatibility/2006" xmlns:wpc="http://schemas.microsoft.com/office/word/2010/wordprocessingCanvas" w="3175">
                   <a:solidFill>
                     <a:srgbClr val="000000"/>
                   </a:solidFill>
@@ -5141,17 +4606,13 @@
             </a:bodyPr>
             <a:lstStyle/>
             <a:p>
-              <a:pPr marL="0" marR="0">
+              <a:pPr>
                 <a:spcBef>
                   <a:spcPts val="600"/>
                 </a:spcBef>
-                <a:spcAft>
-                  <a:spcPts val="0"/>
-                </a:spcAft>
               </a:pPr>
               <a:r>
                 <a:rPr lang="en-US" sz="1000">
-                  <a:effectLst/>
                   <a:latin typeface="Times New Roman" panose="02020603050405020304" pitchFamily="18" charset="0"/>
                   <a:ea typeface="Times New Roman" panose="02020603050405020304" pitchFamily="18" charset="0"/>
                   <a:sym typeface="Wingdings" panose="05000000000000000000" pitchFamily="2" charset="2"/>
@@ -5159,7 +4620,6 @@
                 <a:t></a:t>
               </a:r>
               <a:endParaRPr lang="en-US" sz="1200">
-                <a:effectLst/>
                 <a:latin typeface="Times New Roman" panose="02020603050405020304" pitchFamily="18" charset="0"/>
                 <a:ea typeface="Times New Roman" panose="02020603050405020304" pitchFamily="18" charset="0"/>
               </a:endParaRPr>
@@ -5194,14 +4654,14 @@
             </a:ln>
             <a:extLst>
               <a:ext uri="{909E8E84-426E-40dd-AFC4-6F175D3DCCD1}">
-                <a14:hiddenFill xmlns:wpc="http://schemas.microsoft.com/office/word/2010/wordprocessingCanvas" xmlns:mc="http://schemas.openxmlformats.org/markup-compatibility/2006" xmlns:m="http://schemas.openxmlformats.org/officeDocument/2006/math" xmlns:wp14="http://schemas.microsoft.com/office/word/2010/wordprocessingDrawing" xmlns:wp="http://schemas.openxmlformats.org/drawingml/2006/wordprocessingDrawing" xmlns:w14="http://schemas.microsoft.com/office/word/2010/wordml" xmlns:w15="http://schemas.microsoft.com/office/word/2012/wordml" xmlns:wpg="http://schemas.microsoft.com/office/word/2010/wordprocessingGroup" xmlns:wpi="http://schemas.microsoft.com/office/word/2010/wordprocessingInk" xmlns:wne="http://schemas.microsoft.com/office/word/2006/wordml" xmlns:wps="http://schemas.microsoft.com/office/word/2010/wordprocessingShape" xmlns:cx="http://schemas.microsoft.com/office/drawing/2014/chartex" xmlns:cx1="http://schemas.microsoft.com/office/drawing/2015/9/8/chartex" xmlns:cx2="http://schemas.microsoft.com/office/drawing/2015/10/21/chartex" xmlns:cx3="http://schemas.microsoft.com/office/drawing/2016/5/9/chartex" xmlns:cx4="http://schemas.microsoft.com/office/drawing/2016/5/10/chartex" xmlns:cx5="http://schemas.microsoft.com/office/drawing/2016/5/11/chartex" xmlns:cx6="http://schemas.microsoft.com/office/drawing/2016/5/12/chartex" xmlns:cx7="http://schemas.microsoft.com/office/drawing/2016/5/13/chartex" xmlns:cx8="http://schemas.microsoft.com/office/drawing/2016/5/14/chartex" xmlns:aink="http://schemas.microsoft.com/office/drawing/2016/ink" xmlns:am3d="http://schemas.microsoft.com/office/drawing/2017/model3d" xmlns:w16cid="http://schemas.microsoft.com/office/word/2016/wordml/cid" xmlns:w16se="http://schemas.microsoft.com/office/word/2015/wordml/symex" xmlns:a14="http://schemas.microsoft.com/office/drawing/2010/main" xmlns:w="http://schemas.openxmlformats.org/wordprocessingml/2006/main" xmlns:w10="urn:schemas-microsoft-com:office:word" xmlns:v="urn:schemas-microsoft-com:vml" xmlns:o="urn:schemas-microsoft-com:office:office" xmlns:mv="urn:schemas-microsoft-com:mac:vml" xmlns:mo="http://schemas.microsoft.com/office/mac/office/2008/main" xmlns="" xmlns:arto="http://schemas.microsoft.com/office/word/2006/arto" xmlns:lc="http://schemas.openxmlformats.org/drawingml/2006/lockedCanvas">
+                <a14:hiddenFill xmlns:lc="http://schemas.openxmlformats.org/drawingml/2006/lockedCanvas" xmlns:arto="http://schemas.microsoft.com/office/word/2006/arto" xmlns="" xmlns:mo="http://schemas.microsoft.com/office/mac/office/2008/main" xmlns:mv="urn:schemas-microsoft-com:mac:vml" xmlns:o="urn:schemas-microsoft-com:office:office" xmlns:v="urn:schemas-microsoft-com:vml" xmlns:w10="urn:schemas-microsoft-com:office:word" xmlns:w="http://schemas.openxmlformats.org/wordprocessingml/2006/main" xmlns:a14="http://schemas.microsoft.com/office/drawing/2010/main" xmlns:w16se="http://schemas.microsoft.com/office/word/2015/wordml/symex" xmlns:w16cid="http://schemas.microsoft.com/office/word/2016/wordml/cid" xmlns:am3d="http://schemas.microsoft.com/office/drawing/2017/model3d" xmlns:aink="http://schemas.microsoft.com/office/drawing/2016/ink" xmlns:cx8="http://schemas.microsoft.com/office/drawing/2016/5/14/chartex" xmlns:cx7="http://schemas.microsoft.com/office/drawing/2016/5/13/chartex" xmlns:cx6="http://schemas.microsoft.com/office/drawing/2016/5/12/chartex" xmlns:cx5="http://schemas.microsoft.com/office/drawing/2016/5/11/chartex" xmlns:cx4="http://schemas.microsoft.com/office/drawing/2016/5/10/chartex" xmlns:cx3="http://schemas.microsoft.com/office/drawing/2016/5/9/chartex" xmlns:cx2="http://schemas.microsoft.com/office/drawing/2015/10/21/chartex" xmlns:cx1="http://schemas.microsoft.com/office/drawing/2015/9/8/chartex" xmlns:cx="http://schemas.microsoft.com/office/drawing/2014/chartex" xmlns:wps="http://schemas.microsoft.com/office/word/2010/wordprocessingShape" xmlns:wne="http://schemas.microsoft.com/office/word/2006/wordml" xmlns:wpi="http://schemas.microsoft.com/office/word/2010/wordprocessingInk" xmlns:wpg="http://schemas.microsoft.com/office/word/2010/wordprocessingGroup" xmlns:w15="http://schemas.microsoft.com/office/word/2012/wordml" xmlns:w14="http://schemas.microsoft.com/office/word/2010/wordml" xmlns:wp="http://schemas.openxmlformats.org/drawingml/2006/wordprocessingDrawing" xmlns:wp14="http://schemas.microsoft.com/office/word/2010/wordprocessingDrawing" xmlns:m="http://schemas.openxmlformats.org/officeDocument/2006/math" xmlns:mc="http://schemas.openxmlformats.org/markup-compatibility/2006" xmlns:wpc="http://schemas.microsoft.com/office/word/2010/wordprocessingCanvas">
                   <a:solidFill>
                     <a:srgbClr val="FFFFFF"/>
                   </a:solidFill>
                 </a14:hiddenFill>
               </a:ext>
               <a:ext uri="{91240B29-F687-4f45-9708-019B960494DF}">
-                <a14:hiddenLine xmlns:wpc="http://schemas.microsoft.com/office/word/2010/wordprocessingCanvas" xmlns:mc="http://schemas.openxmlformats.org/markup-compatibility/2006" xmlns:m="http://schemas.openxmlformats.org/officeDocument/2006/math" xmlns:wp14="http://schemas.microsoft.com/office/word/2010/wordprocessingDrawing" xmlns:wp="http://schemas.openxmlformats.org/drawingml/2006/wordprocessingDrawing" xmlns:w14="http://schemas.microsoft.com/office/word/2010/wordml" xmlns:w15="http://schemas.microsoft.com/office/word/2012/wordml" xmlns:wpg="http://schemas.microsoft.com/office/word/2010/wordprocessingGroup" xmlns:wpi="http://schemas.microsoft.com/office/word/2010/wordprocessingInk" xmlns:wne="http://schemas.microsoft.com/office/word/2006/wordml" xmlns:wps="http://schemas.microsoft.com/office/word/2010/wordprocessingShape" xmlns:cx="http://schemas.microsoft.com/office/drawing/2014/chartex" xmlns:cx1="http://schemas.microsoft.com/office/drawing/2015/9/8/chartex" xmlns:cx2="http://schemas.microsoft.com/office/drawing/2015/10/21/chartex" xmlns:cx3="http://schemas.microsoft.com/office/drawing/2016/5/9/chartex" xmlns:cx4="http://schemas.microsoft.com/office/drawing/2016/5/10/chartex" xmlns:cx5="http://schemas.microsoft.com/office/drawing/2016/5/11/chartex" xmlns:cx6="http://schemas.microsoft.com/office/drawing/2016/5/12/chartex" xmlns:cx7="http://schemas.microsoft.com/office/drawing/2016/5/13/chartex" xmlns:cx8="http://schemas.microsoft.com/office/drawing/2016/5/14/chartex" xmlns:aink="http://schemas.microsoft.com/office/drawing/2016/ink" xmlns:am3d="http://schemas.microsoft.com/office/drawing/2017/model3d" xmlns:w16cid="http://schemas.microsoft.com/office/word/2016/wordml/cid" xmlns:w16se="http://schemas.microsoft.com/office/word/2015/wordml/symex" xmlns:a14="http://schemas.microsoft.com/office/drawing/2010/main" xmlns:w="http://schemas.openxmlformats.org/wordprocessingml/2006/main" xmlns:w10="urn:schemas-microsoft-com:office:word" xmlns:v="urn:schemas-microsoft-com:vml" xmlns:o="urn:schemas-microsoft-com:office:office" xmlns:mv="urn:schemas-microsoft-com:mac:vml" xmlns:mo="http://schemas.microsoft.com/office/mac/office/2008/main" xmlns="" xmlns:arto="http://schemas.microsoft.com/office/word/2006/arto" xmlns:lc="http://schemas.openxmlformats.org/drawingml/2006/lockedCanvas" w="3175">
+                <a14:hiddenLine xmlns:lc="http://schemas.openxmlformats.org/drawingml/2006/lockedCanvas" xmlns:arto="http://schemas.microsoft.com/office/word/2006/arto" xmlns="" xmlns:mo="http://schemas.microsoft.com/office/mac/office/2008/main" xmlns:mv="urn:schemas-microsoft-com:mac:vml" xmlns:o="urn:schemas-microsoft-com:office:office" xmlns:v="urn:schemas-microsoft-com:vml" xmlns:w10="urn:schemas-microsoft-com:office:word" xmlns:w="http://schemas.openxmlformats.org/wordprocessingml/2006/main" xmlns:a14="http://schemas.microsoft.com/office/drawing/2010/main" xmlns:w16se="http://schemas.microsoft.com/office/word/2015/wordml/symex" xmlns:w16cid="http://schemas.microsoft.com/office/word/2016/wordml/cid" xmlns:am3d="http://schemas.microsoft.com/office/drawing/2017/model3d" xmlns:aink="http://schemas.microsoft.com/office/drawing/2016/ink" xmlns:cx8="http://schemas.microsoft.com/office/drawing/2016/5/14/chartex" xmlns:cx7="http://schemas.microsoft.com/office/drawing/2016/5/13/chartex" xmlns:cx6="http://schemas.microsoft.com/office/drawing/2016/5/12/chartex" xmlns:cx5="http://schemas.microsoft.com/office/drawing/2016/5/11/chartex" xmlns:cx4="http://schemas.microsoft.com/office/drawing/2016/5/10/chartex" xmlns:cx3="http://schemas.microsoft.com/office/drawing/2016/5/9/chartex" xmlns:cx2="http://schemas.microsoft.com/office/drawing/2015/10/21/chartex" xmlns:cx1="http://schemas.microsoft.com/office/drawing/2015/9/8/chartex" xmlns:cx="http://schemas.microsoft.com/office/drawing/2014/chartex" xmlns:wps="http://schemas.microsoft.com/office/word/2010/wordprocessingShape" xmlns:wne="http://schemas.microsoft.com/office/word/2006/wordml" xmlns:wpi="http://schemas.microsoft.com/office/word/2010/wordprocessingInk" xmlns:wpg="http://schemas.microsoft.com/office/word/2010/wordprocessingGroup" xmlns:w15="http://schemas.microsoft.com/office/word/2012/wordml" xmlns:w14="http://schemas.microsoft.com/office/word/2010/wordml" xmlns:wp="http://schemas.openxmlformats.org/drawingml/2006/wordprocessingDrawing" xmlns:wp14="http://schemas.microsoft.com/office/word/2010/wordprocessingDrawing" xmlns:m="http://schemas.openxmlformats.org/officeDocument/2006/math" xmlns:mc="http://schemas.openxmlformats.org/markup-compatibility/2006" xmlns:wpc="http://schemas.microsoft.com/office/word/2010/wordprocessingCanvas" w="3175">
                   <a:solidFill>
                     <a:srgbClr val="000000"/>
                   </a:solidFill>
@@ -5218,17 +4678,13 @@
             </a:bodyPr>
             <a:lstStyle/>
             <a:p>
-              <a:pPr marL="0" marR="0">
+              <a:pPr>
                 <a:spcBef>
                   <a:spcPts val="600"/>
                 </a:spcBef>
-                <a:spcAft>
-                  <a:spcPts val="0"/>
-                </a:spcAft>
               </a:pPr>
               <a:r>
                 <a:rPr lang="en-US" sz="1000">
-                  <a:effectLst/>
                   <a:latin typeface="Times New Roman" panose="02020603050405020304" pitchFamily="18" charset="0"/>
                   <a:ea typeface="Times New Roman" panose="02020603050405020304" pitchFamily="18" charset="0"/>
                   <a:sym typeface="Wingdings" panose="05000000000000000000" pitchFamily="2" charset="2"/>
@@ -5236,7 +4692,6 @@
                 <a:t></a:t>
               </a:r>
               <a:endParaRPr lang="en-US" sz="1200">
-                <a:effectLst/>
                 <a:latin typeface="Times New Roman" panose="02020603050405020304" pitchFamily="18" charset="0"/>
                 <a:ea typeface="Times New Roman" panose="02020603050405020304" pitchFamily="18" charset="0"/>
               </a:endParaRPr>
@@ -5271,14 +4726,14 @@
             </a:ln>
             <a:extLst>
               <a:ext uri="{909E8E84-426E-40dd-AFC4-6F175D3DCCD1}">
-                <a14:hiddenFill xmlns:wpc="http://schemas.microsoft.com/office/word/2010/wordprocessingCanvas" xmlns:mc="http://schemas.openxmlformats.org/markup-compatibility/2006" xmlns:m="http://schemas.openxmlformats.org/officeDocument/2006/math" xmlns:wp14="http://schemas.microsoft.com/office/word/2010/wordprocessingDrawing" xmlns:wp="http://schemas.openxmlformats.org/drawingml/2006/wordprocessingDrawing" xmlns:w14="http://schemas.microsoft.com/office/word/2010/wordml" xmlns:w15="http://schemas.microsoft.com/office/word/2012/wordml" xmlns:wpg="http://schemas.microsoft.com/office/word/2010/wordprocessingGroup" xmlns:wpi="http://schemas.microsoft.com/office/word/2010/wordprocessingInk" xmlns:wne="http://schemas.microsoft.com/office/word/2006/wordml" xmlns:wps="http://schemas.microsoft.com/office/word/2010/wordprocessingShape" xmlns:cx="http://schemas.microsoft.com/office/drawing/2014/chartex" xmlns:cx1="http://schemas.microsoft.com/office/drawing/2015/9/8/chartex" xmlns:cx2="http://schemas.microsoft.com/office/drawing/2015/10/21/chartex" xmlns:cx3="http://schemas.microsoft.com/office/drawing/2016/5/9/chartex" xmlns:cx4="http://schemas.microsoft.com/office/drawing/2016/5/10/chartex" xmlns:cx5="http://schemas.microsoft.com/office/drawing/2016/5/11/chartex" xmlns:cx6="http://schemas.microsoft.com/office/drawing/2016/5/12/chartex" xmlns:cx7="http://schemas.microsoft.com/office/drawing/2016/5/13/chartex" xmlns:cx8="http://schemas.microsoft.com/office/drawing/2016/5/14/chartex" xmlns:aink="http://schemas.microsoft.com/office/drawing/2016/ink" xmlns:am3d="http://schemas.microsoft.com/office/drawing/2017/model3d" xmlns:w16cid="http://schemas.microsoft.com/office/word/2016/wordml/cid" xmlns:w16se="http://schemas.microsoft.com/office/word/2015/wordml/symex" xmlns:a14="http://schemas.microsoft.com/office/drawing/2010/main" xmlns:w="http://schemas.openxmlformats.org/wordprocessingml/2006/main" xmlns:w10="urn:schemas-microsoft-com:office:word" xmlns:v="urn:schemas-microsoft-com:vml" xmlns:o="urn:schemas-microsoft-com:office:office" xmlns:mv="urn:schemas-microsoft-com:mac:vml" xmlns:mo="http://schemas.microsoft.com/office/mac/office/2008/main" xmlns="" xmlns:arto="http://schemas.microsoft.com/office/word/2006/arto" xmlns:lc="http://schemas.openxmlformats.org/drawingml/2006/lockedCanvas">
+                <a14:hiddenFill xmlns:lc="http://schemas.openxmlformats.org/drawingml/2006/lockedCanvas" xmlns:arto="http://schemas.microsoft.com/office/word/2006/arto" xmlns="" xmlns:mo="http://schemas.microsoft.com/office/mac/office/2008/main" xmlns:mv="urn:schemas-microsoft-com:mac:vml" xmlns:o="urn:schemas-microsoft-com:office:office" xmlns:v="urn:schemas-microsoft-com:vml" xmlns:w10="urn:schemas-microsoft-com:office:word" xmlns:w="http://schemas.openxmlformats.org/wordprocessingml/2006/main" xmlns:a14="http://schemas.microsoft.com/office/drawing/2010/main" xmlns:w16se="http://schemas.microsoft.com/office/word/2015/wordml/symex" xmlns:w16cid="http://schemas.microsoft.com/office/word/2016/wordml/cid" xmlns:am3d="http://schemas.microsoft.com/office/drawing/2017/model3d" xmlns:aink="http://schemas.microsoft.com/office/drawing/2016/ink" xmlns:cx8="http://schemas.microsoft.com/office/drawing/2016/5/14/chartex" xmlns:cx7="http://schemas.microsoft.com/office/drawing/2016/5/13/chartex" xmlns:cx6="http://schemas.microsoft.com/office/drawing/2016/5/12/chartex" xmlns:cx5="http://schemas.microsoft.com/office/drawing/2016/5/11/chartex" xmlns:cx4="http://schemas.microsoft.com/office/drawing/2016/5/10/chartex" xmlns:cx3="http://schemas.microsoft.com/office/drawing/2016/5/9/chartex" xmlns:cx2="http://schemas.microsoft.com/office/drawing/2015/10/21/chartex" xmlns:cx1="http://schemas.microsoft.com/office/drawing/2015/9/8/chartex" xmlns:cx="http://schemas.microsoft.com/office/drawing/2014/chartex" xmlns:wps="http://schemas.microsoft.com/office/word/2010/wordprocessingShape" xmlns:wne="http://schemas.microsoft.com/office/word/2006/wordml" xmlns:wpi="http://schemas.microsoft.com/office/word/2010/wordprocessingInk" xmlns:wpg="http://schemas.microsoft.com/office/word/2010/wordprocessingGroup" xmlns:w15="http://schemas.microsoft.com/office/word/2012/wordml" xmlns:w14="http://schemas.microsoft.com/office/word/2010/wordml" xmlns:wp="http://schemas.openxmlformats.org/drawingml/2006/wordprocessingDrawing" xmlns:wp14="http://schemas.microsoft.com/office/word/2010/wordprocessingDrawing" xmlns:m="http://schemas.openxmlformats.org/officeDocument/2006/math" xmlns:mc="http://schemas.openxmlformats.org/markup-compatibility/2006" xmlns:wpc="http://schemas.microsoft.com/office/word/2010/wordprocessingCanvas">
                   <a:solidFill>
                     <a:srgbClr val="FFFFFF"/>
                   </a:solidFill>
                 </a14:hiddenFill>
               </a:ext>
               <a:ext uri="{91240B29-F687-4f45-9708-019B960494DF}">
-                <a14:hiddenLine xmlns:wpc="http://schemas.microsoft.com/office/word/2010/wordprocessingCanvas" xmlns:mc="http://schemas.openxmlformats.org/markup-compatibility/2006" xmlns:m="http://schemas.openxmlformats.org/officeDocument/2006/math" xmlns:wp14="http://schemas.microsoft.com/office/word/2010/wordprocessingDrawing" xmlns:wp="http://schemas.openxmlformats.org/drawingml/2006/wordprocessingDrawing" xmlns:w14="http://schemas.microsoft.com/office/word/2010/wordml" xmlns:w15="http://schemas.microsoft.com/office/word/2012/wordml" xmlns:wpg="http://schemas.microsoft.com/office/word/2010/wordprocessingGroup" xmlns:wpi="http://schemas.microsoft.com/office/word/2010/wordprocessingInk" xmlns:wne="http://schemas.microsoft.com/office/word/2006/wordml" xmlns:wps="http://schemas.microsoft.com/office/word/2010/wordprocessingShape" xmlns:cx="http://schemas.microsoft.com/office/drawing/2014/chartex" xmlns:cx1="http://schemas.microsoft.com/office/drawing/2015/9/8/chartex" xmlns:cx2="http://schemas.microsoft.com/office/drawing/2015/10/21/chartex" xmlns:cx3="http://schemas.microsoft.com/office/drawing/2016/5/9/chartex" xmlns:cx4="http://schemas.microsoft.com/office/drawing/2016/5/10/chartex" xmlns:cx5="http://schemas.microsoft.com/office/drawing/2016/5/11/chartex" xmlns:cx6="http://schemas.microsoft.com/office/drawing/2016/5/12/chartex" xmlns:cx7="http://schemas.microsoft.com/office/drawing/2016/5/13/chartex" xmlns:cx8="http://schemas.microsoft.com/office/drawing/2016/5/14/chartex" xmlns:aink="http://schemas.microsoft.com/office/drawing/2016/ink" xmlns:am3d="http://schemas.microsoft.com/office/drawing/2017/model3d" xmlns:w16cid="http://schemas.microsoft.com/office/word/2016/wordml/cid" xmlns:w16se="http://schemas.microsoft.com/office/word/2015/wordml/symex" xmlns:a14="http://schemas.microsoft.com/office/drawing/2010/main" xmlns:w="http://schemas.openxmlformats.org/wordprocessingml/2006/main" xmlns:w10="urn:schemas-microsoft-com:office:word" xmlns:v="urn:schemas-microsoft-com:vml" xmlns:o="urn:schemas-microsoft-com:office:office" xmlns:mv="urn:schemas-microsoft-com:mac:vml" xmlns:mo="http://schemas.microsoft.com/office/mac/office/2008/main" xmlns="" xmlns:arto="http://schemas.microsoft.com/office/word/2006/arto" xmlns:lc="http://schemas.openxmlformats.org/drawingml/2006/lockedCanvas" w="3175">
+                <a14:hiddenLine xmlns:lc="http://schemas.openxmlformats.org/drawingml/2006/lockedCanvas" xmlns:arto="http://schemas.microsoft.com/office/word/2006/arto" xmlns="" xmlns:mo="http://schemas.microsoft.com/office/mac/office/2008/main" xmlns:mv="urn:schemas-microsoft-com:mac:vml" xmlns:o="urn:schemas-microsoft-com:office:office" xmlns:v="urn:schemas-microsoft-com:vml" xmlns:w10="urn:schemas-microsoft-com:office:word" xmlns:w="http://schemas.openxmlformats.org/wordprocessingml/2006/main" xmlns:a14="http://schemas.microsoft.com/office/drawing/2010/main" xmlns:w16se="http://schemas.microsoft.com/office/word/2015/wordml/symex" xmlns:w16cid="http://schemas.microsoft.com/office/word/2016/wordml/cid" xmlns:am3d="http://schemas.microsoft.com/office/drawing/2017/model3d" xmlns:aink="http://schemas.microsoft.com/office/drawing/2016/ink" xmlns:cx8="http://schemas.microsoft.com/office/drawing/2016/5/14/chartex" xmlns:cx7="http://schemas.microsoft.com/office/drawing/2016/5/13/chartex" xmlns:cx6="http://schemas.microsoft.com/office/drawing/2016/5/12/chartex" xmlns:cx5="http://schemas.microsoft.com/office/drawing/2016/5/11/chartex" xmlns:cx4="http://schemas.microsoft.com/office/drawing/2016/5/10/chartex" xmlns:cx3="http://schemas.microsoft.com/office/drawing/2016/5/9/chartex" xmlns:cx2="http://schemas.microsoft.com/office/drawing/2015/10/21/chartex" xmlns:cx1="http://schemas.microsoft.com/office/drawing/2015/9/8/chartex" xmlns:cx="http://schemas.microsoft.com/office/drawing/2014/chartex" xmlns:wps="http://schemas.microsoft.com/office/word/2010/wordprocessingShape" xmlns:wne="http://schemas.microsoft.com/office/word/2006/wordml" xmlns:wpi="http://schemas.microsoft.com/office/word/2010/wordprocessingInk" xmlns:wpg="http://schemas.microsoft.com/office/word/2010/wordprocessingGroup" xmlns:w15="http://schemas.microsoft.com/office/word/2012/wordml" xmlns:w14="http://schemas.microsoft.com/office/word/2010/wordml" xmlns:wp="http://schemas.openxmlformats.org/drawingml/2006/wordprocessingDrawing" xmlns:wp14="http://schemas.microsoft.com/office/word/2010/wordprocessingDrawing" xmlns:m="http://schemas.openxmlformats.org/officeDocument/2006/math" xmlns:mc="http://schemas.openxmlformats.org/markup-compatibility/2006" xmlns:wpc="http://schemas.microsoft.com/office/word/2010/wordprocessingCanvas" w="3175">
                   <a:solidFill>
                     <a:srgbClr val="000000"/>
                   </a:solidFill>
@@ -5295,17 +4750,13 @@
             </a:bodyPr>
             <a:lstStyle/>
             <a:p>
-              <a:pPr marL="0" marR="0">
+              <a:pPr>
                 <a:spcBef>
                   <a:spcPts val="600"/>
                 </a:spcBef>
-                <a:spcAft>
-                  <a:spcPts val="0"/>
-                </a:spcAft>
               </a:pPr>
               <a:r>
                 <a:rPr lang="en-US" sz="1000">
-                  <a:effectLst/>
                   <a:latin typeface="Times New Roman" panose="02020603050405020304" pitchFamily="18" charset="0"/>
                   <a:ea typeface="Times New Roman" panose="02020603050405020304" pitchFamily="18" charset="0"/>
                   <a:sym typeface="Wingdings" panose="05000000000000000000" pitchFamily="2" charset="2"/>
@@ -5313,7 +4764,6 @@
                 <a:t></a:t>
               </a:r>
               <a:endParaRPr lang="en-US" sz="1200">
-                <a:effectLst/>
                 <a:latin typeface="Times New Roman" panose="02020603050405020304" pitchFamily="18" charset="0"/>
                 <a:ea typeface="Times New Roman" panose="02020603050405020304" pitchFamily="18" charset="0"/>
               </a:endParaRPr>
@@ -5366,27 +4816,18 @@
             </a:bodyPr>
             <a:lstStyle/>
             <a:p>
-              <a:pPr marL="0" marR="0" algn="ctr">
-                <a:spcBef>
-                  <a:spcPts val="0"/>
-                </a:spcBef>
-                <a:spcAft>
-                  <a:spcPts val="0"/>
-                </a:spcAft>
-              </a:pPr>
+              <a:pPr algn="ctr"/>
               <a:r>
                 <a:rPr lang="en-US" sz="1100" b="1">
                   <a:solidFill>
                     <a:srgbClr val="0D0D0D"/>
                   </a:solidFill>
-                  <a:effectLst/>
                   <a:latin typeface="Times New Roman" panose="02020603050405020304" pitchFamily="18" charset="0"/>
                   <a:ea typeface="Times New Roman" panose="02020603050405020304" pitchFamily="18" charset="0"/>
                 </a:rPr>
                 <a:t>Data Element Extractor</a:t>
               </a:r>
               <a:endParaRPr lang="en-US" sz="1200">
-                <a:effectLst/>
                 <a:latin typeface="Times New Roman" panose="02020603050405020304" pitchFamily="18" charset="0"/>
                 <a:ea typeface="Times New Roman" panose="02020603050405020304" pitchFamily="18" charset="0"/>
               </a:endParaRPr>
@@ -5427,7 +4868,7 @@
             </a:ln>
             <a:extLst>
               <a:ext uri="{909E8E84-426E-40dd-AFC4-6F175D3DCCD1}">
-                <a14:hiddenFill xmlns:wpc="http://schemas.microsoft.com/office/word/2010/wordprocessingCanvas" xmlns:mc="http://schemas.openxmlformats.org/markup-compatibility/2006" xmlns:m="http://schemas.openxmlformats.org/officeDocument/2006/math" xmlns:wp14="http://schemas.microsoft.com/office/word/2010/wordprocessingDrawing" xmlns:wp="http://schemas.openxmlformats.org/drawingml/2006/wordprocessingDrawing" xmlns:w14="http://schemas.microsoft.com/office/word/2010/wordml" xmlns:w15="http://schemas.microsoft.com/office/word/2012/wordml" xmlns:wpg="http://schemas.microsoft.com/office/word/2010/wordprocessingGroup" xmlns:wpi="http://schemas.microsoft.com/office/word/2010/wordprocessingInk" xmlns:wne="http://schemas.microsoft.com/office/word/2006/wordml" xmlns:wps="http://schemas.microsoft.com/office/word/2010/wordprocessingShape" xmlns:cx="http://schemas.microsoft.com/office/drawing/2014/chartex" xmlns:cx1="http://schemas.microsoft.com/office/drawing/2015/9/8/chartex" xmlns:cx2="http://schemas.microsoft.com/office/drawing/2015/10/21/chartex" xmlns:cx3="http://schemas.microsoft.com/office/drawing/2016/5/9/chartex" xmlns:cx4="http://schemas.microsoft.com/office/drawing/2016/5/10/chartex" xmlns:cx5="http://schemas.microsoft.com/office/drawing/2016/5/11/chartex" xmlns:cx6="http://schemas.microsoft.com/office/drawing/2016/5/12/chartex" xmlns:cx7="http://schemas.microsoft.com/office/drawing/2016/5/13/chartex" xmlns:cx8="http://schemas.microsoft.com/office/drawing/2016/5/14/chartex" xmlns:aink="http://schemas.microsoft.com/office/drawing/2016/ink" xmlns:am3d="http://schemas.microsoft.com/office/drawing/2017/model3d" xmlns:w16cid="http://schemas.microsoft.com/office/word/2016/wordml/cid" xmlns:w16se="http://schemas.microsoft.com/office/word/2015/wordml/symex" xmlns:a14="http://schemas.microsoft.com/office/drawing/2010/main" xmlns:w="http://schemas.openxmlformats.org/wordprocessingml/2006/main" xmlns:w10="urn:schemas-microsoft-com:office:word" xmlns:v="urn:schemas-microsoft-com:vml" xmlns:o="urn:schemas-microsoft-com:office:office" xmlns:mv="urn:schemas-microsoft-com:mac:vml" xmlns:mo="http://schemas.microsoft.com/office/mac/office/2008/main" xmlns="" xmlns:arto="http://schemas.microsoft.com/office/word/2006/arto" xmlns:lc="http://schemas.openxmlformats.org/drawingml/2006/lockedCanvas">
+                <a14:hiddenFill xmlns:lc="http://schemas.openxmlformats.org/drawingml/2006/lockedCanvas" xmlns:arto="http://schemas.microsoft.com/office/word/2006/arto" xmlns="" xmlns:mo="http://schemas.microsoft.com/office/mac/office/2008/main" xmlns:mv="urn:schemas-microsoft-com:mac:vml" xmlns:o="urn:schemas-microsoft-com:office:office" xmlns:v="urn:schemas-microsoft-com:vml" xmlns:w10="urn:schemas-microsoft-com:office:word" xmlns:w="http://schemas.openxmlformats.org/wordprocessingml/2006/main" xmlns:a14="http://schemas.microsoft.com/office/drawing/2010/main" xmlns:w16se="http://schemas.microsoft.com/office/word/2015/wordml/symex" xmlns:w16cid="http://schemas.microsoft.com/office/word/2016/wordml/cid" xmlns:am3d="http://schemas.microsoft.com/office/drawing/2017/model3d" xmlns:aink="http://schemas.microsoft.com/office/drawing/2016/ink" xmlns:cx8="http://schemas.microsoft.com/office/drawing/2016/5/14/chartex" xmlns:cx7="http://schemas.microsoft.com/office/drawing/2016/5/13/chartex" xmlns:cx6="http://schemas.microsoft.com/office/drawing/2016/5/12/chartex" xmlns:cx5="http://schemas.microsoft.com/office/drawing/2016/5/11/chartex" xmlns:cx4="http://schemas.microsoft.com/office/drawing/2016/5/10/chartex" xmlns:cx3="http://schemas.microsoft.com/office/drawing/2016/5/9/chartex" xmlns:cx2="http://schemas.microsoft.com/office/drawing/2015/10/21/chartex" xmlns:cx1="http://schemas.microsoft.com/office/drawing/2015/9/8/chartex" xmlns:cx="http://schemas.microsoft.com/office/drawing/2014/chartex" xmlns:wps="http://schemas.microsoft.com/office/word/2010/wordprocessingShape" xmlns:wne="http://schemas.microsoft.com/office/word/2006/wordml" xmlns:wpi="http://schemas.microsoft.com/office/word/2010/wordprocessingInk" xmlns:wpg="http://schemas.microsoft.com/office/word/2010/wordprocessingGroup" xmlns:w15="http://schemas.microsoft.com/office/word/2012/wordml" xmlns:w14="http://schemas.microsoft.com/office/word/2010/wordml" xmlns:wp="http://schemas.openxmlformats.org/drawingml/2006/wordprocessingDrawing" xmlns:wp14="http://schemas.microsoft.com/office/word/2010/wordprocessingDrawing" xmlns:m="http://schemas.openxmlformats.org/officeDocument/2006/math" xmlns:mc="http://schemas.openxmlformats.org/markup-compatibility/2006" xmlns:wpc="http://schemas.microsoft.com/office/word/2010/wordprocessingCanvas">
                   <a:solidFill>
                     <a:srgbClr val="FFFFFF"/>
                   </a:solidFill>
@@ -5441,17 +4882,9 @@
             </a:bodyPr>
             <a:lstStyle/>
             <a:p>
-              <a:pPr marL="0" marR="0" algn="ctr">
-                <a:spcBef>
-                  <a:spcPts val="0"/>
-                </a:spcBef>
-                <a:spcAft>
-                  <a:spcPts val="0"/>
-                </a:spcAft>
-              </a:pPr>
+              <a:pPr algn="ctr"/>
               <a:r>
                 <a:rPr lang="en-US" sz="1000" b="1">
-                  <a:effectLst/>
                   <a:latin typeface="Times New Roman" panose="02020603050405020304" pitchFamily="18" charset="0"/>
                   <a:ea typeface="Arial Unicode MS" panose="020B0604020202020204" pitchFamily="34" charset="-128"/>
                 </a:rPr>
@@ -5459,21 +4892,18 @@
               </a:r>
               <a:br>
                 <a:rPr lang="en-US" sz="1000" b="1">
-                  <a:effectLst/>
                   <a:latin typeface="Times New Roman" panose="02020603050405020304" pitchFamily="18" charset="0"/>
                   <a:ea typeface="Arial Unicode MS" panose="020B0604020202020204" pitchFamily="34" charset="-128"/>
                 </a:rPr>
               </a:br>
               <a:r>
                 <a:rPr lang="it-IT" sz="1000" b="1">
-                  <a:effectLst/>
                   <a:latin typeface="Times New Roman" panose="02020603050405020304" pitchFamily="18" charset="0"/>
                   <a:ea typeface="Arial Unicode MS" panose="020B0604020202020204" pitchFamily="34" charset="-128"/>
                 </a:rPr>
                 <a:t>Document Registry</a:t>
               </a:r>
               <a:endParaRPr lang="en-US" sz="1200">
-                <a:effectLst/>
                 <a:latin typeface="Times New Roman" panose="02020603050405020304" pitchFamily="18" charset="0"/>
                 <a:ea typeface="Times New Roman" panose="02020603050405020304" pitchFamily="18" charset="0"/>
               </a:endParaRPr>
@@ -5508,14 +4938,14 @@
             </a:ln>
             <a:extLst>
               <a:ext uri="{909E8E84-426E-40dd-AFC4-6F175D3DCCD1}">
-                <a14:hiddenFill xmlns:wpc="http://schemas.microsoft.com/office/word/2010/wordprocessingCanvas" xmlns:mc="http://schemas.openxmlformats.org/markup-compatibility/2006" xmlns:m="http://schemas.openxmlformats.org/officeDocument/2006/math" xmlns:wp14="http://schemas.microsoft.com/office/word/2010/wordprocessingDrawing" xmlns:wp="http://schemas.openxmlformats.org/drawingml/2006/wordprocessingDrawing" xmlns:w14="http://schemas.microsoft.com/office/word/2010/wordml" xmlns:w15="http://schemas.microsoft.com/office/word/2012/wordml" xmlns:wpg="http://schemas.microsoft.com/office/word/2010/wordprocessingGroup" xmlns:wpi="http://schemas.microsoft.com/office/word/2010/wordprocessingInk" xmlns:wne="http://schemas.microsoft.com/office/word/2006/wordml" xmlns:wps="http://schemas.microsoft.com/office/word/2010/wordprocessingShape" xmlns:cx="http://schemas.microsoft.com/office/drawing/2014/chartex" xmlns:cx1="http://schemas.microsoft.com/office/drawing/2015/9/8/chartex" xmlns:cx2="http://schemas.microsoft.com/office/drawing/2015/10/21/chartex" xmlns:cx3="http://schemas.microsoft.com/office/drawing/2016/5/9/chartex" xmlns:cx4="http://schemas.microsoft.com/office/drawing/2016/5/10/chartex" xmlns:cx5="http://schemas.microsoft.com/office/drawing/2016/5/11/chartex" xmlns:cx6="http://schemas.microsoft.com/office/drawing/2016/5/12/chartex" xmlns:cx7="http://schemas.microsoft.com/office/drawing/2016/5/13/chartex" xmlns:cx8="http://schemas.microsoft.com/office/drawing/2016/5/14/chartex" xmlns:aink="http://schemas.microsoft.com/office/drawing/2016/ink" xmlns:am3d="http://schemas.microsoft.com/office/drawing/2017/model3d" xmlns:w16cid="http://schemas.microsoft.com/office/word/2016/wordml/cid" xmlns:w16se="http://schemas.microsoft.com/office/word/2015/wordml/symex" xmlns:a14="http://schemas.microsoft.com/office/drawing/2010/main" xmlns:w="http://schemas.openxmlformats.org/wordprocessingml/2006/main" xmlns:w10="urn:schemas-microsoft-com:office:word" xmlns:v="urn:schemas-microsoft-com:vml" xmlns:o="urn:schemas-microsoft-com:office:office" xmlns:mv="urn:schemas-microsoft-com:mac:vml" xmlns:mo="http://schemas.microsoft.com/office/mac/office/2008/main" xmlns="" xmlns:arto="http://schemas.microsoft.com/office/word/2006/arto" xmlns:lc="http://schemas.openxmlformats.org/drawingml/2006/lockedCanvas">
+                <a14:hiddenFill xmlns:lc="http://schemas.openxmlformats.org/drawingml/2006/lockedCanvas" xmlns:arto="http://schemas.microsoft.com/office/word/2006/arto" xmlns="" xmlns:mo="http://schemas.microsoft.com/office/mac/office/2008/main" xmlns:mv="urn:schemas-microsoft-com:mac:vml" xmlns:o="urn:schemas-microsoft-com:office:office" xmlns:v="urn:schemas-microsoft-com:vml" xmlns:w10="urn:schemas-microsoft-com:office:word" xmlns:w="http://schemas.openxmlformats.org/wordprocessingml/2006/main" xmlns:a14="http://schemas.microsoft.com/office/drawing/2010/main" xmlns:w16se="http://schemas.microsoft.com/office/word/2015/wordml/symex" xmlns:w16cid="http://schemas.microsoft.com/office/word/2016/wordml/cid" xmlns:am3d="http://schemas.microsoft.com/office/drawing/2017/model3d" xmlns:aink="http://schemas.microsoft.com/office/drawing/2016/ink" xmlns:cx8="http://schemas.microsoft.com/office/drawing/2016/5/14/chartex" xmlns:cx7="http://schemas.microsoft.com/office/drawing/2016/5/13/chartex" xmlns:cx6="http://schemas.microsoft.com/office/drawing/2016/5/12/chartex" xmlns:cx5="http://schemas.microsoft.com/office/drawing/2016/5/11/chartex" xmlns:cx4="http://schemas.microsoft.com/office/drawing/2016/5/10/chartex" xmlns:cx3="http://schemas.microsoft.com/office/drawing/2016/5/9/chartex" xmlns:cx2="http://schemas.microsoft.com/office/drawing/2015/10/21/chartex" xmlns:cx1="http://schemas.microsoft.com/office/drawing/2015/9/8/chartex" xmlns:cx="http://schemas.microsoft.com/office/drawing/2014/chartex" xmlns:wps="http://schemas.microsoft.com/office/word/2010/wordprocessingShape" xmlns:wne="http://schemas.microsoft.com/office/word/2006/wordml" xmlns:wpi="http://schemas.microsoft.com/office/word/2010/wordprocessingInk" xmlns:wpg="http://schemas.microsoft.com/office/word/2010/wordprocessingGroup" xmlns:w15="http://schemas.microsoft.com/office/word/2012/wordml" xmlns:w14="http://schemas.microsoft.com/office/word/2010/wordml" xmlns:wp="http://schemas.openxmlformats.org/drawingml/2006/wordprocessingDrawing" xmlns:wp14="http://schemas.microsoft.com/office/word/2010/wordprocessingDrawing" xmlns:m="http://schemas.openxmlformats.org/officeDocument/2006/math" xmlns:mc="http://schemas.openxmlformats.org/markup-compatibility/2006" xmlns:wpc="http://schemas.microsoft.com/office/word/2010/wordprocessingCanvas">
                   <a:solidFill>
                     <a:srgbClr val="FFFFFF"/>
                   </a:solidFill>
                 </a14:hiddenFill>
               </a:ext>
               <a:ext uri="{91240B29-F687-4f45-9708-019B960494DF}">
-                <a14:hiddenLine xmlns:wpc="http://schemas.microsoft.com/office/word/2010/wordprocessingCanvas" xmlns:mc="http://schemas.openxmlformats.org/markup-compatibility/2006" xmlns:m="http://schemas.openxmlformats.org/officeDocument/2006/math" xmlns:wp14="http://schemas.microsoft.com/office/word/2010/wordprocessingDrawing" xmlns:wp="http://schemas.openxmlformats.org/drawingml/2006/wordprocessingDrawing" xmlns:w14="http://schemas.microsoft.com/office/word/2010/wordml" xmlns:w15="http://schemas.microsoft.com/office/word/2012/wordml" xmlns:wpg="http://schemas.microsoft.com/office/word/2010/wordprocessingGroup" xmlns:wpi="http://schemas.microsoft.com/office/word/2010/wordprocessingInk" xmlns:wne="http://schemas.microsoft.com/office/word/2006/wordml" xmlns:wps="http://schemas.microsoft.com/office/word/2010/wordprocessingShape" xmlns:cx="http://schemas.microsoft.com/office/drawing/2014/chartex" xmlns:cx1="http://schemas.microsoft.com/office/drawing/2015/9/8/chartex" xmlns:cx2="http://schemas.microsoft.com/office/drawing/2015/10/21/chartex" xmlns:cx3="http://schemas.microsoft.com/office/drawing/2016/5/9/chartex" xmlns:cx4="http://schemas.microsoft.com/office/drawing/2016/5/10/chartex" xmlns:cx5="http://schemas.microsoft.com/office/drawing/2016/5/11/chartex" xmlns:cx6="http://schemas.microsoft.com/office/drawing/2016/5/12/chartex" xmlns:cx7="http://schemas.microsoft.com/office/drawing/2016/5/13/chartex" xmlns:cx8="http://schemas.microsoft.com/office/drawing/2016/5/14/chartex" xmlns:aink="http://schemas.microsoft.com/office/drawing/2016/ink" xmlns:am3d="http://schemas.microsoft.com/office/drawing/2017/model3d" xmlns:w16cid="http://schemas.microsoft.com/office/word/2016/wordml/cid" xmlns:w16se="http://schemas.microsoft.com/office/word/2015/wordml/symex" xmlns:a14="http://schemas.microsoft.com/office/drawing/2010/main" xmlns:w="http://schemas.openxmlformats.org/wordprocessingml/2006/main" xmlns:w10="urn:schemas-microsoft-com:office:word" xmlns:v="urn:schemas-microsoft-com:vml" xmlns:o="urn:schemas-microsoft-com:office:office" xmlns:mv="urn:schemas-microsoft-com:mac:vml" xmlns:mo="http://schemas.microsoft.com/office/mac/office/2008/main" xmlns="" xmlns:arto="http://schemas.microsoft.com/office/word/2006/arto" xmlns:lc="http://schemas.openxmlformats.org/drawingml/2006/lockedCanvas" w="9525">
+                <a14:hiddenLine xmlns:lc="http://schemas.openxmlformats.org/drawingml/2006/lockedCanvas" xmlns:arto="http://schemas.microsoft.com/office/word/2006/arto" xmlns="" xmlns:mo="http://schemas.microsoft.com/office/mac/office/2008/main" xmlns:mv="urn:schemas-microsoft-com:mac:vml" xmlns:o="urn:schemas-microsoft-com:office:office" xmlns:v="urn:schemas-microsoft-com:vml" xmlns:w10="urn:schemas-microsoft-com:office:word" xmlns:w="http://schemas.openxmlformats.org/wordprocessingml/2006/main" xmlns:a14="http://schemas.microsoft.com/office/drawing/2010/main" xmlns:w16se="http://schemas.microsoft.com/office/word/2015/wordml/symex" xmlns:w16cid="http://schemas.microsoft.com/office/word/2016/wordml/cid" xmlns:am3d="http://schemas.microsoft.com/office/drawing/2017/model3d" xmlns:aink="http://schemas.microsoft.com/office/drawing/2016/ink" xmlns:cx8="http://schemas.microsoft.com/office/drawing/2016/5/14/chartex" xmlns:cx7="http://schemas.microsoft.com/office/drawing/2016/5/13/chartex" xmlns:cx6="http://schemas.microsoft.com/office/drawing/2016/5/12/chartex" xmlns:cx5="http://schemas.microsoft.com/office/drawing/2016/5/11/chartex" xmlns:cx4="http://schemas.microsoft.com/office/drawing/2016/5/10/chartex" xmlns:cx3="http://schemas.microsoft.com/office/drawing/2016/5/9/chartex" xmlns:cx2="http://schemas.microsoft.com/office/drawing/2015/10/21/chartex" xmlns:cx1="http://schemas.microsoft.com/office/drawing/2015/9/8/chartex" xmlns:cx="http://schemas.microsoft.com/office/drawing/2014/chartex" xmlns:wps="http://schemas.microsoft.com/office/word/2010/wordprocessingShape" xmlns:wne="http://schemas.microsoft.com/office/word/2006/wordml" xmlns:wpi="http://schemas.microsoft.com/office/word/2010/wordprocessingInk" xmlns:wpg="http://schemas.microsoft.com/office/word/2010/wordprocessingGroup" xmlns:w15="http://schemas.microsoft.com/office/word/2012/wordml" xmlns:w14="http://schemas.microsoft.com/office/word/2010/wordml" xmlns:wp="http://schemas.openxmlformats.org/drawingml/2006/wordprocessingDrawing" xmlns:wp14="http://schemas.microsoft.com/office/word/2010/wordprocessingDrawing" xmlns:m="http://schemas.openxmlformats.org/officeDocument/2006/math" xmlns:mc="http://schemas.openxmlformats.org/markup-compatibility/2006" xmlns:wpc="http://schemas.microsoft.com/office/word/2010/wordprocessingCanvas" w="9525">
                   <a:solidFill>
                     <a:srgbClr val="000000"/>
                   </a:solidFill>
@@ -5532,17 +4962,9 @@
             </a:bodyPr>
             <a:lstStyle/>
             <a:p>
-              <a:pPr marL="0" marR="0" algn="r">
-                <a:spcBef>
-                  <a:spcPts val="0"/>
-                </a:spcBef>
-                <a:spcAft>
-                  <a:spcPts val="0"/>
-                </a:spcAft>
-              </a:pPr>
+              <a:pPr algn="r"/>
               <a:r>
                 <a:rPr lang="en-US" sz="900">
-                  <a:effectLst/>
                   <a:latin typeface="Times New Roman" panose="02020603050405020304" pitchFamily="18" charset="0"/>
                   <a:ea typeface="Arial Unicode MS" panose="020B0604020202020204" pitchFamily="34" charset="-128"/>
                 </a:rPr>
@@ -5550,14 +4972,12 @@
               </a:r>
               <a:br>
                 <a:rPr lang="en-US" sz="900">
-                  <a:effectLst/>
                   <a:latin typeface="Times New Roman" panose="02020603050405020304" pitchFamily="18" charset="0"/>
                   <a:ea typeface="Arial Unicode MS" panose="020B0604020202020204" pitchFamily="34" charset="-128"/>
                 </a:rPr>
               </a:br>
               <a:r>
                 <a:rPr lang="en-US" sz="900">
-                  <a:effectLst/>
                   <a:latin typeface="Times New Roman" panose="02020603050405020304" pitchFamily="18" charset="0"/>
                   <a:ea typeface="Arial Unicode MS" panose="020B0604020202020204" pitchFamily="34" charset="-128"/>
                 </a:rPr>
@@ -5565,14 +4985,12 @@
               </a:r>
               <a:br>
                 <a:rPr lang="en-US" sz="900">
-                  <a:effectLst/>
                   <a:latin typeface="Times New Roman" panose="02020603050405020304" pitchFamily="18" charset="0"/>
                   <a:ea typeface="Arial Unicode MS" panose="020B0604020202020204" pitchFamily="34" charset="-128"/>
                 </a:rPr>
               </a:br>
               <a:r>
                 <a:rPr lang="en-US" sz="900">
-                  <a:effectLst/>
                   <a:latin typeface="Times New Roman" panose="02020603050405020304" pitchFamily="18" charset="0"/>
                   <a:ea typeface="Arial Unicode MS" panose="020B0604020202020204" pitchFamily="34" charset="-128"/>
                 </a:rPr>
@@ -5580,37 +4998,30 @@
               </a:r>
               <a:r>
                 <a:rPr lang="en-US" sz="900">
-                  <a:effectLst/>
                   <a:latin typeface="Times New Roman" panose="02020603050405020304" pitchFamily="18" charset="0"/>
                   <a:ea typeface="Times New Roman" panose="02020603050405020304" pitchFamily="18" charset="0"/>
                 </a:rPr>
                 <a:t>[ITI-43]</a:t>
               </a:r>
               <a:endParaRPr lang="en-US" sz="1200">
-                <a:effectLst/>
                 <a:latin typeface="Times New Roman" panose="02020603050405020304" pitchFamily="18" charset="0"/>
                 <a:ea typeface="Times New Roman" panose="02020603050405020304" pitchFamily="18" charset="0"/>
               </a:endParaRPr>
             </a:p>
             <a:p>
-              <a:pPr marL="0" marR="0" algn="r">
+              <a:pPr algn="r">
                 <a:spcBef>
                   <a:spcPts val="600"/>
                 </a:spcBef>
-                <a:spcAft>
-                  <a:spcPts val="0"/>
-                </a:spcAft>
               </a:pPr>
               <a:r>
                 <a:rPr lang="en-US" sz="1100">
-                  <a:effectLst/>
                   <a:latin typeface="Arial" panose="020B0604020202020204" pitchFamily="34" charset="0"/>
                   <a:ea typeface="Times New Roman" panose="02020603050405020304" pitchFamily="18" charset="0"/>
                 </a:rPr>
                 <a:t> </a:t>
               </a:r>
               <a:endParaRPr lang="en-US" sz="1200">
-                <a:effectLst/>
                 <a:latin typeface="Times New Roman" panose="02020603050405020304" pitchFamily="18" charset="0"/>
                 <a:ea typeface="Times New Roman" panose="02020603050405020304" pitchFamily="18" charset="0"/>
               </a:endParaRPr>
@@ -5645,14 +5056,14 @@
             </a:ln>
             <a:extLst>
               <a:ext uri="{909E8E84-426E-40dd-AFC4-6F175D3DCCD1}">
-                <a14:hiddenFill xmlns:wpc="http://schemas.microsoft.com/office/word/2010/wordprocessingCanvas" xmlns:mc="http://schemas.openxmlformats.org/markup-compatibility/2006" xmlns:m="http://schemas.openxmlformats.org/officeDocument/2006/math" xmlns:wp14="http://schemas.microsoft.com/office/word/2010/wordprocessingDrawing" xmlns:wp="http://schemas.openxmlformats.org/drawingml/2006/wordprocessingDrawing" xmlns:w14="http://schemas.microsoft.com/office/word/2010/wordml" xmlns:w15="http://schemas.microsoft.com/office/word/2012/wordml" xmlns:wpg="http://schemas.microsoft.com/office/word/2010/wordprocessingGroup" xmlns:wpi="http://schemas.microsoft.com/office/word/2010/wordprocessingInk" xmlns:wne="http://schemas.microsoft.com/office/word/2006/wordml" xmlns:wps="http://schemas.microsoft.com/office/word/2010/wordprocessingShape" xmlns:cx="http://schemas.microsoft.com/office/drawing/2014/chartex" xmlns:cx1="http://schemas.microsoft.com/office/drawing/2015/9/8/chartex" xmlns:cx2="http://schemas.microsoft.com/office/drawing/2015/10/21/chartex" xmlns:cx3="http://schemas.microsoft.com/office/drawing/2016/5/9/chartex" xmlns:cx4="http://schemas.microsoft.com/office/drawing/2016/5/10/chartex" xmlns:cx5="http://schemas.microsoft.com/office/drawing/2016/5/11/chartex" xmlns:cx6="http://schemas.microsoft.com/office/drawing/2016/5/12/chartex" xmlns:cx7="http://schemas.microsoft.com/office/drawing/2016/5/13/chartex" xmlns:cx8="http://schemas.microsoft.com/office/drawing/2016/5/14/chartex" xmlns:aink="http://schemas.microsoft.com/office/drawing/2016/ink" xmlns:am3d="http://schemas.microsoft.com/office/drawing/2017/model3d" xmlns:w16cid="http://schemas.microsoft.com/office/word/2016/wordml/cid" xmlns:w16se="http://schemas.microsoft.com/office/word/2015/wordml/symex" xmlns:a14="http://schemas.microsoft.com/office/drawing/2010/main" xmlns:w="http://schemas.openxmlformats.org/wordprocessingml/2006/main" xmlns:w10="urn:schemas-microsoft-com:office:word" xmlns:v="urn:schemas-microsoft-com:vml" xmlns:o="urn:schemas-microsoft-com:office:office" xmlns:mv="urn:schemas-microsoft-com:mac:vml" xmlns:mo="http://schemas.microsoft.com/office/mac/office/2008/main" xmlns="" xmlns:arto="http://schemas.microsoft.com/office/word/2006/arto" xmlns:lc="http://schemas.openxmlformats.org/drawingml/2006/lockedCanvas">
+                <a14:hiddenFill xmlns:lc="http://schemas.openxmlformats.org/drawingml/2006/lockedCanvas" xmlns:arto="http://schemas.microsoft.com/office/word/2006/arto" xmlns="" xmlns:mo="http://schemas.microsoft.com/office/mac/office/2008/main" xmlns:mv="urn:schemas-microsoft-com:mac:vml" xmlns:o="urn:schemas-microsoft-com:office:office" xmlns:v="urn:schemas-microsoft-com:vml" xmlns:w10="urn:schemas-microsoft-com:office:word" xmlns:w="http://schemas.openxmlformats.org/wordprocessingml/2006/main" xmlns:a14="http://schemas.microsoft.com/office/drawing/2010/main" xmlns:w16se="http://schemas.microsoft.com/office/word/2015/wordml/symex" xmlns:w16cid="http://schemas.microsoft.com/office/word/2016/wordml/cid" xmlns:am3d="http://schemas.microsoft.com/office/drawing/2017/model3d" xmlns:aink="http://schemas.microsoft.com/office/drawing/2016/ink" xmlns:cx8="http://schemas.microsoft.com/office/drawing/2016/5/14/chartex" xmlns:cx7="http://schemas.microsoft.com/office/drawing/2016/5/13/chartex" xmlns:cx6="http://schemas.microsoft.com/office/drawing/2016/5/12/chartex" xmlns:cx5="http://schemas.microsoft.com/office/drawing/2016/5/11/chartex" xmlns:cx4="http://schemas.microsoft.com/office/drawing/2016/5/10/chartex" xmlns:cx3="http://schemas.microsoft.com/office/drawing/2016/5/9/chartex" xmlns:cx2="http://schemas.microsoft.com/office/drawing/2015/10/21/chartex" xmlns:cx1="http://schemas.microsoft.com/office/drawing/2015/9/8/chartex" xmlns:cx="http://schemas.microsoft.com/office/drawing/2014/chartex" xmlns:wps="http://schemas.microsoft.com/office/word/2010/wordprocessingShape" xmlns:wne="http://schemas.microsoft.com/office/word/2006/wordml" xmlns:wpi="http://schemas.microsoft.com/office/word/2010/wordprocessingInk" xmlns:wpg="http://schemas.microsoft.com/office/word/2010/wordprocessingGroup" xmlns:w15="http://schemas.microsoft.com/office/word/2012/wordml" xmlns:w14="http://schemas.microsoft.com/office/word/2010/wordml" xmlns:wp="http://schemas.openxmlformats.org/drawingml/2006/wordprocessingDrawing" xmlns:wp14="http://schemas.microsoft.com/office/word/2010/wordprocessingDrawing" xmlns:m="http://schemas.openxmlformats.org/officeDocument/2006/math" xmlns:mc="http://schemas.openxmlformats.org/markup-compatibility/2006" xmlns:wpc="http://schemas.microsoft.com/office/word/2010/wordprocessingCanvas">
                   <a:solidFill>
                     <a:srgbClr val="FFFFFF"/>
                   </a:solidFill>
                 </a14:hiddenFill>
               </a:ext>
               <a:ext uri="{91240B29-F687-4f45-9708-019B960494DF}">
-                <a14:hiddenLine xmlns:wpc="http://schemas.microsoft.com/office/word/2010/wordprocessingCanvas" xmlns:mc="http://schemas.openxmlformats.org/markup-compatibility/2006" xmlns:m="http://schemas.openxmlformats.org/officeDocument/2006/math" xmlns:wp14="http://schemas.microsoft.com/office/word/2010/wordprocessingDrawing" xmlns:wp="http://schemas.openxmlformats.org/drawingml/2006/wordprocessingDrawing" xmlns:w14="http://schemas.microsoft.com/office/word/2010/wordml" xmlns:w15="http://schemas.microsoft.com/office/word/2012/wordml" xmlns:wpg="http://schemas.microsoft.com/office/word/2010/wordprocessingGroup" xmlns:wpi="http://schemas.microsoft.com/office/word/2010/wordprocessingInk" xmlns:wne="http://schemas.microsoft.com/office/word/2006/wordml" xmlns:wps="http://schemas.microsoft.com/office/word/2010/wordprocessingShape" xmlns:cx="http://schemas.microsoft.com/office/drawing/2014/chartex" xmlns:cx1="http://schemas.microsoft.com/office/drawing/2015/9/8/chartex" xmlns:cx2="http://schemas.microsoft.com/office/drawing/2015/10/21/chartex" xmlns:cx3="http://schemas.microsoft.com/office/drawing/2016/5/9/chartex" xmlns:cx4="http://schemas.microsoft.com/office/drawing/2016/5/10/chartex" xmlns:cx5="http://schemas.microsoft.com/office/drawing/2016/5/11/chartex" xmlns:cx6="http://schemas.microsoft.com/office/drawing/2016/5/12/chartex" xmlns:cx7="http://schemas.microsoft.com/office/drawing/2016/5/13/chartex" xmlns:cx8="http://schemas.microsoft.com/office/drawing/2016/5/14/chartex" xmlns:aink="http://schemas.microsoft.com/office/drawing/2016/ink" xmlns:am3d="http://schemas.microsoft.com/office/drawing/2017/model3d" xmlns:w16cid="http://schemas.microsoft.com/office/word/2016/wordml/cid" xmlns:w16se="http://schemas.microsoft.com/office/word/2015/wordml/symex" xmlns:a14="http://schemas.microsoft.com/office/drawing/2010/main" xmlns:w="http://schemas.openxmlformats.org/wordprocessingml/2006/main" xmlns:w10="urn:schemas-microsoft-com:office:word" xmlns:v="urn:schemas-microsoft-com:vml" xmlns:o="urn:schemas-microsoft-com:office:office" xmlns:mv="urn:schemas-microsoft-com:mac:vml" xmlns:mo="http://schemas.microsoft.com/office/mac/office/2008/main" xmlns="" xmlns:arto="http://schemas.microsoft.com/office/word/2006/arto" xmlns:lc="http://schemas.openxmlformats.org/drawingml/2006/lockedCanvas" w="3175">
+                <a14:hiddenLine xmlns:lc="http://schemas.openxmlformats.org/drawingml/2006/lockedCanvas" xmlns:arto="http://schemas.microsoft.com/office/word/2006/arto" xmlns="" xmlns:mo="http://schemas.microsoft.com/office/mac/office/2008/main" xmlns:mv="urn:schemas-microsoft-com:mac:vml" xmlns:o="urn:schemas-microsoft-com:office:office" xmlns:v="urn:schemas-microsoft-com:vml" xmlns:w10="urn:schemas-microsoft-com:office:word" xmlns:w="http://schemas.openxmlformats.org/wordprocessingml/2006/main" xmlns:a14="http://schemas.microsoft.com/office/drawing/2010/main" xmlns:w16se="http://schemas.microsoft.com/office/word/2015/wordml/symex" xmlns:w16cid="http://schemas.microsoft.com/office/word/2016/wordml/cid" xmlns:am3d="http://schemas.microsoft.com/office/drawing/2017/model3d" xmlns:aink="http://schemas.microsoft.com/office/drawing/2016/ink" xmlns:cx8="http://schemas.microsoft.com/office/drawing/2016/5/14/chartex" xmlns:cx7="http://schemas.microsoft.com/office/drawing/2016/5/13/chartex" xmlns:cx6="http://schemas.microsoft.com/office/drawing/2016/5/12/chartex" xmlns:cx5="http://schemas.microsoft.com/office/drawing/2016/5/11/chartex" xmlns:cx4="http://schemas.microsoft.com/office/drawing/2016/5/10/chartex" xmlns:cx3="http://schemas.microsoft.com/office/drawing/2016/5/9/chartex" xmlns:cx2="http://schemas.microsoft.com/office/drawing/2015/10/21/chartex" xmlns:cx1="http://schemas.microsoft.com/office/drawing/2015/9/8/chartex" xmlns:cx="http://schemas.microsoft.com/office/drawing/2014/chartex" xmlns:wps="http://schemas.microsoft.com/office/word/2010/wordprocessingShape" xmlns:wne="http://schemas.microsoft.com/office/word/2006/wordml" xmlns:wpi="http://schemas.microsoft.com/office/word/2010/wordprocessingInk" xmlns:wpg="http://schemas.microsoft.com/office/word/2010/wordprocessingGroup" xmlns:w15="http://schemas.microsoft.com/office/word/2012/wordml" xmlns:w14="http://schemas.microsoft.com/office/word/2010/wordml" xmlns:wp="http://schemas.openxmlformats.org/drawingml/2006/wordprocessingDrawing" xmlns:wp14="http://schemas.microsoft.com/office/word/2010/wordprocessingDrawing" xmlns:m="http://schemas.openxmlformats.org/officeDocument/2006/math" xmlns:mc="http://schemas.openxmlformats.org/markup-compatibility/2006" xmlns:wpc="http://schemas.microsoft.com/office/word/2010/wordprocessingCanvas" w="3175">
                   <a:solidFill>
                     <a:srgbClr val="000000"/>
                   </a:solidFill>
@@ -5669,17 +5080,13 @@
             </a:bodyPr>
             <a:lstStyle/>
             <a:p>
-              <a:pPr marL="0" marR="0">
+              <a:pPr>
                 <a:spcBef>
                   <a:spcPts val="600"/>
                 </a:spcBef>
-                <a:spcAft>
-                  <a:spcPts val="0"/>
-                </a:spcAft>
               </a:pPr>
               <a:r>
                 <a:rPr lang="en-US" sz="1000">
-                  <a:effectLst/>
                   <a:latin typeface="Times New Roman" panose="02020603050405020304" pitchFamily="18" charset="0"/>
                   <a:ea typeface="Times New Roman" panose="02020603050405020304" pitchFamily="18" charset="0"/>
                   <a:sym typeface="Wingdings" panose="05000000000000000000" pitchFamily="2" charset="2"/>
@@ -5687,7 +5094,6 @@
                 <a:t></a:t>
               </a:r>
               <a:endParaRPr lang="en-US" sz="1200">
-                <a:effectLst/>
                 <a:latin typeface="Times New Roman" panose="02020603050405020304" pitchFamily="18" charset="0"/>
                 <a:ea typeface="Times New Roman" panose="02020603050405020304" pitchFamily="18" charset="0"/>
               </a:endParaRPr>
@@ -5728,17 +5134,13 @@
             </a:bodyPr>
             <a:lstStyle/>
             <a:p>
-              <a:pPr marL="0" marR="0">
+              <a:pPr>
                 <a:spcBef>
                   <a:spcPts val="600"/>
                 </a:spcBef>
-                <a:spcAft>
-                  <a:spcPts val="0"/>
-                </a:spcAft>
               </a:pPr>
               <a:r>
                 <a:rPr lang="en-US" sz="1000">
-                  <a:effectLst/>
                   <a:latin typeface="Times New Roman" panose="02020603050405020304" pitchFamily="18" charset="0"/>
                   <a:ea typeface="Times New Roman" panose="02020603050405020304" pitchFamily="18" charset="0"/>
                   <a:sym typeface="Wingdings" panose="05000000000000000000" pitchFamily="2" charset="2"/>
@@ -5746,7 +5148,6 @@
                 <a:t></a:t>
               </a:r>
               <a:endParaRPr lang="en-US" sz="1200">
-                <a:effectLst/>
                 <a:latin typeface="Times New Roman" panose="02020603050405020304" pitchFamily="18" charset="0"/>
                 <a:ea typeface="Times New Roman" panose="02020603050405020304" pitchFamily="18" charset="0"/>
               </a:endParaRPr>
@@ -5787,7 +5188,7 @@
             </a:ln>
             <a:extLst>
               <a:ext uri="{909E8E84-426E-40dd-AFC4-6F175D3DCCD1}">
-                <a14:hiddenFill xmlns:wpc="http://schemas.microsoft.com/office/word/2010/wordprocessingCanvas" xmlns:mc="http://schemas.openxmlformats.org/markup-compatibility/2006" xmlns:m="http://schemas.openxmlformats.org/officeDocument/2006/math" xmlns:wp14="http://schemas.microsoft.com/office/word/2010/wordprocessingDrawing" xmlns:wp="http://schemas.openxmlformats.org/drawingml/2006/wordprocessingDrawing" xmlns:w14="http://schemas.microsoft.com/office/word/2010/wordml" xmlns:w15="http://schemas.microsoft.com/office/word/2012/wordml" xmlns:wpg="http://schemas.microsoft.com/office/word/2010/wordprocessingGroup" xmlns:wpi="http://schemas.microsoft.com/office/word/2010/wordprocessingInk" xmlns:wne="http://schemas.microsoft.com/office/word/2006/wordml" xmlns:wps="http://schemas.microsoft.com/office/word/2010/wordprocessingShape" xmlns:cx="http://schemas.microsoft.com/office/drawing/2014/chartex" xmlns:cx1="http://schemas.microsoft.com/office/drawing/2015/9/8/chartex" xmlns:cx2="http://schemas.microsoft.com/office/drawing/2015/10/21/chartex" xmlns:cx3="http://schemas.microsoft.com/office/drawing/2016/5/9/chartex" xmlns:cx4="http://schemas.microsoft.com/office/drawing/2016/5/10/chartex" xmlns:cx5="http://schemas.microsoft.com/office/drawing/2016/5/11/chartex" xmlns:cx6="http://schemas.microsoft.com/office/drawing/2016/5/12/chartex" xmlns:cx7="http://schemas.microsoft.com/office/drawing/2016/5/13/chartex" xmlns:cx8="http://schemas.microsoft.com/office/drawing/2016/5/14/chartex" xmlns:aink="http://schemas.microsoft.com/office/drawing/2016/ink" xmlns:am3d="http://schemas.microsoft.com/office/drawing/2017/model3d" xmlns:w16cid="http://schemas.microsoft.com/office/word/2016/wordml/cid" xmlns:w16se="http://schemas.microsoft.com/office/word/2015/wordml/symex" xmlns:a14="http://schemas.microsoft.com/office/drawing/2010/main" xmlns:w="http://schemas.openxmlformats.org/wordprocessingml/2006/main" xmlns:w10="urn:schemas-microsoft-com:office:word" xmlns:v="urn:schemas-microsoft-com:vml" xmlns:o="urn:schemas-microsoft-com:office:office" xmlns:mv="urn:schemas-microsoft-com:mac:vml" xmlns:mo="http://schemas.microsoft.com/office/mac/office/2008/main" xmlns="" xmlns:arto="http://schemas.microsoft.com/office/word/2006/arto" xmlns:lc="http://schemas.openxmlformats.org/drawingml/2006/lockedCanvas">
+                <a14:hiddenFill xmlns:lc="http://schemas.openxmlformats.org/drawingml/2006/lockedCanvas" xmlns:arto="http://schemas.microsoft.com/office/word/2006/arto" xmlns="" xmlns:mo="http://schemas.microsoft.com/office/mac/office/2008/main" xmlns:mv="urn:schemas-microsoft-com:mac:vml" xmlns:o="urn:schemas-microsoft-com:office:office" xmlns:v="urn:schemas-microsoft-com:vml" xmlns:w10="urn:schemas-microsoft-com:office:word" xmlns:w="http://schemas.openxmlformats.org/wordprocessingml/2006/main" xmlns:a14="http://schemas.microsoft.com/office/drawing/2010/main" xmlns:w16se="http://schemas.microsoft.com/office/word/2015/wordml/symex" xmlns:w16cid="http://schemas.microsoft.com/office/word/2016/wordml/cid" xmlns:am3d="http://schemas.microsoft.com/office/drawing/2017/model3d" xmlns:aink="http://schemas.microsoft.com/office/drawing/2016/ink" xmlns:cx8="http://schemas.microsoft.com/office/drawing/2016/5/14/chartex" xmlns:cx7="http://schemas.microsoft.com/office/drawing/2016/5/13/chartex" xmlns:cx6="http://schemas.microsoft.com/office/drawing/2016/5/12/chartex" xmlns:cx5="http://schemas.microsoft.com/office/drawing/2016/5/11/chartex" xmlns:cx4="http://schemas.microsoft.com/office/drawing/2016/5/10/chartex" xmlns:cx3="http://schemas.microsoft.com/office/drawing/2016/5/9/chartex" xmlns:cx2="http://schemas.microsoft.com/office/drawing/2015/10/21/chartex" xmlns:cx1="http://schemas.microsoft.com/office/drawing/2015/9/8/chartex" xmlns:cx="http://schemas.microsoft.com/office/drawing/2014/chartex" xmlns:wps="http://schemas.microsoft.com/office/word/2010/wordprocessingShape" xmlns:wne="http://schemas.microsoft.com/office/word/2006/wordml" xmlns:wpi="http://schemas.microsoft.com/office/word/2010/wordprocessingInk" xmlns:wpg="http://schemas.microsoft.com/office/word/2010/wordprocessingGroup" xmlns:w15="http://schemas.microsoft.com/office/word/2012/wordml" xmlns:w14="http://schemas.microsoft.com/office/word/2010/wordml" xmlns:wp="http://schemas.openxmlformats.org/drawingml/2006/wordprocessingDrawing" xmlns:wp14="http://schemas.microsoft.com/office/word/2010/wordprocessingDrawing" xmlns:m="http://schemas.openxmlformats.org/officeDocument/2006/math" xmlns:mc="http://schemas.openxmlformats.org/markup-compatibility/2006" xmlns:wpc="http://schemas.microsoft.com/office/word/2010/wordprocessingCanvas">
                   <a:noFill/>
                 </a14:hiddenFill>
               </a:ext>
@@ -5811,7 +5212,7 @@
 <file path=ppt/theme/theme1.xml><?xml version="1.0" encoding="utf-8"?>
 <a:theme xmlns:a="http://schemas.openxmlformats.org/drawingml/2006/main" name="Office Theme">
   <a:themeElements>
-    <a:clrScheme name="Office">
+    <a:clrScheme name="Office Theme">
       <a:dk1>
         <a:sysClr val="windowText" lastClr="000000"/>
       </a:dk1>
@@ -5849,7 +5250,7 @@
         <a:srgbClr val="954F72"/>
       </a:folHlink>
     </a:clrScheme>
-    <a:fontScheme name="Office">
+    <a:fontScheme name="Office Theme">
       <a:majorFont>
         <a:latin typeface="Calibri Light" panose="020F0302020204030204"/>
         <a:ea typeface=""/>
@@ -5884,23 +5285,6 @@
         <a:font script="Viet" typeface="Times New Roman"/>
         <a:font script="Uigh" typeface="Microsoft Uighur"/>
         <a:font script="Geor" typeface="Sylfaen"/>
-        <a:font script="Armn" typeface="Arial"/>
-        <a:font script="Bugi" typeface="Leelawadee UI"/>
-        <a:font script="Bopo" typeface="Microsoft JhengHei"/>
-        <a:font script="Java" typeface="Javanese Text"/>
-        <a:font script="Lisu" typeface="Segoe UI"/>
-        <a:font script="Mymr" typeface="Myanmar Text"/>
-        <a:font script="Nkoo" typeface="Ebrima"/>
-        <a:font script="Olck" typeface="Nirmala UI"/>
-        <a:font script="Osma" typeface="Ebrima"/>
-        <a:font script="Phag" typeface="Phagspa"/>
-        <a:font script="Syrn" typeface="Estrangelo Edessa"/>
-        <a:font script="Syrj" typeface="Estrangelo Edessa"/>
-        <a:font script="Syre" typeface="Estrangelo Edessa"/>
-        <a:font script="Sora" typeface="Nirmala UI"/>
-        <a:font script="Tale" typeface="Microsoft Tai Le"/>
-        <a:font script="Talu" typeface="Microsoft New Tai Lue"/>
-        <a:font script="Tfng" typeface="Ebrima"/>
       </a:majorFont>
       <a:minorFont>
         <a:latin typeface="Calibri" panose="020F0502020204030204"/>
@@ -5936,26 +5320,9 @@
         <a:font script="Viet" typeface="Arial"/>
         <a:font script="Uigh" typeface="Microsoft Uighur"/>
         <a:font script="Geor" typeface="Sylfaen"/>
-        <a:font script="Armn" typeface="Arial"/>
-        <a:font script="Bugi" typeface="Leelawadee UI"/>
-        <a:font script="Bopo" typeface="Microsoft JhengHei"/>
-        <a:font script="Java" typeface="Javanese Text"/>
-        <a:font script="Lisu" typeface="Segoe UI"/>
-        <a:font script="Mymr" typeface="Myanmar Text"/>
-        <a:font script="Nkoo" typeface="Ebrima"/>
-        <a:font script="Olck" typeface="Nirmala UI"/>
-        <a:font script="Osma" typeface="Ebrima"/>
-        <a:font script="Phag" typeface="Phagspa"/>
-        <a:font script="Syrn" typeface="Estrangelo Edessa"/>
-        <a:font script="Syrj" typeface="Estrangelo Edessa"/>
-        <a:font script="Syre" typeface="Estrangelo Edessa"/>
-        <a:font script="Sora" typeface="Nirmala UI"/>
-        <a:font script="Tale" typeface="Microsoft Tai Le"/>
-        <a:font script="Talu" typeface="Microsoft New Tai Lue"/>
-        <a:font script="Tfng" typeface="Ebrima"/>
       </a:minorFont>
     </a:fontScheme>
-    <a:fmtScheme name="Office">
+    <a:fmtScheme name="Office Theme">
       <a:fillStyleLst>
         <a:solidFill>
           <a:schemeClr val="phClr"/>
